--- a/aulas/saida-02-Back-end/Csharp/DocumentacaoMVC.pptx
+++ b/aulas/saida-02-Back-end/Csharp/DocumentacaoMVC.pptx
@@ -11,6 +11,17 @@
     <p:sldId id="258" r:id="rId5"/>
     <p:sldId id="260" r:id="rId6"/>
     <p:sldId id="261" r:id="rId7"/>
+    <p:sldId id="262" r:id="rId8"/>
+    <p:sldId id="263" r:id="rId9"/>
+    <p:sldId id="264" r:id="rId10"/>
+    <p:sldId id="265" r:id="rId11"/>
+    <p:sldId id="267" r:id="rId12"/>
+    <p:sldId id="266" r:id="rId13"/>
+    <p:sldId id="268" r:id="rId14"/>
+    <p:sldId id="269" r:id="rId15"/>
+    <p:sldId id="271" r:id="rId16"/>
+    <p:sldId id="270" r:id="rId17"/>
+    <p:sldId id="272" r:id="rId18"/>
   </p:sldIdLst>
   <p:sldSz cx="12192000" cy="6858000"/>
   <p:notesSz cx="6858000" cy="9144000"/>
@@ -120,9 +131,23 @@
             <p14:sldId id="258"/>
             <p14:sldId id="260"/>
             <p14:sldId id="261"/>
+            <p14:sldId id="262"/>
+            <p14:sldId id="263"/>
+            <p14:sldId id="264"/>
+            <p14:sldId id="265"/>
+            <p14:sldId id="267"/>
+            <p14:sldId id="266"/>
+            <p14:sldId id="268"/>
+            <p14:sldId id="269"/>
+            <p14:sldId id="271"/>
+            <p14:sldId id="270"/>
+            <p14:sldId id="272"/>
           </p14:sldIdLst>
         </p14:section>
       </p14:sectionLst>
+    </p:ext>
+    <p:ext uri="{EFAFB233-063F-42B5-8137-9DF3F51BA10A}">
+      <p15:sldGuideLst xmlns:p15="http://schemas.microsoft.com/office/powerpoint/2012/main"/>
     </p:ext>
   </p:extLst>
 </p:presentation>
@@ -324,7 +349,7 @@
           <a:p>
             <a:fld id="{1C2F9D8F-1C23-41D0-8943-647BAEDF74E8}" type="datetimeFigureOut">
               <a:rPr lang="pt-BR" smtClean="0"/>
-              <a:t>04/08/2025</a:t>
+              <a:t>06/08/2025</a:t>
             </a:fld>
             <a:endParaRPr lang="pt-BR"/>
           </a:p>
@@ -548,7 +573,7 @@
           <a:p>
             <a:fld id="{1C2F9D8F-1C23-41D0-8943-647BAEDF74E8}" type="datetimeFigureOut">
               <a:rPr lang="pt-BR" smtClean="0"/>
-              <a:t>04/08/2025</a:t>
+              <a:t>06/08/2025</a:t>
             </a:fld>
             <a:endParaRPr lang="pt-BR"/>
           </a:p>
@@ -728,7 +753,7 @@
           <a:p>
             <a:fld id="{1C2F9D8F-1C23-41D0-8943-647BAEDF74E8}" type="datetimeFigureOut">
               <a:rPr lang="pt-BR" smtClean="0"/>
-              <a:t>04/08/2025</a:t>
+              <a:t>06/08/2025</a:t>
             </a:fld>
             <a:endParaRPr lang="pt-BR"/>
           </a:p>
@@ -898,7 +923,7 @@
           <a:p>
             <a:fld id="{1C2F9D8F-1C23-41D0-8943-647BAEDF74E8}" type="datetimeFigureOut">
               <a:rPr lang="pt-BR" smtClean="0"/>
-              <a:t>04/08/2025</a:t>
+              <a:t>06/08/2025</a:t>
             </a:fld>
             <a:endParaRPr lang="pt-BR"/>
           </a:p>
@@ -1189,7 +1214,7 @@
           <a:p>
             <a:fld id="{1C2F9D8F-1C23-41D0-8943-647BAEDF74E8}" type="datetimeFigureOut">
               <a:rPr lang="pt-BR" smtClean="0"/>
-              <a:t>04/08/2025</a:t>
+              <a:t>06/08/2025</a:t>
             </a:fld>
             <a:endParaRPr lang="pt-BR"/>
           </a:p>
@@ -1515,7 +1540,7 @@
           <a:p>
             <a:fld id="{1C2F9D8F-1C23-41D0-8943-647BAEDF74E8}" type="datetimeFigureOut">
               <a:rPr lang="pt-BR" smtClean="0"/>
-              <a:t>04/08/2025</a:t>
+              <a:t>06/08/2025</a:t>
             </a:fld>
             <a:endParaRPr lang="pt-BR"/>
           </a:p>
@@ -1927,7 +1952,7 @@
           <a:p>
             <a:fld id="{1C2F9D8F-1C23-41D0-8943-647BAEDF74E8}" type="datetimeFigureOut">
               <a:rPr lang="pt-BR" smtClean="0"/>
-              <a:t>04/08/2025</a:t>
+              <a:t>06/08/2025</a:t>
             </a:fld>
             <a:endParaRPr lang="pt-BR"/>
           </a:p>
@@ -2045,7 +2070,7 @@
           <a:p>
             <a:fld id="{1C2F9D8F-1C23-41D0-8943-647BAEDF74E8}" type="datetimeFigureOut">
               <a:rPr lang="pt-BR" smtClean="0"/>
-              <a:t>04/08/2025</a:t>
+              <a:t>06/08/2025</a:t>
             </a:fld>
             <a:endParaRPr lang="pt-BR"/>
           </a:p>
@@ -2140,7 +2165,7 @@
           <a:p>
             <a:fld id="{1C2F9D8F-1C23-41D0-8943-647BAEDF74E8}" type="datetimeFigureOut">
               <a:rPr lang="pt-BR" smtClean="0"/>
-              <a:t>04/08/2025</a:t>
+              <a:t>06/08/2025</a:t>
             </a:fld>
             <a:endParaRPr lang="pt-BR"/>
           </a:p>
@@ -2427,7 +2452,7 @@
           <a:p>
             <a:fld id="{1C2F9D8F-1C23-41D0-8943-647BAEDF74E8}" type="datetimeFigureOut">
               <a:rPr lang="pt-BR" smtClean="0"/>
-              <a:t>04/08/2025</a:t>
+              <a:t>06/08/2025</a:t>
             </a:fld>
             <a:endParaRPr lang="pt-BR"/>
           </a:p>
@@ -2704,7 +2729,7 @@
           <a:p>
             <a:fld id="{1C2F9D8F-1C23-41D0-8943-647BAEDF74E8}" type="datetimeFigureOut">
               <a:rPr lang="pt-BR" smtClean="0"/>
-              <a:t>04/08/2025</a:t>
+              <a:t>06/08/2025</a:t>
             </a:fld>
             <a:endParaRPr lang="pt-BR"/>
           </a:p>
@@ -2955,7 +2980,7 @@
           <a:p>
             <a:fld id="{1C2F9D8F-1C23-41D0-8943-647BAEDF74E8}" type="datetimeFigureOut">
               <a:rPr lang="pt-BR" smtClean="0"/>
-              <a:t>04/08/2025</a:t>
+              <a:t>06/08/2025</a:t>
             </a:fld>
             <a:endParaRPr lang="pt-BR"/>
           </a:p>
@@ -3538,6 +3563,3374 @@
 </p:sld>
 </file>
 
+<file path=ppt/slides/slide10.xml><?xml version="1.0" encoding="utf-8"?>
+<p:sld xmlns:a="http://schemas.openxmlformats.org/drawingml/2006/main" xmlns:r="http://schemas.openxmlformats.org/officeDocument/2006/relationships" xmlns:p="http://schemas.openxmlformats.org/presentationml/2006/main">
+  <p:cSld>
+    <p:spTree>
+      <p:nvGrpSpPr>
+        <p:cNvPr id="1" name="">
+          <a:extLst>
+            <a:ext uri="{FF2B5EF4-FFF2-40B4-BE49-F238E27FC236}">
+              <a16:creationId xmlns:a16="http://schemas.microsoft.com/office/drawing/2014/main" id="{CD882AEF-7E7F-1218-3939-CB6963E4C305}"/>
+            </a:ext>
+          </a:extLst>
+        </p:cNvPr>
+        <p:cNvGrpSpPr/>
+        <p:nvPr/>
+      </p:nvGrpSpPr>
+      <p:grpSpPr>
+        <a:xfrm>
+          <a:off x="0" y="0"/>
+          <a:ext cx="0" cy="0"/>
+          <a:chOff x="0" y="0"/>
+          <a:chExt cx="0" cy="0"/>
+        </a:xfrm>
+      </p:grpSpPr>
+      <p:sp>
+        <p:nvSpPr>
+          <p:cNvPr id="2" name="Título 1">
+            <a:extLst>
+              <a:ext uri="{FF2B5EF4-FFF2-40B4-BE49-F238E27FC236}">
+                <a16:creationId xmlns:a16="http://schemas.microsoft.com/office/drawing/2014/main" id="{9C40BB2B-D546-888B-31A7-23CB3431DF1F}"/>
+              </a:ext>
+            </a:extLst>
+          </p:cNvPr>
+          <p:cNvSpPr>
+            <a:spLocks noGrp="1"/>
+          </p:cNvSpPr>
+          <p:nvPr>
+            <p:ph type="title"/>
+          </p:nvPr>
+        </p:nvSpPr>
+        <p:spPr/>
+        <p:txBody>
+          <a:bodyPr/>
+          <a:lstStyle/>
+          <a:p>
+            <a:r>
+              <a:rPr lang="pt-BR" dirty="0"/>
+              <a:t>Modelos/ Models</a:t>
+            </a:r>
+          </a:p>
+        </p:txBody>
+      </p:sp>
+      <p:sp>
+        <p:nvSpPr>
+          <p:cNvPr id="5" name="Espaço Reservado para Conteúdo 4">
+            <a:extLst>
+              <a:ext uri="{FF2B5EF4-FFF2-40B4-BE49-F238E27FC236}">
+                <a16:creationId xmlns:a16="http://schemas.microsoft.com/office/drawing/2014/main" id="{58AB1EF6-A221-008E-7E1E-235B800CE3B1}"/>
+              </a:ext>
+            </a:extLst>
+          </p:cNvPr>
+          <p:cNvSpPr>
+            <a:spLocks noGrp="1"/>
+          </p:cNvSpPr>
+          <p:nvPr>
+            <p:ph idx="1"/>
+          </p:nvPr>
+        </p:nvSpPr>
+        <p:spPr/>
+        <p:txBody>
+          <a:bodyPr/>
+          <a:lstStyle/>
+          <a:p>
+            <a:r>
+              <a:rPr lang="pt-BR" dirty="0"/>
+              <a:t>Data </a:t>
+            </a:r>
+            <a:r>
+              <a:rPr lang="pt-BR" dirty="0" err="1"/>
+              <a:t>notation</a:t>
+            </a:r>
+            <a:r>
+              <a:rPr lang="pt-BR" dirty="0"/>
+              <a:t> são as notações em cima das propriedades</a:t>
+            </a:r>
+          </a:p>
+          <a:p>
+            <a:r>
+              <a:rPr lang="pt-BR" dirty="0"/>
+              <a:t>Criação das tabelas do banco de dados</a:t>
+            </a:r>
+          </a:p>
+          <a:p>
+            <a:endParaRPr lang="pt-BR" dirty="0"/>
+          </a:p>
+          <a:p>
+            <a:r>
+              <a:rPr lang="pt-BR" dirty="0"/>
+              <a:t>{</a:t>
+            </a:r>
+            <a:r>
+              <a:rPr lang="pt-BR" dirty="0" err="1"/>
+              <a:t>get</a:t>
+            </a:r>
+            <a:r>
+              <a:rPr lang="pt-BR" dirty="0"/>
+              <a:t>; set;} recebe e passa a informação</a:t>
+            </a:r>
+          </a:p>
+          <a:p>
+            <a:endParaRPr lang="pt-BR" dirty="0"/>
+          </a:p>
+          <a:p>
+            <a:r>
+              <a:rPr lang="pt-BR" dirty="0"/>
+              <a:t>[</a:t>
+            </a:r>
+            <a:r>
+              <a:rPr lang="pt-BR" dirty="0" err="1"/>
+              <a:t>key</a:t>
+            </a:r>
+            <a:r>
+              <a:rPr lang="pt-BR" dirty="0"/>
+              <a:t>] PK</a:t>
+            </a:r>
+          </a:p>
+          <a:p>
+            <a:r>
+              <a:rPr lang="pt-BR" dirty="0"/>
+              <a:t>[</a:t>
+            </a:r>
+            <a:r>
+              <a:rPr lang="pt-BR" dirty="0" err="1"/>
+              <a:t>required</a:t>
+            </a:r>
+            <a:r>
+              <a:rPr lang="pt-BR" dirty="0"/>
+              <a:t>] </a:t>
+            </a:r>
+            <a:r>
+              <a:rPr lang="pt-BR" dirty="0" err="1"/>
+              <a:t>Not</a:t>
+            </a:r>
+            <a:r>
+              <a:rPr lang="pt-BR" dirty="0"/>
+              <a:t> </a:t>
+            </a:r>
+            <a:r>
+              <a:rPr lang="pt-BR" dirty="0" err="1"/>
+              <a:t>null</a:t>
+            </a:r>
+            <a:endParaRPr lang="pt-BR" dirty="0"/>
+          </a:p>
+          <a:p>
+            <a:r>
+              <a:rPr lang="pt-BR" dirty="0"/>
+              <a:t>[display] alias</a:t>
+            </a:r>
+          </a:p>
+          <a:p>
+            <a:r>
+              <a:rPr lang="pt-BR" dirty="0"/>
+              <a:t>[</a:t>
+            </a:r>
+            <a:r>
+              <a:rPr lang="pt-BR" dirty="0" err="1"/>
+              <a:t>stringLenght</a:t>
+            </a:r>
+            <a:r>
+              <a:rPr lang="pt-BR" dirty="0"/>
+              <a:t>] </a:t>
+            </a:r>
+            <a:r>
+              <a:rPr lang="pt-BR" dirty="0" err="1"/>
+              <a:t>varchar</a:t>
+            </a:r>
+            <a:r>
+              <a:rPr lang="pt-BR" dirty="0"/>
+              <a:t>()</a:t>
+            </a:r>
+          </a:p>
+        </p:txBody>
+      </p:sp>
+    </p:spTree>
+    <p:extLst>
+      <p:ext uri="{BB962C8B-B14F-4D97-AF65-F5344CB8AC3E}">
+        <p14:creationId xmlns:p14="http://schemas.microsoft.com/office/powerpoint/2010/main" val="2551653863"/>
+      </p:ext>
+    </p:extLst>
+  </p:cSld>
+  <p:clrMapOvr>
+    <a:masterClrMapping/>
+  </p:clrMapOvr>
+</p:sld>
+</file>
+
+<file path=ppt/slides/slide11.xml><?xml version="1.0" encoding="utf-8"?>
+<p:sld xmlns:a="http://schemas.openxmlformats.org/drawingml/2006/main" xmlns:r="http://schemas.openxmlformats.org/officeDocument/2006/relationships" xmlns:p="http://schemas.openxmlformats.org/presentationml/2006/main">
+  <p:cSld>
+    <p:spTree>
+      <p:nvGrpSpPr>
+        <p:cNvPr id="1" name=""/>
+        <p:cNvGrpSpPr/>
+        <p:nvPr/>
+      </p:nvGrpSpPr>
+      <p:grpSpPr>
+        <a:xfrm>
+          <a:off x="0" y="0"/>
+          <a:ext cx="0" cy="0"/>
+          <a:chOff x="0" y="0"/>
+          <a:chExt cx="0" cy="0"/>
+        </a:xfrm>
+      </p:grpSpPr>
+      <p:sp>
+        <p:nvSpPr>
+          <p:cNvPr id="2" name="Título 1">
+            <a:extLst>
+              <a:ext uri="{FF2B5EF4-FFF2-40B4-BE49-F238E27FC236}">
+                <a16:creationId xmlns:a16="http://schemas.microsoft.com/office/drawing/2014/main" id="{AA76E7DA-E133-92AA-C990-65A9A1CBD751}"/>
+              </a:ext>
+            </a:extLst>
+          </p:cNvPr>
+          <p:cNvSpPr>
+            <a:spLocks noGrp="1"/>
+          </p:cNvSpPr>
+          <p:nvPr>
+            <p:ph type="title"/>
+          </p:nvPr>
+        </p:nvSpPr>
+        <p:spPr/>
+        <p:txBody>
+          <a:bodyPr/>
+          <a:lstStyle/>
+          <a:p>
+            <a:r>
+              <a:rPr lang="pt-BR" dirty="0"/>
+              <a:t>Modelos/ Models</a:t>
+            </a:r>
+          </a:p>
+        </p:txBody>
+      </p:sp>
+      <p:pic>
+        <p:nvPicPr>
+          <p:cNvPr id="5" name="Espaço Reservado para Conteúdo 4">
+            <a:extLst>
+              <a:ext uri="{FF2B5EF4-FFF2-40B4-BE49-F238E27FC236}">
+                <a16:creationId xmlns:a16="http://schemas.microsoft.com/office/drawing/2014/main" id="{C143608B-7C1B-4E60-924A-D48575572C75}"/>
+              </a:ext>
+            </a:extLst>
+          </p:cNvPr>
+          <p:cNvPicPr>
+            <a:picLocks noGrp="1" noChangeAspect="1"/>
+          </p:cNvPicPr>
+          <p:nvPr>
+            <p:ph idx="1"/>
+          </p:nvPr>
+        </p:nvPicPr>
+        <p:blipFill>
+          <a:blip r:embed="rId2"/>
+          <a:stretch>
+            <a:fillRect/>
+          </a:stretch>
+        </p:blipFill>
+        <p:spPr>
+          <a:xfrm>
+            <a:off x="1261872" y="2651831"/>
+            <a:ext cx="3270304" cy="2539294"/>
+          </a:xfrm>
+          <a:prstGeom prst="rect">
+            <a:avLst/>
+          </a:prstGeom>
+        </p:spPr>
+      </p:pic>
+      <p:sp>
+        <p:nvSpPr>
+          <p:cNvPr id="7" name="CaixaDeTexto 6">
+            <a:extLst>
+              <a:ext uri="{FF2B5EF4-FFF2-40B4-BE49-F238E27FC236}">
+                <a16:creationId xmlns:a16="http://schemas.microsoft.com/office/drawing/2014/main" id="{618E3352-7F43-AF78-CF57-038D8074540D}"/>
+              </a:ext>
+            </a:extLst>
+          </p:cNvPr>
+          <p:cNvSpPr txBox="1"/>
+          <p:nvPr/>
+        </p:nvSpPr>
+        <p:spPr>
+          <a:xfrm>
+            <a:off x="4608576" y="2651831"/>
+            <a:ext cx="4114800" cy="923330"/>
+          </a:xfrm>
+          <a:prstGeom prst="rect">
+            <a:avLst/>
+          </a:prstGeom>
+          <a:noFill/>
+        </p:spPr>
+        <p:txBody>
+          <a:bodyPr wrap="square" rtlCol="0">
+            <a:spAutoFit/>
+          </a:bodyPr>
+          <a:lstStyle/>
+          <a:p>
+            <a:r>
+              <a:rPr lang="pt-BR" dirty="0"/>
+              <a:t>Modelos criados</a:t>
+            </a:r>
+          </a:p>
+          <a:p>
+            <a:endParaRPr lang="pt-BR" dirty="0"/>
+          </a:p>
+          <a:p>
+            <a:r>
+              <a:rPr lang="pt-BR" dirty="0"/>
+              <a:t>Onde vão ficar cada tabela separada</a:t>
+            </a:r>
+          </a:p>
+        </p:txBody>
+      </p:sp>
+      <p:cxnSp>
+        <p:nvCxnSpPr>
+          <p:cNvPr id="9" name="Conector reto 8">
+            <a:extLst>
+              <a:ext uri="{FF2B5EF4-FFF2-40B4-BE49-F238E27FC236}">
+                <a16:creationId xmlns:a16="http://schemas.microsoft.com/office/drawing/2014/main" id="{7B2EB858-2888-8108-E884-79DAA0451A7D}"/>
+              </a:ext>
+            </a:extLst>
+          </p:cNvPr>
+          <p:cNvCxnSpPr/>
+          <p:nvPr/>
+        </p:nvCxnSpPr>
+        <p:spPr>
+          <a:xfrm>
+            <a:off x="2505456" y="3556730"/>
+            <a:ext cx="1938528" cy="0"/>
+          </a:xfrm>
+          <a:prstGeom prst="line">
+            <a:avLst/>
+          </a:prstGeom>
+          <a:ln w="38100">
+            <a:solidFill>
+              <a:srgbClr val="FF0000"/>
+            </a:solidFill>
+          </a:ln>
+        </p:spPr>
+        <p:style>
+          <a:lnRef idx="1">
+            <a:schemeClr val="accent1"/>
+          </a:lnRef>
+          <a:fillRef idx="0">
+            <a:schemeClr val="accent1"/>
+          </a:fillRef>
+          <a:effectRef idx="0">
+            <a:schemeClr val="accent1"/>
+          </a:effectRef>
+          <a:fontRef idx="minor">
+            <a:schemeClr val="tx1"/>
+          </a:fontRef>
+        </p:style>
+      </p:cxnSp>
+    </p:spTree>
+    <p:extLst>
+      <p:ext uri="{BB962C8B-B14F-4D97-AF65-F5344CB8AC3E}">
+        <p14:creationId xmlns:p14="http://schemas.microsoft.com/office/powerpoint/2010/main" val="679567021"/>
+      </p:ext>
+    </p:extLst>
+  </p:cSld>
+  <p:clrMapOvr>
+    <a:masterClrMapping/>
+  </p:clrMapOvr>
+</p:sld>
+</file>
+
+<file path=ppt/slides/slide12.xml><?xml version="1.0" encoding="utf-8"?>
+<p:sld xmlns:a="http://schemas.openxmlformats.org/drawingml/2006/main" xmlns:r="http://schemas.openxmlformats.org/officeDocument/2006/relationships" xmlns:p="http://schemas.openxmlformats.org/presentationml/2006/main">
+  <p:cSld>
+    <p:spTree>
+      <p:nvGrpSpPr>
+        <p:cNvPr id="1" name="">
+          <a:extLst>
+            <a:ext uri="{FF2B5EF4-FFF2-40B4-BE49-F238E27FC236}">
+              <a16:creationId xmlns:a16="http://schemas.microsoft.com/office/drawing/2014/main" id="{95667D3E-E195-0141-F657-93F1D753F2F5}"/>
+            </a:ext>
+          </a:extLst>
+        </p:cNvPr>
+        <p:cNvGrpSpPr/>
+        <p:nvPr/>
+      </p:nvGrpSpPr>
+      <p:grpSpPr>
+        <a:xfrm>
+          <a:off x="0" y="0"/>
+          <a:ext cx="0" cy="0"/>
+          <a:chOff x="0" y="0"/>
+          <a:chExt cx="0" cy="0"/>
+        </a:xfrm>
+      </p:grpSpPr>
+      <p:sp>
+        <p:nvSpPr>
+          <p:cNvPr id="2" name="Título 1">
+            <a:extLst>
+              <a:ext uri="{FF2B5EF4-FFF2-40B4-BE49-F238E27FC236}">
+                <a16:creationId xmlns:a16="http://schemas.microsoft.com/office/drawing/2014/main" id="{40BCCD49-235C-0165-5DE1-18400A984240}"/>
+              </a:ext>
+            </a:extLst>
+          </p:cNvPr>
+          <p:cNvSpPr>
+            <a:spLocks noGrp="1"/>
+          </p:cNvSpPr>
+          <p:nvPr>
+            <p:ph type="title"/>
+          </p:nvPr>
+        </p:nvSpPr>
+        <p:spPr>
+          <a:xfrm>
+            <a:off x="1261872" y="91440"/>
+            <a:ext cx="9692640" cy="1641313"/>
+          </a:xfrm>
+        </p:spPr>
+        <p:txBody>
+          <a:bodyPr/>
+          <a:lstStyle/>
+          <a:p>
+            <a:r>
+              <a:rPr lang="pt-BR" dirty="0"/>
+              <a:t>Modelos/ Models</a:t>
+            </a:r>
+          </a:p>
+        </p:txBody>
+      </p:sp>
+      <p:pic>
+        <p:nvPicPr>
+          <p:cNvPr id="4" name="Imagem 3">
+            <a:extLst>
+              <a:ext uri="{FF2B5EF4-FFF2-40B4-BE49-F238E27FC236}">
+                <a16:creationId xmlns:a16="http://schemas.microsoft.com/office/drawing/2014/main" id="{34314D1B-6FA1-B512-E0F7-09EF089E3C9D}"/>
+              </a:ext>
+            </a:extLst>
+          </p:cNvPr>
+          <p:cNvPicPr>
+            <a:picLocks noChangeAspect="1"/>
+          </p:cNvPicPr>
+          <p:nvPr/>
+        </p:nvPicPr>
+        <p:blipFill>
+          <a:blip r:embed="rId2"/>
+          <a:srcRect b="38154"/>
+          <a:stretch>
+            <a:fillRect/>
+          </a:stretch>
+        </p:blipFill>
+        <p:spPr>
+          <a:xfrm>
+            <a:off x="504099" y="1764616"/>
+            <a:ext cx="4934639" cy="3246296"/>
+          </a:xfrm>
+          <a:prstGeom prst="rect">
+            <a:avLst/>
+          </a:prstGeom>
+          <a:ln>
+            <a:solidFill>
+              <a:srgbClr val="FF0000"/>
+            </a:solidFill>
+          </a:ln>
+        </p:spPr>
+      </p:pic>
+      <p:sp>
+        <p:nvSpPr>
+          <p:cNvPr id="10" name="CaixaDeTexto 9">
+            <a:extLst>
+              <a:ext uri="{FF2B5EF4-FFF2-40B4-BE49-F238E27FC236}">
+                <a16:creationId xmlns:a16="http://schemas.microsoft.com/office/drawing/2014/main" id="{B8224ACC-4AA0-D226-F9AD-9F204244FC94}"/>
+              </a:ext>
+            </a:extLst>
+          </p:cNvPr>
+          <p:cNvSpPr txBox="1"/>
+          <p:nvPr/>
+        </p:nvSpPr>
+        <p:spPr>
+          <a:xfrm>
+            <a:off x="5438733" y="2560870"/>
+            <a:ext cx="5844959" cy="307777"/>
+          </a:xfrm>
+          <a:prstGeom prst="rect">
+            <a:avLst/>
+          </a:prstGeom>
+          <a:noFill/>
+        </p:spPr>
+        <p:txBody>
+          <a:bodyPr wrap="square" rtlCol="0">
+            <a:spAutoFit/>
+          </a:bodyPr>
+          <a:lstStyle/>
+          <a:p>
+            <a:r>
+              <a:rPr lang="pt-BR" sz="1400" dirty="0">
+                <a:solidFill>
+                  <a:srgbClr val="FF0000"/>
+                </a:solidFill>
+              </a:rPr>
+              <a:t>[</a:t>
+            </a:r>
+            <a:r>
+              <a:rPr lang="pt-BR" sz="1400" dirty="0" err="1">
+                <a:solidFill>
+                  <a:srgbClr val="FF0000"/>
+                </a:solidFill>
+              </a:rPr>
+              <a:t>table</a:t>
+            </a:r>
+            <a:r>
+              <a:rPr lang="pt-BR" sz="1400" dirty="0">
+                <a:solidFill>
+                  <a:srgbClr val="FF0000"/>
+                </a:solidFill>
+              </a:rPr>
+              <a:t>] recebe o nome da tabela</a:t>
+            </a:r>
+          </a:p>
+        </p:txBody>
+      </p:sp>
+      <p:sp>
+        <p:nvSpPr>
+          <p:cNvPr id="11" name="CaixaDeTexto 10">
+            <a:extLst>
+              <a:ext uri="{FF2B5EF4-FFF2-40B4-BE49-F238E27FC236}">
+                <a16:creationId xmlns:a16="http://schemas.microsoft.com/office/drawing/2014/main" id="{AD5144C7-AD9B-DC74-9719-ACE4E5B36232}"/>
+              </a:ext>
+            </a:extLst>
+          </p:cNvPr>
+          <p:cNvSpPr txBox="1"/>
+          <p:nvPr/>
+        </p:nvSpPr>
+        <p:spPr>
+          <a:xfrm>
+            <a:off x="5438736" y="2936289"/>
+            <a:ext cx="5844957" cy="307777"/>
+          </a:xfrm>
+          <a:prstGeom prst="rect">
+            <a:avLst/>
+          </a:prstGeom>
+          <a:noFill/>
+        </p:spPr>
+        <p:txBody>
+          <a:bodyPr wrap="square" rtlCol="0">
+            <a:spAutoFit/>
+          </a:bodyPr>
+          <a:lstStyle/>
+          <a:p>
+            <a:r>
+              <a:rPr lang="pt-BR" sz="1400" dirty="0">
+                <a:solidFill>
+                  <a:srgbClr val="FF0000"/>
+                </a:solidFill>
+              </a:rPr>
+              <a:t>Tabela publica para acesso de outro canto</a:t>
+            </a:r>
+          </a:p>
+        </p:txBody>
+      </p:sp>
+      <p:sp>
+        <p:nvSpPr>
+          <p:cNvPr id="12" name="CaixaDeTexto 11">
+            <a:extLst>
+              <a:ext uri="{FF2B5EF4-FFF2-40B4-BE49-F238E27FC236}">
+                <a16:creationId xmlns:a16="http://schemas.microsoft.com/office/drawing/2014/main" id="{3AC32588-DA67-21F8-1392-A77905CC3DF7}"/>
+              </a:ext>
+            </a:extLst>
+          </p:cNvPr>
+          <p:cNvSpPr txBox="1"/>
+          <p:nvPr/>
+        </p:nvSpPr>
+        <p:spPr>
+          <a:xfrm>
+            <a:off x="5438737" y="3275519"/>
+            <a:ext cx="5844958" cy="307777"/>
+          </a:xfrm>
+          <a:prstGeom prst="rect">
+            <a:avLst/>
+          </a:prstGeom>
+          <a:noFill/>
+        </p:spPr>
+        <p:txBody>
+          <a:bodyPr wrap="square" rtlCol="0">
+            <a:spAutoFit/>
+          </a:bodyPr>
+          <a:lstStyle/>
+          <a:p>
+            <a:r>
+              <a:rPr lang="pt-BR" sz="1400" dirty="0">
+                <a:solidFill>
+                  <a:srgbClr val="FF0000"/>
+                </a:solidFill>
+              </a:rPr>
+              <a:t>[</a:t>
+            </a:r>
+            <a:r>
+              <a:rPr lang="pt-BR" sz="1400" dirty="0" err="1">
+                <a:solidFill>
+                  <a:srgbClr val="FF0000"/>
+                </a:solidFill>
+              </a:rPr>
+              <a:t>key</a:t>
+            </a:r>
+            <a:r>
+              <a:rPr lang="pt-BR" sz="1400" dirty="0">
+                <a:solidFill>
+                  <a:srgbClr val="FF0000"/>
+                </a:solidFill>
+              </a:rPr>
+              <a:t>] indica a PK</a:t>
+            </a:r>
+          </a:p>
+        </p:txBody>
+      </p:sp>
+      <p:sp>
+        <p:nvSpPr>
+          <p:cNvPr id="13" name="CaixaDeTexto 12">
+            <a:extLst>
+              <a:ext uri="{FF2B5EF4-FFF2-40B4-BE49-F238E27FC236}">
+                <a16:creationId xmlns:a16="http://schemas.microsoft.com/office/drawing/2014/main" id="{26839552-92D0-181C-374F-B6C4E9450FA5}"/>
+              </a:ext>
+            </a:extLst>
+          </p:cNvPr>
+          <p:cNvSpPr txBox="1"/>
+          <p:nvPr/>
+        </p:nvSpPr>
+        <p:spPr>
+          <a:xfrm>
+            <a:off x="5438738" y="3478071"/>
+            <a:ext cx="5844954" cy="307777"/>
+          </a:xfrm>
+          <a:prstGeom prst="rect">
+            <a:avLst/>
+          </a:prstGeom>
+          <a:noFill/>
+        </p:spPr>
+        <p:txBody>
+          <a:bodyPr wrap="square" rtlCol="0">
+            <a:spAutoFit/>
+          </a:bodyPr>
+          <a:lstStyle/>
+          <a:p>
+            <a:r>
+              <a:rPr lang="pt-BR" sz="1400" dirty="0">
+                <a:solidFill>
+                  <a:srgbClr val="FF0000"/>
+                </a:solidFill>
+              </a:rPr>
+              <a:t>Mesmo com [</a:t>
+            </a:r>
+            <a:r>
+              <a:rPr lang="pt-BR" sz="1400" dirty="0" err="1">
+                <a:solidFill>
+                  <a:srgbClr val="FF0000"/>
+                </a:solidFill>
+              </a:rPr>
+              <a:t>key</a:t>
+            </a:r>
+            <a:r>
+              <a:rPr lang="pt-BR" sz="1400" dirty="0">
+                <a:solidFill>
+                  <a:srgbClr val="FF0000"/>
+                </a:solidFill>
+              </a:rPr>
+              <a:t>] precisa ter “Id” antes do nome (para garantir </a:t>
+            </a:r>
+            <a:r>
+              <a:rPr lang="pt-BR" sz="1400" dirty="0" err="1">
+                <a:solidFill>
+                  <a:srgbClr val="FF0000"/>
+                </a:solidFill>
+              </a:rPr>
+              <a:t>pk</a:t>
+            </a:r>
+            <a:r>
+              <a:rPr lang="pt-BR" sz="1400" dirty="0">
+                <a:solidFill>
+                  <a:srgbClr val="FF0000"/>
+                </a:solidFill>
+              </a:rPr>
+              <a:t>)</a:t>
+            </a:r>
+          </a:p>
+        </p:txBody>
+      </p:sp>
+      <p:sp>
+        <p:nvSpPr>
+          <p:cNvPr id="14" name="CaixaDeTexto 13">
+            <a:extLst>
+              <a:ext uri="{FF2B5EF4-FFF2-40B4-BE49-F238E27FC236}">
+                <a16:creationId xmlns:a16="http://schemas.microsoft.com/office/drawing/2014/main" id="{F6B7F301-E602-F827-A21D-7BE450336C7B}"/>
+              </a:ext>
+            </a:extLst>
+          </p:cNvPr>
+          <p:cNvSpPr txBox="1"/>
+          <p:nvPr/>
+        </p:nvSpPr>
+        <p:spPr>
+          <a:xfrm>
+            <a:off x="5438738" y="3876596"/>
+            <a:ext cx="5844958" cy="307777"/>
+          </a:xfrm>
+          <a:prstGeom prst="rect">
+            <a:avLst/>
+          </a:prstGeom>
+          <a:noFill/>
+        </p:spPr>
+        <p:txBody>
+          <a:bodyPr wrap="square" rtlCol="0">
+            <a:spAutoFit/>
+          </a:bodyPr>
+          <a:lstStyle/>
+          <a:p>
+            <a:r>
+              <a:rPr lang="pt-BR" sz="1400" dirty="0">
+                <a:solidFill>
+                  <a:srgbClr val="FF0000"/>
+                </a:solidFill>
+              </a:rPr>
+              <a:t>[</a:t>
+            </a:r>
+            <a:r>
+              <a:rPr lang="pt-BR" sz="1400" dirty="0" err="1">
+                <a:solidFill>
+                  <a:srgbClr val="FF0000"/>
+                </a:solidFill>
+              </a:rPr>
+              <a:t>required</a:t>
+            </a:r>
+            <a:r>
+              <a:rPr lang="pt-BR" sz="1400" dirty="0">
+                <a:solidFill>
+                  <a:srgbClr val="FF0000"/>
+                </a:solidFill>
+              </a:rPr>
+              <a:t>] </a:t>
+            </a:r>
+            <a:r>
+              <a:rPr lang="pt-BR" sz="1400" dirty="0" err="1">
+                <a:solidFill>
+                  <a:srgbClr val="FF0000"/>
+                </a:solidFill>
+              </a:rPr>
+              <a:t>Not</a:t>
+            </a:r>
+            <a:r>
+              <a:rPr lang="pt-BR" sz="1400" dirty="0">
+                <a:solidFill>
+                  <a:srgbClr val="FF0000"/>
+                </a:solidFill>
+              </a:rPr>
+              <a:t> </a:t>
+            </a:r>
+            <a:r>
+              <a:rPr lang="pt-BR" sz="1400" dirty="0" err="1">
+                <a:solidFill>
+                  <a:srgbClr val="FF0000"/>
+                </a:solidFill>
+              </a:rPr>
+              <a:t>null</a:t>
+            </a:r>
+            <a:r>
+              <a:rPr lang="pt-BR" sz="1400" dirty="0">
+                <a:solidFill>
+                  <a:srgbClr val="FF0000"/>
+                </a:solidFill>
+              </a:rPr>
+              <a:t> com mensagem de erro</a:t>
+            </a:r>
+          </a:p>
+        </p:txBody>
+      </p:sp>
+      <p:sp>
+        <p:nvSpPr>
+          <p:cNvPr id="15" name="CaixaDeTexto 14">
+            <a:extLst>
+              <a:ext uri="{FF2B5EF4-FFF2-40B4-BE49-F238E27FC236}">
+                <a16:creationId xmlns:a16="http://schemas.microsoft.com/office/drawing/2014/main" id="{8C663733-9A62-6AC9-1034-1C521BED332A}"/>
+              </a:ext>
+            </a:extLst>
+          </p:cNvPr>
+          <p:cNvSpPr txBox="1"/>
+          <p:nvPr/>
+        </p:nvSpPr>
+        <p:spPr>
+          <a:xfrm>
+            <a:off x="5438738" y="4103636"/>
+            <a:ext cx="5844958" cy="307777"/>
+          </a:xfrm>
+          <a:prstGeom prst="rect">
+            <a:avLst/>
+          </a:prstGeom>
+          <a:noFill/>
+        </p:spPr>
+        <p:txBody>
+          <a:bodyPr wrap="square" rtlCol="0">
+            <a:spAutoFit/>
+          </a:bodyPr>
+          <a:lstStyle/>
+          <a:p>
+            <a:r>
+              <a:rPr lang="pt-BR" sz="1400" dirty="0">
+                <a:solidFill>
+                  <a:srgbClr val="FF0000"/>
+                </a:solidFill>
+              </a:rPr>
+              <a:t>[display] nome da coluna</a:t>
+            </a:r>
+          </a:p>
+        </p:txBody>
+      </p:sp>
+      <p:sp>
+        <p:nvSpPr>
+          <p:cNvPr id="16" name="CaixaDeTexto 15">
+            <a:extLst>
+              <a:ext uri="{FF2B5EF4-FFF2-40B4-BE49-F238E27FC236}">
+                <a16:creationId xmlns:a16="http://schemas.microsoft.com/office/drawing/2014/main" id="{E4B4EB8D-AFCB-7375-93B6-8E7A446A2D96}"/>
+              </a:ext>
+            </a:extLst>
+          </p:cNvPr>
+          <p:cNvSpPr txBox="1"/>
+          <p:nvPr/>
+        </p:nvSpPr>
+        <p:spPr>
+          <a:xfrm>
+            <a:off x="5438738" y="4330897"/>
+            <a:ext cx="5844958" cy="307777"/>
+          </a:xfrm>
+          <a:prstGeom prst="rect">
+            <a:avLst/>
+          </a:prstGeom>
+          <a:noFill/>
+        </p:spPr>
+        <p:txBody>
+          <a:bodyPr wrap="square" rtlCol="0">
+            <a:spAutoFit/>
+          </a:bodyPr>
+          <a:lstStyle/>
+          <a:p>
+            <a:r>
+              <a:rPr lang="pt-BR" sz="1400" dirty="0">
+                <a:solidFill>
+                  <a:srgbClr val="FF0000"/>
+                </a:solidFill>
+              </a:rPr>
+              <a:t>[</a:t>
+            </a:r>
+            <a:r>
+              <a:rPr lang="pt-BR" sz="1400" dirty="0" err="1">
+                <a:solidFill>
+                  <a:srgbClr val="FF0000"/>
+                </a:solidFill>
+              </a:rPr>
+              <a:t>StringLength</a:t>
+            </a:r>
+            <a:r>
+              <a:rPr lang="pt-BR" sz="1400" dirty="0">
+                <a:solidFill>
+                  <a:srgbClr val="FF0000"/>
+                </a:solidFill>
+              </a:rPr>
+              <a:t>] </a:t>
+            </a:r>
+            <a:r>
+              <a:rPr lang="pt-BR" sz="1400" dirty="0" err="1">
+                <a:solidFill>
+                  <a:srgbClr val="FF0000"/>
+                </a:solidFill>
+              </a:rPr>
+              <a:t>varchar</a:t>
+            </a:r>
+            <a:r>
+              <a:rPr lang="pt-BR" sz="1400" dirty="0">
+                <a:solidFill>
+                  <a:srgbClr val="FF0000"/>
+                </a:solidFill>
+              </a:rPr>
+              <a:t>()</a:t>
+            </a:r>
+          </a:p>
+        </p:txBody>
+      </p:sp>
+      <p:sp>
+        <p:nvSpPr>
+          <p:cNvPr id="17" name="CaixaDeTexto 16">
+            <a:extLst>
+              <a:ext uri="{FF2B5EF4-FFF2-40B4-BE49-F238E27FC236}">
+                <a16:creationId xmlns:a16="http://schemas.microsoft.com/office/drawing/2014/main" id="{4D416AAB-CAE7-4895-86D2-9A7E488602B2}"/>
+              </a:ext>
+            </a:extLst>
+          </p:cNvPr>
+          <p:cNvSpPr txBox="1"/>
+          <p:nvPr/>
+        </p:nvSpPr>
+        <p:spPr>
+          <a:xfrm>
+            <a:off x="5438738" y="4605688"/>
+            <a:ext cx="5844958" cy="523221"/>
+          </a:xfrm>
+          <a:prstGeom prst="rect">
+            <a:avLst/>
+          </a:prstGeom>
+          <a:noFill/>
+        </p:spPr>
+        <p:txBody>
+          <a:bodyPr wrap="square" rtlCol="0">
+            <a:spAutoFit/>
+          </a:bodyPr>
+          <a:lstStyle/>
+          <a:p>
+            <a:r>
+              <a:rPr lang="pt-BR" sz="1400" dirty="0">
+                <a:solidFill>
+                  <a:srgbClr val="FF0000"/>
+                </a:solidFill>
+              </a:rPr>
+              <a:t>Em cima eram as propriedades, aqui é a coluna de fato, onde recebemos e passamos os dados</a:t>
+            </a:r>
+          </a:p>
+        </p:txBody>
+      </p:sp>
+      <p:cxnSp>
+        <p:nvCxnSpPr>
+          <p:cNvPr id="21" name="Conector de Seta Reta 20">
+            <a:extLst>
+              <a:ext uri="{FF2B5EF4-FFF2-40B4-BE49-F238E27FC236}">
+                <a16:creationId xmlns:a16="http://schemas.microsoft.com/office/drawing/2014/main" id="{4B6241E1-0816-18F8-08FE-FE9BFD646038}"/>
+              </a:ext>
+            </a:extLst>
+          </p:cNvPr>
+          <p:cNvCxnSpPr/>
+          <p:nvPr/>
+        </p:nvCxnSpPr>
+        <p:spPr>
+          <a:xfrm flipH="1">
+            <a:off x="2112264" y="2651442"/>
+            <a:ext cx="3326472" cy="119191"/>
+          </a:xfrm>
+          <a:prstGeom prst="straightConnector1">
+            <a:avLst/>
+          </a:prstGeom>
+          <a:ln>
+            <a:solidFill>
+              <a:srgbClr val="FF0000"/>
+            </a:solidFill>
+            <a:tailEnd type="triangle"/>
+          </a:ln>
+        </p:spPr>
+        <p:style>
+          <a:lnRef idx="1">
+            <a:schemeClr val="accent1"/>
+          </a:lnRef>
+          <a:fillRef idx="0">
+            <a:schemeClr val="accent1"/>
+          </a:fillRef>
+          <a:effectRef idx="0">
+            <a:schemeClr val="accent1"/>
+          </a:effectRef>
+          <a:fontRef idx="minor">
+            <a:schemeClr val="tx1"/>
+          </a:fontRef>
+        </p:style>
+      </p:cxnSp>
+      <p:cxnSp>
+        <p:nvCxnSpPr>
+          <p:cNvPr id="23" name="Conector de Seta Reta 22">
+            <a:extLst>
+              <a:ext uri="{FF2B5EF4-FFF2-40B4-BE49-F238E27FC236}">
+                <a16:creationId xmlns:a16="http://schemas.microsoft.com/office/drawing/2014/main" id="{AFCA77D6-67C3-FC96-3C42-13253631FEAC}"/>
+              </a:ext>
+            </a:extLst>
+          </p:cNvPr>
+          <p:cNvCxnSpPr/>
+          <p:nvPr/>
+        </p:nvCxnSpPr>
+        <p:spPr>
+          <a:xfrm flipH="1">
+            <a:off x="2340864" y="3090672"/>
+            <a:ext cx="3097869" cy="0"/>
+          </a:xfrm>
+          <a:prstGeom prst="straightConnector1">
+            <a:avLst/>
+          </a:prstGeom>
+          <a:ln>
+            <a:solidFill>
+              <a:srgbClr val="FF0000"/>
+            </a:solidFill>
+            <a:tailEnd type="triangle"/>
+          </a:ln>
+        </p:spPr>
+        <p:style>
+          <a:lnRef idx="1">
+            <a:schemeClr val="accent1"/>
+          </a:lnRef>
+          <a:fillRef idx="0">
+            <a:schemeClr val="accent1"/>
+          </a:fillRef>
+          <a:effectRef idx="0">
+            <a:schemeClr val="accent1"/>
+          </a:effectRef>
+          <a:fontRef idx="minor">
+            <a:schemeClr val="tx1"/>
+          </a:fontRef>
+        </p:style>
+      </p:cxnSp>
+      <p:cxnSp>
+        <p:nvCxnSpPr>
+          <p:cNvPr id="25" name="Conector de Seta Reta 24">
+            <a:extLst>
+              <a:ext uri="{FF2B5EF4-FFF2-40B4-BE49-F238E27FC236}">
+                <a16:creationId xmlns:a16="http://schemas.microsoft.com/office/drawing/2014/main" id="{E3B6F58B-54B4-4043-4F34-2B40B44806B4}"/>
+              </a:ext>
+            </a:extLst>
+          </p:cNvPr>
+          <p:cNvCxnSpPr>
+            <a:cxnSpLocks/>
+            <a:stCxn id="12" idx="1"/>
+          </p:cNvCxnSpPr>
+          <p:nvPr/>
+        </p:nvCxnSpPr>
+        <p:spPr>
+          <a:xfrm flipH="1" flipV="1">
+            <a:off x="1417320" y="3410670"/>
+            <a:ext cx="4021417" cy="18738"/>
+          </a:xfrm>
+          <a:prstGeom prst="straightConnector1">
+            <a:avLst/>
+          </a:prstGeom>
+          <a:ln>
+            <a:solidFill>
+              <a:srgbClr val="FF0000"/>
+            </a:solidFill>
+            <a:tailEnd type="triangle"/>
+          </a:ln>
+        </p:spPr>
+        <p:style>
+          <a:lnRef idx="1">
+            <a:schemeClr val="accent1"/>
+          </a:lnRef>
+          <a:fillRef idx="0">
+            <a:schemeClr val="accent1"/>
+          </a:fillRef>
+          <a:effectRef idx="0">
+            <a:schemeClr val="accent1"/>
+          </a:effectRef>
+          <a:fontRef idx="minor">
+            <a:schemeClr val="tx1"/>
+          </a:fontRef>
+        </p:style>
+      </p:cxnSp>
+      <p:cxnSp>
+        <p:nvCxnSpPr>
+          <p:cNvPr id="28" name="Conector de Seta Reta 27">
+            <a:extLst>
+              <a:ext uri="{FF2B5EF4-FFF2-40B4-BE49-F238E27FC236}">
+                <a16:creationId xmlns:a16="http://schemas.microsoft.com/office/drawing/2014/main" id="{30B98A2A-9C5C-3A73-93A3-70F4D7FE3E60}"/>
+              </a:ext>
+            </a:extLst>
+          </p:cNvPr>
+          <p:cNvCxnSpPr>
+            <a:cxnSpLocks/>
+            <a:stCxn id="13" idx="1"/>
+          </p:cNvCxnSpPr>
+          <p:nvPr/>
+        </p:nvCxnSpPr>
+        <p:spPr>
+          <a:xfrm flipH="1">
+            <a:off x="3813048" y="3631960"/>
+            <a:ext cx="1625690" cy="89606"/>
+          </a:xfrm>
+          <a:prstGeom prst="straightConnector1">
+            <a:avLst/>
+          </a:prstGeom>
+          <a:ln>
+            <a:solidFill>
+              <a:srgbClr val="FF0000"/>
+            </a:solidFill>
+            <a:tailEnd type="triangle"/>
+          </a:ln>
+        </p:spPr>
+        <p:style>
+          <a:lnRef idx="1">
+            <a:schemeClr val="accent1"/>
+          </a:lnRef>
+          <a:fillRef idx="0">
+            <a:schemeClr val="accent1"/>
+          </a:fillRef>
+          <a:effectRef idx="0">
+            <a:schemeClr val="accent1"/>
+          </a:effectRef>
+          <a:fontRef idx="minor">
+            <a:schemeClr val="tx1"/>
+          </a:fontRef>
+        </p:style>
+      </p:cxnSp>
+      <p:sp>
+        <p:nvSpPr>
+          <p:cNvPr id="29" name="Elipse 28">
+            <a:extLst>
+              <a:ext uri="{FF2B5EF4-FFF2-40B4-BE49-F238E27FC236}">
+                <a16:creationId xmlns:a16="http://schemas.microsoft.com/office/drawing/2014/main" id="{2A47B685-8500-D7F1-1BE9-758AB82C6EF8}"/>
+              </a:ext>
+            </a:extLst>
+          </p:cNvPr>
+          <p:cNvSpPr/>
+          <p:nvPr/>
+        </p:nvSpPr>
+        <p:spPr>
+          <a:xfrm>
+            <a:off x="1810512" y="3601584"/>
+            <a:ext cx="288000" cy="288000"/>
+          </a:xfrm>
+          <a:prstGeom prst="ellipse">
+            <a:avLst/>
+          </a:prstGeom>
+          <a:noFill/>
+          <a:ln>
+            <a:solidFill>
+              <a:srgbClr val="FF0000"/>
+            </a:solidFill>
+          </a:ln>
+        </p:spPr>
+        <p:style>
+          <a:lnRef idx="2">
+            <a:schemeClr val="accent1">
+              <a:shade val="15000"/>
+            </a:schemeClr>
+          </a:lnRef>
+          <a:fillRef idx="1">
+            <a:schemeClr val="accent1"/>
+          </a:fillRef>
+          <a:effectRef idx="0">
+            <a:schemeClr val="accent1"/>
+          </a:effectRef>
+          <a:fontRef idx="minor">
+            <a:schemeClr val="lt1"/>
+          </a:fontRef>
+        </p:style>
+        <p:txBody>
+          <a:bodyPr rtlCol="0" anchor="ctr"/>
+          <a:lstStyle/>
+          <a:p>
+            <a:pPr algn="ctr"/>
+            <a:endParaRPr lang="pt-BR"/>
+          </a:p>
+        </p:txBody>
+      </p:sp>
+      <p:cxnSp>
+        <p:nvCxnSpPr>
+          <p:cNvPr id="31" name="Conector de Seta Reta 30">
+            <a:extLst>
+              <a:ext uri="{FF2B5EF4-FFF2-40B4-BE49-F238E27FC236}">
+                <a16:creationId xmlns:a16="http://schemas.microsoft.com/office/drawing/2014/main" id="{1C60D2B8-52A4-119A-A94B-AD203A4D9414}"/>
+              </a:ext>
+            </a:extLst>
+          </p:cNvPr>
+          <p:cNvCxnSpPr>
+            <a:stCxn id="14" idx="1"/>
+          </p:cNvCxnSpPr>
+          <p:nvPr/>
+        </p:nvCxnSpPr>
+        <p:spPr>
+          <a:xfrm flipH="1">
+            <a:off x="4873752" y="4030485"/>
+            <a:ext cx="564986" cy="73318"/>
+          </a:xfrm>
+          <a:prstGeom prst="straightConnector1">
+            <a:avLst/>
+          </a:prstGeom>
+          <a:ln>
+            <a:solidFill>
+              <a:srgbClr val="FF0000"/>
+            </a:solidFill>
+            <a:tailEnd type="triangle"/>
+          </a:ln>
+        </p:spPr>
+        <p:style>
+          <a:lnRef idx="1">
+            <a:schemeClr val="accent1"/>
+          </a:lnRef>
+          <a:fillRef idx="0">
+            <a:schemeClr val="accent1"/>
+          </a:fillRef>
+          <a:effectRef idx="0">
+            <a:schemeClr val="accent1"/>
+          </a:effectRef>
+          <a:fontRef idx="minor">
+            <a:schemeClr val="tx1"/>
+          </a:fontRef>
+        </p:style>
+      </p:cxnSp>
+      <p:cxnSp>
+        <p:nvCxnSpPr>
+          <p:cNvPr id="33" name="Conector de Seta Reta 32">
+            <a:extLst>
+              <a:ext uri="{FF2B5EF4-FFF2-40B4-BE49-F238E27FC236}">
+                <a16:creationId xmlns:a16="http://schemas.microsoft.com/office/drawing/2014/main" id="{ACDD4AD4-839E-9DC9-B75F-39394B39D06A}"/>
+              </a:ext>
+            </a:extLst>
+          </p:cNvPr>
+          <p:cNvCxnSpPr>
+            <a:stCxn id="15" idx="1"/>
+          </p:cNvCxnSpPr>
+          <p:nvPr/>
+        </p:nvCxnSpPr>
+        <p:spPr>
+          <a:xfrm flipH="1">
+            <a:off x="3008376" y="4257525"/>
+            <a:ext cx="2430362" cy="3587"/>
+          </a:xfrm>
+          <a:prstGeom prst="straightConnector1">
+            <a:avLst/>
+          </a:prstGeom>
+          <a:ln>
+            <a:solidFill>
+              <a:srgbClr val="FF0000"/>
+            </a:solidFill>
+            <a:tailEnd type="triangle"/>
+          </a:ln>
+        </p:spPr>
+        <p:style>
+          <a:lnRef idx="1">
+            <a:schemeClr val="accent1"/>
+          </a:lnRef>
+          <a:fillRef idx="0">
+            <a:schemeClr val="accent1"/>
+          </a:fillRef>
+          <a:effectRef idx="0">
+            <a:schemeClr val="accent1"/>
+          </a:effectRef>
+          <a:fontRef idx="minor">
+            <a:schemeClr val="tx1"/>
+          </a:fontRef>
+        </p:style>
+      </p:cxnSp>
+      <p:cxnSp>
+        <p:nvCxnSpPr>
+          <p:cNvPr id="35" name="Conector de Seta Reta 34">
+            <a:extLst>
+              <a:ext uri="{FF2B5EF4-FFF2-40B4-BE49-F238E27FC236}">
+                <a16:creationId xmlns:a16="http://schemas.microsoft.com/office/drawing/2014/main" id="{1B85685E-CBA5-FF2D-10EF-35302287F47F}"/>
+              </a:ext>
+            </a:extLst>
+          </p:cNvPr>
+          <p:cNvCxnSpPr>
+            <a:cxnSpLocks/>
+            <a:stCxn id="16" idx="1"/>
+          </p:cNvCxnSpPr>
+          <p:nvPr/>
+        </p:nvCxnSpPr>
+        <p:spPr>
+          <a:xfrm flipH="1" flipV="1">
+            <a:off x="2569464" y="4437249"/>
+            <a:ext cx="2869274" cy="47537"/>
+          </a:xfrm>
+          <a:prstGeom prst="straightConnector1">
+            <a:avLst/>
+          </a:prstGeom>
+          <a:ln>
+            <a:solidFill>
+              <a:srgbClr val="FF0000"/>
+            </a:solidFill>
+            <a:tailEnd type="triangle"/>
+          </a:ln>
+        </p:spPr>
+        <p:style>
+          <a:lnRef idx="1">
+            <a:schemeClr val="accent1"/>
+          </a:lnRef>
+          <a:fillRef idx="0">
+            <a:schemeClr val="accent1"/>
+          </a:fillRef>
+          <a:effectRef idx="0">
+            <a:schemeClr val="accent1"/>
+          </a:effectRef>
+          <a:fontRef idx="minor">
+            <a:schemeClr val="tx1"/>
+          </a:fontRef>
+        </p:style>
+      </p:cxnSp>
+      <p:cxnSp>
+        <p:nvCxnSpPr>
+          <p:cNvPr id="38" name="Conector de Seta Reta 37">
+            <a:extLst>
+              <a:ext uri="{FF2B5EF4-FFF2-40B4-BE49-F238E27FC236}">
+                <a16:creationId xmlns:a16="http://schemas.microsoft.com/office/drawing/2014/main" id="{FE1CBF8E-B612-6C24-3118-125AD66A2EAE}"/>
+              </a:ext>
+            </a:extLst>
+          </p:cNvPr>
+          <p:cNvCxnSpPr>
+            <a:stCxn id="17" idx="1"/>
+          </p:cNvCxnSpPr>
+          <p:nvPr/>
+        </p:nvCxnSpPr>
+        <p:spPr>
+          <a:xfrm flipH="1" flipV="1">
+            <a:off x="3813048" y="4791284"/>
+            <a:ext cx="1625690" cy="76015"/>
+          </a:xfrm>
+          <a:prstGeom prst="straightConnector1">
+            <a:avLst/>
+          </a:prstGeom>
+          <a:ln>
+            <a:solidFill>
+              <a:srgbClr val="FF0000"/>
+            </a:solidFill>
+            <a:tailEnd type="triangle"/>
+          </a:ln>
+        </p:spPr>
+        <p:style>
+          <a:lnRef idx="1">
+            <a:schemeClr val="accent1"/>
+          </a:lnRef>
+          <a:fillRef idx="0">
+            <a:schemeClr val="accent1"/>
+          </a:fillRef>
+          <a:effectRef idx="0">
+            <a:schemeClr val="accent1"/>
+          </a:effectRef>
+          <a:fontRef idx="minor">
+            <a:schemeClr val="tx1"/>
+          </a:fontRef>
+        </p:style>
+      </p:cxnSp>
+      <p:sp>
+        <p:nvSpPr>
+          <p:cNvPr id="39" name="Retângulo 38">
+            <a:extLst>
+              <a:ext uri="{FF2B5EF4-FFF2-40B4-BE49-F238E27FC236}">
+                <a16:creationId xmlns:a16="http://schemas.microsoft.com/office/drawing/2014/main" id="{797EC7D3-623F-E8F9-0A4C-F43D488E7FF2}"/>
+              </a:ext>
+            </a:extLst>
+          </p:cNvPr>
+          <p:cNvSpPr/>
+          <p:nvPr/>
+        </p:nvSpPr>
+        <p:spPr>
+          <a:xfrm>
+            <a:off x="896112" y="4679736"/>
+            <a:ext cx="2743200" cy="208922"/>
+          </a:xfrm>
+          <a:prstGeom prst="rect">
+            <a:avLst/>
+          </a:prstGeom>
+          <a:noFill/>
+          <a:ln>
+            <a:solidFill>
+              <a:srgbClr val="FF0000"/>
+            </a:solidFill>
+          </a:ln>
+        </p:spPr>
+        <p:style>
+          <a:lnRef idx="2">
+            <a:schemeClr val="accent1">
+              <a:shade val="15000"/>
+            </a:schemeClr>
+          </a:lnRef>
+          <a:fillRef idx="1">
+            <a:schemeClr val="accent1"/>
+          </a:fillRef>
+          <a:effectRef idx="0">
+            <a:schemeClr val="accent1"/>
+          </a:effectRef>
+          <a:fontRef idx="minor">
+            <a:schemeClr val="lt1"/>
+          </a:fontRef>
+        </p:style>
+        <p:txBody>
+          <a:bodyPr rtlCol="0" anchor="ctr"/>
+          <a:lstStyle/>
+          <a:p>
+            <a:pPr algn="ctr"/>
+            <a:endParaRPr lang="pt-BR"/>
+          </a:p>
+        </p:txBody>
+      </p:sp>
+      <p:pic>
+        <p:nvPicPr>
+          <p:cNvPr id="42" name="Imagem 41">
+            <a:extLst>
+              <a:ext uri="{FF2B5EF4-FFF2-40B4-BE49-F238E27FC236}">
+                <a16:creationId xmlns:a16="http://schemas.microsoft.com/office/drawing/2014/main" id="{A47AB873-6B24-6F81-A69F-2B42FC5D0685}"/>
+              </a:ext>
+            </a:extLst>
+          </p:cNvPr>
+          <p:cNvPicPr>
+            <a:picLocks noChangeAspect="1"/>
+          </p:cNvPicPr>
+          <p:nvPr/>
+        </p:nvPicPr>
+        <p:blipFill>
+          <a:blip r:embed="rId3"/>
+          <a:stretch>
+            <a:fillRect/>
+          </a:stretch>
+        </p:blipFill>
+        <p:spPr>
+          <a:xfrm>
+            <a:off x="504095" y="4931920"/>
+            <a:ext cx="4934639" cy="1876687"/>
+          </a:xfrm>
+          <a:prstGeom prst="rect">
+            <a:avLst/>
+          </a:prstGeom>
+          <a:ln>
+            <a:solidFill>
+              <a:srgbClr val="FF0000"/>
+            </a:solidFill>
+          </a:ln>
+        </p:spPr>
+      </p:pic>
+      <p:sp>
+        <p:nvSpPr>
+          <p:cNvPr id="43" name="CaixaDeTexto 42">
+            <a:extLst>
+              <a:ext uri="{FF2B5EF4-FFF2-40B4-BE49-F238E27FC236}">
+                <a16:creationId xmlns:a16="http://schemas.microsoft.com/office/drawing/2014/main" id="{CA5E1A15-88DB-2A62-D884-AB5C72E2B514}"/>
+              </a:ext>
+            </a:extLst>
+          </p:cNvPr>
+          <p:cNvSpPr txBox="1"/>
+          <p:nvPr/>
+        </p:nvSpPr>
+        <p:spPr>
+          <a:xfrm>
+            <a:off x="5563706" y="5707147"/>
+            <a:ext cx="5844958" cy="307777"/>
+          </a:xfrm>
+          <a:prstGeom prst="rect">
+            <a:avLst/>
+          </a:prstGeom>
+          <a:noFill/>
+        </p:spPr>
+        <p:txBody>
+          <a:bodyPr wrap="square" rtlCol="0">
+            <a:spAutoFit/>
+          </a:bodyPr>
+          <a:lstStyle/>
+          <a:p>
+            <a:r>
+              <a:rPr lang="pt-BR" sz="1400" dirty="0">
+                <a:solidFill>
+                  <a:srgbClr val="FF0000"/>
+                </a:solidFill>
+              </a:rPr>
+              <a:t>FK/ relações</a:t>
+            </a:r>
+          </a:p>
+        </p:txBody>
+      </p:sp>
+    </p:spTree>
+    <p:extLst>
+      <p:ext uri="{BB962C8B-B14F-4D97-AF65-F5344CB8AC3E}">
+        <p14:creationId xmlns:p14="http://schemas.microsoft.com/office/powerpoint/2010/main" val="3980851818"/>
+      </p:ext>
+    </p:extLst>
+  </p:cSld>
+  <p:clrMapOvr>
+    <a:masterClrMapping/>
+  </p:clrMapOvr>
+</p:sld>
+</file>
+
+<file path=ppt/slides/slide13.xml><?xml version="1.0" encoding="utf-8"?>
+<p:sld xmlns:a="http://schemas.openxmlformats.org/drawingml/2006/main" xmlns:r="http://schemas.openxmlformats.org/officeDocument/2006/relationships" xmlns:p="http://schemas.openxmlformats.org/presentationml/2006/main">
+  <p:cSld>
+    <p:spTree>
+      <p:nvGrpSpPr>
+        <p:cNvPr id="1" name=""/>
+        <p:cNvGrpSpPr/>
+        <p:nvPr/>
+      </p:nvGrpSpPr>
+      <p:grpSpPr>
+        <a:xfrm>
+          <a:off x="0" y="0"/>
+          <a:ext cx="0" cy="0"/>
+          <a:chOff x="0" y="0"/>
+          <a:chExt cx="0" cy="0"/>
+        </a:xfrm>
+      </p:grpSpPr>
+      <p:sp>
+        <p:nvSpPr>
+          <p:cNvPr id="2" name="Título 1">
+            <a:extLst>
+              <a:ext uri="{FF2B5EF4-FFF2-40B4-BE49-F238E27FC236}">
+                <a16:creationId xmlns:a16="http://schemas.microsoft.com/office/drawing/2014/main" id="{741789B6-352C-F9CF-7778-EBA98E5EC1B6}"/>
+              </a:ext>
+            </a:extLst>
+          </p:cNvPr>
+          <p:cNvSpPr>
+            <a:spLocks noGrp="1"/>
+          </p:cNvSpPr>
+          <p:nvPr>
+            <p:ph type="title"/>
+          </p:nvPr>
+        </p:nvSpPr>
+        <p:spPr/>
+        <p:txBody>
+          <a:bodyPr/>
+          <a:lstStyle/>
+          <a:p>
+            <a:endParaRPr lang="pt-BR"/>
+          </a:p>
+        </p:txBody>
+      </p:sp>
+      <p:sp>
+        <p:nvSpPr>
+          <p:cNvPr id="6" name="CaixaDeTexto 5">
+            <a:extLst>
+              <a:ext uri="{FF2B5EF4-FFF2-40B4-BE49-F238E27FC236}">
+                <a16:creationId xmlns:a16="http://schemas.microsoft.com/office/drawing/2014/main" id="{B7D563B8-F7C9-BEF0-DEBC-6014CAF7C390}"/>
+              </a:ext>
+            </a:extLst>
+          </p:cNvPr>
+          <p:cNvSpPr txBox="1"/>
+          <p:nvPr/>
+        </p:nvSpPr>
+        <p:spPr>
+          <a:xfrm>
+            <a:off x="1261872" y="4343400"/>
+            <a:ext cx="5538978" cy="1200329"/>
+          </a:xfrm>
+          <a:prstGeom prst="rect">
+            <a:avLst/>
+          </a:prstGeom>
+          <a:noFill/>
+        </p:spPr>
+        <p:txBody>
+          <a:bodyPr wrap="square" rtlCol="0">
+            <a:spAutoFit/>
+          </a:bodyPr>
+          <a:lstStyle/>
+          <a:p>
+            <a:r>
+              <a:rPr lang="pt-BR" dirty="0">
+                <a:solidFill>
+                  <a:srgbClr val="FF0000"/>
+                </a:solidFill>
+              </a:rPr>
+              <a:t>Herdamos do </a:t>
+            </a:r>
+            <a:r>
+              <a:rPr lang="pt-BR" dirty="0" err="1">
+                <a:solidFill>
+                  <a:srgbClr val="FF0000"/>
+                </a:solidFill>
+              </a:rPr>
+              <a:t>DbContext</a:t>
+            </a:r>
+            <a:r>
+              <a:rPr lang="pt-BR" dirty="0">
+                <a:solidFill>
+                  <a:srgbClr val="FF0000"/>
+                </a:solidFill>
+              </a:rPr>
+              <a:t> (que vem direto do </a:t>
+            </a:r>
+            <a:r>
+              <a:rPr lang="pt-BR" dirty="0" err="1">
+                <a:solidFill>
+                  <a:srgbClr val="FF0000"/>
+                </a:solidFill>
+              </a:rPr>
+              <a:t>EntitFramework</a:t>
+            </a:r>
+            <a:r>
+              <a:rPr lang="pt-BR" dirty="0">
+                <a:solidFill>
+                  <a:srgbClr val="FF0000"/>
+                </a:solidFill>
+              </a:rPr>
+              <a:t>)</a:t>
+            </a:r>
+          </a:p>
+          <a:p>
+            <a:endParaRPr lang="pt-BR" dirty="0">
+              <a:solidFill>
+                <a:srgbClr val="FF0000"/>
+              </a:solidFill>
+            </a:endParaRPr>
+          </a:p>
+          <a:p>
+            <a:r>
+              <a:rPr lang="pt-BR" dirty="0">
+                <a:solidFill>
+                  <a:srgbClr val="FF0000"/>
+                </a:solidFill>
+              </a:rPr>
+              <a:t>Transforma objetos em tabelas</a:t>
+            </a:r>
+          </a:p>
+        </p:txBody>
+      </p:sp>
+      <p:pic>
+        <p:nvPicPr>
+          <p:cNvPr id="10" name="Espaço Reservado para Conteúdo 9">
+            <a:extLst>
+              <a:ext uri="{FF2B5EF4-FFF2-40B4-BE49-F238E27FC236}">
+                <a16:creationId xmlns:a16="http://schemas.microsoft.com/office/drawing/2014/main" id="{92BF1729-AA9F-78C6-6704-84559D71C931}"/>
+              </a:ext>
+            </a:extLst>
+          </p:cNvPr>
+          <p:cNvPicPr>
+            <a:picLocks noGrp="1" noChangeAspect="1"/>
+          </p:cNvPicPr>
+          <p:nvPr>
+            <p:ph idx="1"/>
+          </p:nvPr>
+        </p:nvPicPr>
+        <p:blipFill>
+          <a:blip r:embed="rId2"/>
+          <a:stretch>
+            <a:fillRect/>
+          </a:stretch>
+        </p:blipFill>
+        <p:spPr>
+          <a:xfrm>
+            <a:off x="1261872" y="1837975"/>
+            <a:ext cx="8507012" cy="2505425"/>
+          </a:xfrm>
+          <a:prstGeom prst="rect">
+            <a:avLst/>
+          </a:prstGeom>
+          <a:ln>
+            <a:solidFill>
+              <a:srgbClr val="FF0000"/>
+            </a:solidFill>
+          </a:ln>
+        </p:spPr>
+      </p:pic>
+      <p:sp>
+        <p:nvSpPr>
+          <p:cNvPr id="11" name="CaixaDeTexto 10">
+            <a:extLst>
+              <a:ext uri="{FF2B5EF4-FFF2-40B4-BE49-F238E27FC236}">
+                <a16:creationId xmlns:a16="http://schemas.microsoft.com/office/drawing/2014/main" id="{D69029BB-8D6C-581D-4C04-0F455AF7CB8B}"/>
+              </a:ext>
+            </a:extLst>
+          </p:cNvPr>
+          <p:cNvSpPr txBox="1"/>
+          <p:nvPr/>
+        </p:nvSpPr>
+        <p:spPr>
+          <a:xfrm>
+            <a:off x="3182112" y="3310128"/>
+            <a:ext cx="6501384" cy="369332"/>
+          </a:xfrm>
+          <a:prstGeom prst="rect">
+            <a:avLst/>
+          </a:prstGeom>
+          <a:noFill/>
+        </p:spPr>
+        <p:txBody>
+          <a:bodyPr wrap="square" rtlCol="0">
+            <a:spAutoFit/>
+          </a:bodyPr>
+          <a:lstStyle/>
+          <a:p>
+            <a:r>
+              <a:rPr lang="pt-BR" dirty="0" err="1">
+                <a:solidFill>
+                  <a:srgbClr val="FF0000"/>
+                </a:solidFill>
+              </a:rPr>
+              <a:t>Ctor</a:t>
+            </a:r>
+            <a:r>
+              <a:rPr lang="pt-BR" dirty="0">
+                <a:solidFill>
+                  <a:srgbClr val="FF0000"/>
+                </a:solidFill>
+              </a:rPr>
+              <a:t> fica vazio mesmo</a:t>
+            </a:r>
+          </a:p>
+        </p:txBody>
+      </p:sp>
+    </p:spTree>
+    <p:extLst>
+      <p:ext uri="{BB962C8B-B14F-4D97-AF65-F5344CB8AC3E}">
+        <p14:creationId xmlns:p14="http://schemas.microsoft.com/office/powerpoint/2010/main" val="819756040"/>
+      </p:ext>
+    </p:extLst>
+  </p:cSld>
+  <p:clrMapOvr>
+    <a:masterClrMapping/>
+  </p:clrMapOvr>
+</p:sld>
+</file>
+
+<file path=ppt/slides/slide14.xml><?xml version="1.0" encoding="utf-8"?>
+<p:sld xmlns:a="http://schemas.openxmlformats.org/drawingml/2006/main" xmlns:r="http://schemas.openxmlformats.org/officeDocument/2006/relationships" xmlns:p="http://schemas.openxmlformats.org/presentationml/2006/main">
+  <p:cSld>
+    <p:spTree>
+      <p:nvGrpSpPr>
+        <p:cNvPr id="1" name=""/>
+        <p:cNvGrpSpPr/>
+        <p:nvPr/>
+      </p:nvGrpSpPr>
+      <p:grpSpPr>
+        <a:xfrm>
+          <a:off x="0" y="0"/>
+          <a:ext cx="0" cy="0"/>
+          <a:chOff x="0" y="0"/>
+          <a:chExt cx="0" cy="0"/>
+        </a:xfrm>
+      </p:grpSpPr>
+      <p:sp>
+        <p:nvSpPr>
+          <p:cNvPr id="2" name="Título 1">
+            <a:extLst>
+              <a:ext uri="{FF2B5EF4-FFF2-40B4-BE49-F238E27FC236}">
+                <a16:creationId xmlns:a16="http://schemas.microsoft.com/office/drawing/2014/main" id="{286DD5FD-1310-B154-3C94-2190D0307AFE}"/>
+              </a:ext>
+            </a:extLst>
+          </p:cNvPr>
+          <p:cNvSpPr>
+            <a:spLocks noGrp="1"/>
+          </p:cNvSpPr>
+          <p:nvPr>
+            <p:ph type="title"/>
+          </p:nvPr>
+        </p:nvSpPr>
+        <p:spPr/>
+        <p:txBody>
+          <a:bodyPr/>
+          <a:lstStyle/>
+          <a:p>
+            <a:r>
+              <a:rPr lang="pt-BR" dirty="0"/>
+              <a:t>Data\</a:t>
+            </a:r>
+            <a:r>
+              <a:rPr lang="pt-BR" dirty="0" err="1"/>
+              <a:t>DbContext</a:t>
+            </a:r>
+            <a:r>
+              <a:rPr lang="pt-BR" dirty="0"/>
+              <a:t> (</a:t>
+            </a:r>
+            <a:r>
+              <a:rPr lang="pt-BR" dirty="0" err="1"/>
+              <a:t>DbSets</a:t>
+            </a:r>
+            <a:r>
+              <a:rPr lang="pt-BR" dirty="0"/>
+              <a:t>)</a:t>
+            </a:r>
+          </a:p>
+        </p:txBody>
+      </p:sp>
+      <p:pic>
+        <p:nvPicPr>
+          <p:cNvPr id="5" name="Espaço Reservado para Conteúdo 4">
+            <a:extLst>
+              <a:ext uri="{FF2B5EF4-FFF2-40B4-BE49-F238E27FC236}">
+                <a16:creationId xmlns:a16="http://schemas.microsoft.com/office/drawing/2014/main" id="{B7A75946-7ACB-3EB9-AF2D-26F529281A9A}"/>
+              </a:ext>
+            </a:extLst>
+          </p:cNvPr>
+          <p:cNvPicPr>
+            <a:picLocks noGrp="1" noChangeAspect="1"/>
+          </p:cNvPicPr>
+          <p:nvPr>
+            <p:ph idx="1"/>
+          </p:nvPr>
+        </p:nvPicPr>
+        <p:blipFill>
+          <a:blip r:embed="rId2"/>
+          <a:stretch>
+            <a:fillRect/>
+          </a:stretch>
+        </p:blipFill>
+        <p:spPr>
+          <a:xfrm>
+            <a:off x="1261872" y="1880560"/>
+            <a:ext cx="1971950" cy="352474"/>
+          </a:xfrm>
+          <a:prstGeom prst="rect">
+            <a:avLst/>
+          </a:prstGeom>
+          <a:ln>
+            <a:solidFill>
+              <a:srgbClr val="FF0000"/>
+            </a:solidFill>
+          </a:ln>
+        </p:spPr>
+      </p:pic>
+      <p:pic>
+        <p:nvPicPr>
+          <p:cNvPr id="7" name="Imagem 6">
+            <a:extLst>
+              <a:ext uri="{FF2B5EF4-FFF2-40B4-BE49-F238E27FC236}">
+                <a16:creationId xmlns:a16="http://schemas.microsoft.com/office/drawing/2014/main" id="{A97AC2D7-A9B1-A213-72B8-1A3C1C62ADE1}"/>
+              </a:ext>
+            </a:extLst>
+          </p:cNvPr>
+          <p:cNvPicPr>
+            <a:picLocks noChangeAspect="1"/>
+          </p:cNvPicPr>
+          <p:nvPr/>
+        </p:nvPicPr>
+        <p:blipFill>
+          <a:blip r:embed="rId3"/>
+          <a:stretch>
+            <a:fillRect/>
+          </a:stretch>
+        </p:blipFill>
+        <p:spPr>
+          <a:xfrm>
+            <a:off x="3364992" y="1871098"/>
+            <a:ext cx="7328725" cy="4986902"/>
+          </a:xfrm>
+          <a:prstGeom prst="rect">
+            <a:avLst/>
+          </a:prstGeom>
+          <a:ln>
+            <a:solidFill>
+              <a:srgbClr val="FF0000"/>
+            </a:solidFill>
+          </a:ln>
+        </p:spPr>
+      </p:pic>
+      <p:sp>
+        <p:nvSpPr>
+          <p:cNvPr id="8" name="CaixaDeTexto 7">
+            <a:extLst>
+              <a:ext uri="{FF2B5EF4-FFF2-40B4-BE49-F238E27FC236}">
+                <a16:creationId xmlns:a16="http://schemas.microsoft.com/office/drawing/2014/main" id="{F59804B5-680E-B3E4-7EF8-3BF0371840D6}"/>
+              </a:ext>
+            </a:extLst>
+          </p:cNvPr>
+          <p:cNvSpPr txBox="1"/>
+          <p:nvPr/>
+        </p:nvSpPr>
+        <p:spPr>
+          <a:xfrm>
+            <a:off x="1039177" y="3764384"/>
+            <a:ext cx="1655064" cy="1200329"/>
+          </a:xfrm>
+          <a:prstGeom prst="rect">
+            <a:avLst/>
+          </a:prstGeom>
+          <a:noFill/>
+        </p:spPr>
+        <p:txBody>
+          <a:bodyPr wrap="square" rtlCol="0">
+            <a:spAutoFit/>
+          </a:bodyPr>
+          <a:lstStyle/>
+          <a:p>
+            <a:r>
+              <a:rPr lang="pt-BR" dirty="0">
+                <a:solidFill>
+                  <a:srgbClr val="FF0000"/>
+                </a:solidFill>
+              </a:rPr>
+              <a:t>São propriedades que vão virar tabelas</a:t>
+            </a:r>
+          </a:p>
+        </p:txBody>
+      </p:sp>
+      <p:sp>
+        <p:nvSpPr>
+          <p:cNvPr id="9" name="CaixaDeTexto 8">
+            <a:extLst>
+              <a:ext uri="{FF2B5EF4-FFF2-40B4-BE49-F238E27FC236}">
+                <a16:creationId xmlns:a16="http://schemas.microsoft.com/office/drawing/2014/main" id="{7D4224AF-2283-8948-8241-4EA77EF9EE9B}"/>
+              </a:ext>
+            </a:extLst>
+          </p:cNvPr>
+          <p:cNvSpPr txBox="1"/>
+          <p:nvPr/>
+        </p:nvSpPr>
+        <p:spPr>
+          <a:xfrm>
+            <a:off x="9966960" y="5980176"/>
+            <a:ext cx="2225040" cy="646331"/>
+          </a:xfrm>
+          <a:prstGeom prst="rect">
+            <a:avLst/>
+          </a:prstGeom>
+          <a:noFill/>
+        </p:spPr>
+        <p:txBody>
+          <a:bodyPr wrap="square" rtlCol="0">
+            <a:spAutoFit/>
+          </a:bodyPr>
+          <a:lstStyle/>
+          <a:p>
+            <a:r>
+              <a:rPr lang="pt-BR" sz="1200" dirty="0">
+                <a:solidFill>
+                  <a:srgbClr val="FF0000"/>
+                </a:solidFill>
+              </a:rPr>
+              <a:t>Garantir que os usuários iniciais serão criados com o ativo = </a:t>
+            </a:r>
+            <a:r>
+              <a:rPr lang="pt-BR" sz="1200" dirty="0" err="1">
+                <a:solidFill>
+                  <a:srgbClr val="FF0000"/>
+                </a:solidFill>
+              </a:rPr>
+              <a:t>true</a:t>
+            </a:r>
+            <a:endParaRPr lang="pt-BR" sz="1200" dirty="0">
+              <a:solidFill>
+                <a:srgbClr val="FF0000"/>
+              </a:solidFill>
+            </a:endParaRPr>
+          </a:p>
+        </p:txBody>
+      </p:sp>
+      <p:cxnSp>
+        <p:nvCxnSpPr>
+          <p:cNvPr id="11" name="Conector de Seta Reta 10">
+            <a:extLst>
+              <a:ext uri="{FF2B5EF4-FFF2-40B4-BE49-F238E27FC236}">
+                <a16:creationId xmlns:a16="http://schemas.microsoft.com/office/drawing/2014/main" id="{5205F2B6-A13D-91CA-EBC3-8CCE9B294213}"/>
+              </a:ext>
+            </a:extLst>
+          </p:cNvPr>
+          <p:cNvCxnSpPr>
+            <a:stCxn id="8" idx="3"/>
+          </p:cNvCxnSpPr>
+          <p:nvPr/>
+        </p:nvCxnSpPr>
+        <p:spPr>
+          <a:xfrm>
+            <a:off x="2694241" y="4364549"/>
+            <a:ext cx="1713167" cy="79435"/>
+          </a:xfrm>
+          <a:prstGeom prst="straightConnector1">
+            <a:avLst/>
+          </a:prstGeom>
+          <a:ln w="12700">
+            <a:solidFill>
+              <a:srgbClr val="FF0000"/>
+            </a:solidFill>
+            <a:tailEnd type="triangle"/>
+          </a:ln>
+        </p:spPr>
+        <p:style>
+          <a:lnRef idx="1">
+            <a:schemeClr val="accent1"/>
+          </a:lnRef>
+          <a:fillRef idx="0">
+            <a:schemeClr val="accent1"/>
+          </a:fillRef>
+          <a:effectRef idx="0">
+            <a:schemeClr val="accent1"/>
+          </a:effectRef>
+          <a:fontRef idx="minor">
+            <a:schemeClr val="tx1"/>
+          </a:fontRef>
+        </p:style>
+      </p:cxnSp>
+      <p:cxnSp>
+        <p:nvCxnSpPr>
+          <p:cNvPr id="13" name="Conector de Seta Reta 12">
+            <a:extLst>
+              <a:ext uri="{FF2B5EF4-FFF2-40B4-BE49-F238E27FC236}">
+                <a16:creationId xmlns:a16="http://schemas.microsoft.com/office/drawing/2014/main" id="{1ACC6881-474B-E4A7-D405-51CDE8E19EE2}"/>
+              </a:ext>
+            </a:extLst>
+          </p:cNvPr>
+          <p:cNvCxnSpPr/>
+          <p:nvPr/>
+        </p:nvCxnSpPr>
+        <p:spPr>
+          <a:xfrm>
+            <a:off x="2487168" y="3429000"/>
+            <a:ext cx="2020824" cy="182880"/>
+          </a:xfrm>
+          <a:prstGeom prst="straightConnector1">
+            <a:avLst/>
+          </a:prstGeom>
+          <a:ln>
+            <a:solidFill>
+              <a:srgbClr val="FF0000"/>
+            </a:solidFill>
+            <a:tailEnd type="triangle"/>
+          </a:ln>
+        </p:spPr>
+        <p:style>
+          <a:lnRef idx="1">
+            <a:schemeClr val="accent1"/>
+          </a:lnRef>
+          <a:fillRef idx="0">
+            <a:schemeClr val="accent1"/>
+          </a:fillRef>
+          <a:effectRef idx="0">
+            <a:schemeClr val="accent1"/>
+          </a:effectRef>
+          <a:fontRef idx="minor">
+            <a:schemeClr val="tx1"/>
+          </a:fontRef>
+        </p:style>
+      </p:cxnSp>
+      <p:sp>
+        <p:nvSpPr>
+          <p:cNvPr id="14" name="CaixaDeTexto 13">
+            <a:extLst>
+              <a:ext uri="{FF2B5EF4-FFF2-40B4-BE49-F238E27FC236}">
+                <a16:creationId xmlns:a16="http://schemas.microsoft.com/office/drawing/2014/main" id="{160323DE-5137-56D4-829E-76BA8A7F3A42}"/>
+              </a:ext>
+            </a:extLst>
+          </p:cNvPr>
+          <p:cNvSpPr txBox="1"/>
+          <p:nvPr/>
+        </p:nvSpPr>
+        <p:spPr>
+          <a:xfrm>
+            <a:off x="-12384" y="2829528"/>
+            <a:ext cx="3377375" cy="523220"/>
+          </a:xfrm>
+          <a:prstGeom prst="rect">
+            <a:avLst/>
+          </a:prstGeom>
+          <a:noFill/>
+        </p:spPr>
+        <p:txBody>
+          <a:bodyPr wrap="square" rtlCol="0">
+            <a:spAutoFit/>
+          </a:bodyPr>
+          <a:lstStyle/>
+          <a:p>
+            <a:r>
+              <a:rPr lang="pt-BR" sz="1400" dirty="0">
+                <a:solidFill>
+                  <a:srgbClr val="FF0000"/>
+                </a:solidFill>
+              </a:rPr>
+              <a:t>Serve para implementar as configurações do </a:t>
+            </a:r>
+            <a:r>
+              <a:rPr lang="pt-BR" sz="1400" dirty="0" err="1">
+                <a:solidFill>
+                  <a:srgbClr val="FF0000"/>
+                </a:solidFill>
+              </a:rPr>
+              <a:t>Ms.EFCore</a:t>
+            </a:r>
+            <a:r>
+              <a:rPr lang="pt-BR" sz="1400" dirty="0">
+                <a:solidFill>
+                  <a:srgbClr val="FF0000"/>
+                </a:solidFill>
+              </a:rPr>
+              <a:t> no DB </a:t>
+            </a:r>
+          </a:p>
+        </p:txBody>
+      </p:sp>
+    </p:spTree>
+    <p:extLst>
+      <p:ext uri="{BB962C8B-B14F-4D97-AF65-F5344CB8AC3E}">
+        <p14:creationId xmlns:p14="http://schemas.microsoft.com/office/powerpoint/2010/main" val="4058222374"/>
+      </p:ext>
+    </p:extLst>
+  </p:cSld>
+  <p:clrMapOvr>
+    <a:masterClrMapping/>
+  </p:clrMapOvr>
+</p:sld>
+</file>
+
+<file path=ppt/slides/slide15.xml><?xml version="1.0" encoding="utf-8"?>
+<p:sld xmlns:a="http://schemas.openxmlformats.org/drawingml/2006/main" xmlns:r="http://schemas.openxmlformats.org/officeDocument/2006/relationships" xmlns:p="http://schemas.openxmlformats.org/presentationml/2006/main">
+  <p:cSld>
+    <p:spTree>
+      <p:nvGrpSpPr>
+        <p:cNvPr id="1" name=""/>
+        <p:cNvGrpSpPr/>
+        <p:nvPr/>
+      </p:nvGrpSpPr>
+      <p:grpSpPr>
+        <a:xfrm>
+          <a:off x="0" y="0"/>
+          <a:ext cx="0" cy="0"/>
+          <a:chOff x="0" y="0"/>
+          <a:chExt cx="0" cy="0"/>
+        </a:xfrm>
+      </p:grpSpPr>
+      <p:sp>
+        <p:nvSpPr>
+          <p:cNvPr id="2" name="Título 1">
+            <a:extLst>
+              <a:ext uri="{FF2B5EF4-FFF2-40B4-BE49-F238E27FC236}">
+                <a16:creationId xmlns:a16="http://schemas.microsoft.com/office/drawing/2014/main" id="{EE2A76F4-CDEE-986F-F600-6E55DEE448C4}"/>
+              </a:ext>
+            </a:extLst>
+          </p:cNvPr>
+          <p:cNvSpPr>
+            <a:spLocks noGrp="1"/>
+          </p:cNvSpPr>
+          <p:nvPr>
+            <p:ph type="title"/>
+          </p:nvPr>
+        </p:nvSpPr>
+        <p:spPr/>
+        <p:txBody>
+          <a:bodyPr/>
+          <a:lstStyle/>
+          <a:p>
+            <a:r>
+              <a:rPr lang="pt-BR" dirty="0" err="1"/>
+              <a:t>appsettings.json</a:t>
+            </a:r>
+            <a:endParaRPr lang="pt-BR" dirty="0"/>
+          </a:p>
+        </p:txBody>
+      </p:sp>
+      <p:sp>
+        <p:nvSpPr>
+          <p:cNvPr id="3" name="Espaço Reservado para Texto 2">
+            <a:extLst>
+              <a:ext uri="{FF2B5EF4-FFF2-40B4-BE49-F238E27FC236}">
+                <a16:creationId xmlns:a16="http://schemas.microsoft.com/office/drawing/2014/main" id="{BB8F4950-6CEA-DFF5-E336-EE579A367FA3}"/>
+              </a:ext>
+            </a:extLst>
+          </p:cNvPr>
+          <p:cNvSpPr>
+            <a:spLocks noGrp="1"/>
+          </p:cNvSpPr>
+          <p:nvPr>
+            <p:ph type="body" idx="1"/>
+          </p:nvPr>
+        </p:nvSpPr>
+        <p:spPr/>
+        <p:txBody>
+          <a:bodyPr/>
+          <a:lstStyle/>
+          <a:p>
+            <a:endParaRPr lang="pt-BR"/>
+          </a:p>
+        </p:txBody>
+      </p:sp>
+      <p:pic>
+        <p:nvPicPr>
+          <p:cNvPr id="10" name="Espaço Reservado para Conteúdo 9">
+            <a:extLst>
+              <a:ext uri="{FF2B5EF4-FFF2-40B4-BE49-F238E27FC236}">
+                <a16:creationId xmlns:a16="http://schemas.microsoft.com/office/drawing/2014/main" id="{F2E92276-F1C8-EDCD-31C8-D28016B9D055}"/>
+              </a:ext>
+            </a:extLst>
+          </p:cNvPr>
+          <p:cNvPicPr>
+            <a:picLocks noGrp="1" noChangeAspect="1"/>
+          </p:cNvPicPr>
+          <p:nvPr>
+            <p:ph sz="half" idx="2"/>
+          </p:nvPr>
+        </p:nvPicPr>
+        <p:blipFill>
+          <a:blip r:embed="rId2"/>
+          <a:stretch>
+            <a:fillRect/>
+          </a:stretch>
+        </p:blipFill>
+        <p:spPr>
+          <a:xfrm>
+            <a:off x="1262063" y="3380781"/>
+            <a:ext cx="4479925" cy="1918888"/>
+          </a:xfrm>
+          <a:prstGeom prst="rect">
+            <a:avLst/>
+          </a:prstGeom>
+        </p:spPr>
+      </p:pic>
+      <p:sp>
+        <p:nvSpPr>
+          <p:cNvPr id="5" name="Espaço Reservado para Texto 4">
+            <a:extLst>
+              <a:ext uri="{FF2B5EF4-FFF2-40B4-BE49-F238E27FC236}">
+                <a16:creationId xmlns:a16="http://schemas.microsoft.com/office/drawing/2014/main" id="{00807F45-9231-A29B-93E0-CE3ECD52558B}"/>
+              </a:ext>
+            </a:extLst>
+          </p:cNvPr>
+          <p:cNvSpPr>
+            <a:spLocks noGrp="1"/>
+          </p:cNvSpPr>
+          <p:nvPr>
+            <p:ph type="body" sz="quarter" idx="13"/>
+          </p:nvPr>
+        </p:nvSpPr>
+        <p:spPr/>
+        <p:txBody>
+          <a:bodyPr/>
+          <a:lstStyle/>
+          <a:p>
+            <a:endParaRPr lang="pt-BR" dirty="0"/>
+          </a:p>
+        </p:txBody>
+      </p:sp>
+      <p:sp>
+        <p:nvSpPr>
+          <p:cNvPr id="6" name="Espaço Reservado para Conteúdo 5">
+            <a:extLst>
+              <a:ext uri="{FF2B5EF4-FFF2-40B4-BE49-F238E27FC236}">
+                <a16:creationId xmlns:a16="http://schemas.microsoft.com/office/drawing/2014/main" id="{1678E3BF-8D4F-0DB5-E0E7-A54EB39F1FE9}"/>
+              </a:ext>
+            </a:extLst>
+          </p:cNvPr>
+          <p:cNvSpPr>
+            <a:spLocks noGrp="1"/>
+          </p:cNvSpPr>
+          <p:nvPr>
+            <p:ph sz="quarter" idx="4"/>
+          </p:nvPr>
+        </p:nvSpPr>
+        <p:spPr/>
+        <p:txBody>
+          <a:bodyPr/>
+          <a:lstStyle/>
+          <a:p>
+            <a:r>
+              <a:rPr lang="pt-BR" dirty="0"/>
+              <a:t>Server=(</a:t>
+            </a:r>
+            <a:r>
+              <a:rPr lang="pt-BR" dirty="0" err="1"/>
+              <a:t>localdb</a:t>
+            </a:r>
+            <a:r>
+              <a:rPr lang="pt-BR" dirty="0"/>
+              <a:t>\\</a:t>
+            </a:r>
+            <a:r>
+              <a:rPr lang="pt-BR" dirty="0" err="1"/>
+              <a:t>mssqllocaldb</a:t>
+            </a:r>
+            <a:r>
+              <a:rPr lang="pt-BR" dirty="0"/>
+              <a:t>)</a:t>
+            </a:r>
+          </a:p>
+          <a:p>
+            <a:pPr lvl="1"/>
+            <a:r>
+              <a:rPr lang="pt-BR" dirty="0"/>
+              <a:t>Caminho</a:t>
+            </a:r>
+          </a:p>
+          <a:p>
+            <a:r>
+              <a:rPr lang="pt-BR" dirty="0" err="1"/>
+              <a:t>Database</a:t>
+            </a:r>
+            <a:r>
+              <a:rPr lang="pt-BR" dirty="0"/>
+              <a:t>=</a:t>
+            </a:r>
+            <a:r>
+              <a:rPr lang="pt-BR" dirty="0" err="1"/>
+              <a:t>zeroflowDB</a:t>
+            </a:r>
+            <a:endParaRPr lang="pt-BR" dirty="0"/>
+          </a:p>
+          <a:p>
+            <a:pPr lvl="1"/>
+            <a:r>
+              <a:rPr lang="pt-BR" dirty="0"/>
+              <a:t>Nome do banco</a:t>
+            </a:r>
+          </a:p>
+          <a:p>
+            <a:r>
+              <a:rPr lang="pt-BR" dirty="0" err="1"/>
+              <a:t>Trusted_connection</a:t>
+            </a:r>
+            <a:r>
+              <a:rPr lang="pt-BR" dirty="0"/>
+              <a:t>=</a:t>
+            </a:r>
+            <a:r>
+              <a:rPr lang="pt-BR" dirty="0" err="1"/>
+              <a:t>true</a:t>
+            </a:r>
+            <a:endParaRPr lang="pt-BR" dirty="0"/>
+          </a:p>
+          <a:p>
+            <a:pPr lvl="1"/>
+            <a:r>
+              <a:rPr lang="pt-BR" dirty="0"/>
+              <a:t>Conexão confiável</a:t>
+            </a:r>
+          </a:p>
+          <a:p>
+            <a:r>
+              <a:rPr lang="pt-BR" dirty="0"/>
+              <a:t>Mars=</a:t>
+            </a:r>
+            <a:r>
+              <a:rPr lang="pt-BR" dirty="0" err="1"/>
+              <a:t>true</a:t>
+            </a:r>
+            <a:endParaRPr lang="pt-BR" dirty="0"/>
+          </a:p>
+          <a:p>
+            <a:pPr lvl="1"/>
+            <a:r>
+              <a:rPr lang="pt-BR" dirty="0"/>
+              <a:t>Varias requisições</a:t>
+            </a:r>
+          </a:p>
+        </p:txBody>
+      </p:sp>
+      <p:sp>
+        <p:nvSpPr>
+          <p:cNvPr id="7" name="CaixaDeTexto 6">
+            <a:extLst>
+              <a:ext uri="{FF2B5EF4-FFF2-40B4-BE49-F238E27FC236}">
+                <a16:creationId xmlns:a16="http://schemas.microsoft.com/office/drawing/2014/main" id="{5369EA85-52E5-66ED-D5F4-EE3979C53307}"/>
+              </a:ext>
+            </a:extLst>
+          </p:cNvPr>
+          <p:cNvSpPr txBox="1"/>
+          <p:nvPr/>
+        </p:nvSpPr>
+        <p:spPr>
+          <a:xfrm>
+            <a:off x="6016752" y="365760"/>
+            <a:ext cx="5257800" cy="923330"/>
+          </a:xfrm>
+          <a:prstGeom prst="rect">
+            <a:avLst/>
+          </a:prstGeom>
+          <a:noFill/>
+        </p:spPr>
+        <p:txBody>
+          <a:bodyPr wrap="square" rtlCol="0">
+            <a:spAutoFit/>
+          </a:bodyPr>
+          <a:lstStyle/>
+          <a:p>
+            <a:r>
+              <a:rPr lang="pt-BR" dirty="0">
+                <a:solidFill>
+                  <a:srgbClr val="FF0000"/>
+                </a:solidFill>
+              </a:rPr>
+              <a:t>MARS vai servir para que consigamos fazer uma requisição sem que tenhamos que cumprir todas requisições de segurança</a:t>
+            </a:r>
+          </a:p>
+        </p:txBody>
+      </p:sp>
+      <p:sp>
+        <p:nvSpPr>
+          <p:cNvPr id="11" name="Retângulo 10">
+            <a:extLst>
+              <a:ext uri="{FF2B5EF4-FFF2-40B4-BE49-F238E27FC236}">
+                <a16:creationId xmlns:a16="http://schemas.microsoft.com/office/drawing/2014/main" id="{BE64AEE5-4814-FF00-E5C6-ADFABAEE93D9}"/>
+              </a:ext>
+            </a:extLst>
+          </p:cNvPr>
+          <p:cNvSpPr/>
+          <p:nvPr/>
+        </p:nvSpPr>
+        <p:spPr>
+          <a:xfrm>
+            <a:off x="1609344" y="3493008"/>
+            <a:ext cx="4133088" cy="731520"/>
+          </a:xfrm>
+          <a:prstGeom prst="rect">
+            <a:avLst/>
+          </a:prstGeom>
+          <a:noFill/>
+          <a:ln>
+            <a:solidFill>
+              <a:srgbClr val="FF0000"/>
+            </a:solidFill>
+          </a:ln>
+        </p:spPr>
+        <p:style>
+          <a:lnRef idx="2">
+            <a:schemeClr val="accent1">
+              <a:shade val="15000"/>
+            </a:schemeClr>
+          </a:lnRef>
+          <a:fillRef idx="1">
+            <a:schemeClr val="accent1"/>
+          </a:fillRef>
+          <a:effectRef idx="0">
+            <a:schemeClr val="accent1"/>
+          </a:effectRef>
+          <a:fontRef idx="minor">
+            <a:schemeClr val="lt1"/>
+          </a:fontRef>
+        </p:style>
+        <p:txBody>
+          <a:bodyPr rtlCol="0" anchor="ctr"/>
+          <a:lstStyle/>
+          <a:p>
+            <a:pPr algn="ctr"/>
+            <a:endParaRPr lang="pt-BR"/>
+          </a:p>
+        </p:txBody>
+      </p:sp>
+    </p:spTree>
+    <p:extLst>
+      <p:ext uri="{BB962C8B-B14F-4D97-AF65-F5344CB8AC3E}">
+        <p14:creationId xmlns:p14="http://schemas.microsoft.com/office/powerpoint/2010/main" val="2242917204"/>
+      </p:ext>
+    </p:extLst>
+  </p:cSld>
+  <p:clrMapOvr>
+    <a:masterClrMapping/>
+  </p:clrMapOvr>
+</p:sld>
+</file>
+
+<file path=ppt/slides/slide16.xml><?xml version="1.0" encoding="utf-8"?>
+<p:sld xmlns:a="http://schemas.openxmlformats.org/drawingml/2006/main" xmlns:r="http://schemas.openxmlformats.org/officeDocument/2006/relationships" xmlns:p="http://schemas.openxmlformats.org/presentationml/2006/main">
+  <p:cSld>
+    <p:spTree>
+      <p:nvGrpSpPr>
+        <p:cNvPr id="1" name=""/>
+        <p:cNvGrpSpPr/>
+        <p:nvPr/>
+      </p:nvGrpSpPr>
+      <p:grpSpPr>
+        <a:xfrm>
+          <a:off x="0" y="0"/>
+          <a:ext cx="0" cy="0"/>
+          <a:chOff x="0" y="0"/>
+          <a:chExt cx="0" cy="0"/>
+        </a:xfrm>
+      </p:grpSpPr>
+      <p:sp>
+        <p:nvSpPr>
+          <p:cNvPr id="4" name="Título 3">
+            <a:extLst>
+              <a:ext uri="{FF2B5EF4-FFF2-40B4-BE49-F238E27FC236}">
+                <a16:creationId xmlns:a16="http://schemas.microsoft.com/office/drawing/2014/main" id="{D82E335F-A695-106D-3E4B-23F93147E138}"/>
+              </a:ext>
+            </a:extLst>
+          </p:cNvPr>
+          <p:cNvSpPr>
+            <a:spLocks noGrp="1"/>
+          </p:cNvSpPr>
+          <p:nvPr>
+            <p:ph type="title"/>
+          </p:nvPr>
+        </p:nvSpPr>
+        <p:spPr/>
+        <p:txBody>
+          <a:bodyPr/>
+          <a:lstStyle/>
+          <a:p>
+            <a:r>
+              <a:rPr lang="pt-BR" dirty="0" err="1"/>
+              <a:t>Program.cs</a:t>
+            </a:r>
+            <a:endParaRPr lang="pt-BR" dirty="0"/>
+          </a:p>
+        </p:txBody>
+      </p:sp>
+      <p:sp>
+        <p:nvSpPr>
+          <p:cNvPr id="5" name="Espaço Reservado para Texto 4">
+            <a:extLst>
+              <a:ext uri="{FF2B5EF4-FFF2-40B4-BE49-F238E27FC236}">
+                <a16:creationId xmlns:a16="http://schemas.microsoft.com/office/drawing/2014/main" id="{E24D76F4-941A-224B-04B7-3830A43838C4}"/>
+              </a:ext>
+            </a:extLst>
+          </p:cNvPr>
+          <p:cNvSpPr>
+            <a:spLocks noGrp="1"/>
+          </p:cNvSpPr>
+          <p:nvPr>
+            <p:ph type="body" idx="1"/>
+          </p:nvPr>
+        </p:nvSpPr>
+        <p:spPr/>
+        <p:txBody>
+          <a:bodyPr/>
+          <a:lstStyle/>
+          <a:p>
+            <a:r>
+              <a:rPr lang="pt-BR" dirty="0"/>
+              <a:t>Alterações no </a:t>
+            </a:r>
+            <a:r>
+              <a:rPr lang="pt-BR" dirty="0" err="1"/>
+              <a:t>program.cs</a:t>
+            </a:r>
+            <a:endParaRPr lang="pt-BR" dirty="0"/>
+          </a:p>
+        </p:txBody>
+      </p:sp>
+      <p:sp>
+        <p:nvSpPr>
+          <p:cNvPr id="8" name="Espaço Reservado para Texto 7">
+            <a:extLst>
+              <a:ext uri="{FF2B5EF4-FFF2-40B4-BE49-F238E27FC236}">
+                <a16:creationId xmlns:a16="http://schemas.microsoft.com/office/drawing/2014/main" id="{D2610140-1234-E605-0B87-4698DAEDE8BF}"/>
+              </a:ext>
+            </a:extLst>
+          </p:cNvPr>
+          <p:cNvSpPr>
+            <a:spLocks noGrp="1"/>
+          </p:cNvSpPr>
+          <p:nvPr>
+            <p:ph type="body" sz="quarter" idx="13"/>
+          </p:nvPr>
+        </p:nvSpPr>
+        <p:spPr/>
+        <p:txBody>
+          <a:bodyPr/>
+          <a:lstStyle/>
+          <a:p>
+            <a:r>
+              <a:rPr lang="pt-BR" dirty="0"/>
+              <a:t>Registro do serviço no container (com ordem correta)</a:t>
+            </a:r>
+          </a:p>
+        </p:txBody>
+      </p:sp>
+      <p:pic>
+        <p:nvPicPr>
+          <p:cNvPr id="24" name="Espaço Reservado para Conteúdo 23">
+            <a:extLst>
+              <a:ext uri="{FF2B5EF4-FFF2-40B4-BE49-F238E27FC236}">
+                <a16:creationId xmlns:a16="http://schemas.microsoft.com/office/drawing/2014/main" id="{68EDF299-F506-B961-3D7D-FAF35AED776C}"/>
+              </a:ext>
+            </a:extLst>
+          </p:cNvPr>
+          <p:cNvPicPr>
+            <a:picLocks noGrp="1" noChangeAspect="1"/>
+          </p:cNvPicPr>
+          <p:nvPr>
+            <p:ph sz="half" idx="2"/>
+          </p:nvPr>
+        </p:nvPicPr>
+        <p:blipFill>
+          <a:blip r:embed="rId2"/>
+          <a:stretch>
+            <a:fillRect/>
+          </a:stretch>
+        </p:blipFill>
+        <p:spPr>
+          <a:xfrm>
+            <a:off x="1261872" y="2724927"/>
+            <a:ext cx="2800672" cy="731520"/>
+          </a:xfrm>
+          <a:prstGeom prst="rect">
+            <a:avLst/>
+          </a:prstGeom>
+          <a:ln>
+            <a:solidFill>
+              <a:srgbClr val="FF0000"/>
+            </a:solidFill>
+          </a:ln>
+        </p:spPr>
+      </p:pic>
+      <p:pic>
+        <p:nvPicPr>
+          <p:cNvPr id="28" name="Espaço Reservado para Conteúdo 27">
+            <a:extLst>
+              <a:ext uri="{FF2B5EF4-FFF2-40B4-BE49-F238E27FC236}">
+                <a16:creationId xmlns:a16="http://schemas.microsoft.com/office/drawing/2014/main" id="{C1EE5C11-85E0-FAF8-F84D-CEBF97FE6E80}"/>
+              </a:ext>
+            </a:extLst>
+          </p:cNvPr>
+          <p:cNvPicPr>
+            <a:picLocks noGrp="1" noChangeAspect="1"/>
+          </p:cNvPicPr>
+          <p:nvPr>
+            <p:ph sz="quarter" idx="4"/>
+          </p:nvPr>
+        </p:nvPicPr>
+        <p:blipFill>
+          <a:blip r:embed="rId3"/>
+          <a:stretch>
+            <a:fillRect/>
+          </a:stretch>
+        </p:blipFill>
+        <p:spPr>
+          <a:xfrm>
+            <a:off x="6096000" y="2724927"/>
+            <a:ext cx="4481512" cy="1320692"/>
+          </a:xfrm>
+          <a:prstGeom prst="rect">
+            <a:avLst/>
+          </a:prstGeom>
+        </p:spPr>
+      </p:pic>
+    </p:spTree>
+    <p:extLst>
+      <p:ext uri="{BB962C8B-B14F-4D97-AF65-F5344CB8AC3E}">
+        <p14:creationId xmlns:p14="http://schemas.microsoft.com/office/powerpoint/2010/main" val="871142693"/>
+      </p:ext>
+    </p:extLst>
+  </p:cSld>
+  <p:clrMapOvr>
+    <a:masterClrMapping/>
+  </p:clrMapOvr>
+</p:sld>
+</file>
+
+<file path=ppt/slides/slide17.xml><?xml version="1.0" encoding="utf-8"?>
+<p:sld xmlns:a="http://schemas.openxmlformats.org/drawingml/2006/main" xmlns:r="http://schemas.openxmlformats.org/officeDocument/2006/relationships" xmlns:p="http://schemas.openxmlformats.org/presentationml/2006/main">
+  <p:cSld>
+    <p:spTree>
+      <p:nvGrpSpPr>
+        <p:cNvPr id="1" name=""/>
+        <p:cNvGrpSpPr/>
+        <p:nvPr/>
+      </p:nvGrpSpPr>
+      <p:grpSpPr>
+        <a:xfrm>
+          <a:off x="0" y="0"/>
+          <a:ext cx="0" cy="0"/>
+          <a:chOff x="0" y="0"/>
+          <a:chExt cx="0" cy="0"/>
+        </a:xfrm>
+      </p:grpSpPr>
+      <p:sp>
+        <p:nvSpPr>
+          <p:cNvPr id="2" name="Título 1">
+            <a:extLst>
+              <a:ext uri="{FF2B5EF4-FFF2-40B4-BE49-F238E27FC236}">
+                <a16:creationId xmlns:a16="http://schemas.microsoft.com/office/drawing/2014/main" id="{9A711507-79F9-1C1E-6644-F5CF42AF1E89}"/>
+              </a:ext>
+            </a:extLst>
+          </p:cNvPr>
+          <p:cNvSpPr>
+            <a:spLocks noGrp="1"/>
+          </p:cNvSpPr>
+          <p:nvPr>
+            <p:ph type="title"/>
+          </p:nvPr>
+        </p:nvSpPr>
+        <p:spPr/>
+        <p:txBody>
+          <a:bodyPr/>
+          <a:lstStyle/>
+          <a:p>
+            <a:r>
+              <a:rPr lang="pt-BR" dirty="0" err="1"/>
+              <a:t>Migration</a:t>
+            </a:r>
+            <a:br>
+              <a:rPr lang="pt-BR" dirty="0"/>
+            </a:br>
+            <a:r>
+              <a:rPr lang="pt-BR" sz="3200" dirty="0"/>
+              <a:t>inicial </a:t>
+            </a:r>
+            <a:r>
+              <a:rPr lang="pt-BR" sz="3200" dirty="0" err="1"/>
+              <a:t>entities</a:t>
+            </a:r>
+            <a:endParaRPr lang="pt-BR" dirty="0"/>
+          </a:p>
+        </p:txBody>
+      </p:sp>
+      <p:sp>
+        <p:nvSpPr>
+          <p:cNvPr id="3" name="Espaço Reservado para Texto 2">
+            <a:extLst>
+              <a:ext uri="{FF2B5EF4-FFF2-40B4-BE49-F238E27FC236}">
+                <a16:creationId xmlns:a16="http://schemas.microsoft.com/office/drawing/2014/main" id="{7905B3B1-09B8-1D3F-F601-C7B9F33ECE84}"/>
+              </a:ext>
+            </a:extLst>
+          </p:cNvPr>
+          <p:cNvSpPr>
+            <a:spLocks noGrp="1"/>
+          </p:cNvSpPr>
+          <p:nvPr>
+            <p:ph type="body" idx="1"/>
+          </p:nvPr>
+        </p:nvSpPr>
+        <p:spPr>
+          <a:xfrm>
+            <a:off x="407673" y="1726110"/>
+            <a:ext cx="4480560" cy="731520"/>
+          </a:xfrm>
+        </p:spPr>
+        <p:txBody>
+          <a:bodyPr/>
+          <a:lstStyle/>
+          <a:p>
+            <a:r>
+              <a:rPr lang="pt-BR" dirty="0"/>
+              <a:t>Caminho para o terminal </a:t>
+            </a:r>
+          </a:p>
+          <a:p>
+            <a:r>
+              <a:rPr lang="pt-BR" dirty="0"/>
+              <a:t>(ou Ctrl+’)</a:t>
+            </a:r>
+          </a:p>
+        </p:txBody>
+      </p:sp>
+      <p:pic>
+        <p:nvPicPr>
+          <p:cNvPr id="8" name="Espaço Reservado para Conteúdo 7">
+            <a:extLst>
+              <a:ext uri="{FF2B5EF4-FFF2-40B4-BE49-F238E27FC236}">
+                <a16:creationId xmlns:a16="http://schemas.microsoft.com/office/drawing/2014/main" id="{EB82533A-4BF1-EF65-AD82-305B30DCDD02}"/>
+              </a:ext>
+            </a:extLst>
+          </p:cNvPr>
+          <p:cNvPicPr>
+            <a:picLocks noGrp="1" noChangeAspect="1"/>
+          </p:cNvPicPr>
+          <p:nvPr>
+            <p:ph sz="half" idx="2"/>
+          </p:nvPr>
+        </p:nvPicPr>
+        <p:blipFill>
+          <a:blip r:embed="rId2"/>
+          <a:stretch>
+            <a:fillRect/>
+          </a:stretch>
+        </p:blipFill>
+        <p:spPr>
+          <a:xfrm>
+            <a:off x="407673" y="2586145"/>
+            <a:ext cx="2772163" cy="2064218"/>
+          </a:xfrm>
+          <a:prstGeom prst="rect">
+            <a:avLst/>
+          </a:prstGeom>
+          <a:ln>
+            <a:solidFill>
+              <a:srgbClr val="FF0000"/>
+            </a:solidFill>
+          </a:ln>
+        </p:spPr>
+      </p:pic>
+      <p:sp>
+        <p:nvSpPr>
+          <p:cNvPr id="5" name="Espaço Reservado para Texto 4">
+            <a:extLst>
+              <a:ext uri="{FF2B5EF4-FFF2-40B4-BE49-F238E27FC236}">
+                <a16:creationId xmlns:a16="http://schemas.microsoft.com/office/drawing/2014/main" id="{F34BB7CF-9169-5D51-3249-C5F8C20E9DDF}"/>
+              </a:ext>
+            </a:extLst>
+          </p:cNvPr>
+          <p:cNvSpPr>
+            <a:spLocks noGrp="1"/>
+          </p:cNvSpPr>
+          <p:nvPr>
+            <p:ph type="body" sz="quarter" idx="13"/>
+          </p:nvPr>
+        </p:nvSpPr>
+        <p:spPr>
+          <a:xfrm>
+            <a:off x="3556892" y="2121419"/>
+            <a:ext cx="4481512" cy="586274"/>
+          </a:xfrm>
+        </p:spPr>
+        <p:txBody>
+          <a:bodyPr>
+            <a:normAutofit/>
+          </a:bodyPr>
+          <a:lstStyle/>
+          <a:p>
+            <a:r>
+              <a:rPr lang="pt-BR" sz="1400" dirty="0"/>
+              <a:t>Adicionando uma migração</a:t>
+            </a:r>
+          </a:p>
+        </p:txBody>
+      </p:sp>
+      <p:pic>
+        <p:nvPicPr>
+          <p:cNvPr id="10" name="Espaço Reservado para Conteúdo 9">
+            <a:extLst>
+              <a:ext uri="{FF2B5EF4-FFF2-40B4-BE49-F238E27FC236}">
+                <a16:creationId xmlns:a16="http://schemas.microsoft.com/office/drawing/2014/main" id="{85B7A12D-4531-A000-0EAA-822A3B67919D}"/>
+              </a:ext>
+            </a:extLst>
+          </p:cNvPr>
+          <p:cNvPicPr>
+            <a:picLocks noGrp="1" noChangeAspect="1"/>
+          </p:cNvPicPr>
+          <p:nvPr>
+            <p:ph sz="quarter" idx="4"/>
+          </p:nvPr>
+        </p:nvPicPr>
+        <p:blipFill>
+          <a:blip r:embed="rId3"/>
+          <a:stretch>
+            <a:fillRect/>
+          </a:stretch>
+        </p:blipFill>
+        <p:spPr>
+          <a:xfrm>
+            <a:off x="3553968" y="2800521"/>
+            <a:ext cx="2878851" cy="839412"/>
+          </a:xfrm>
+          <a:prstGeom prst="rect">
+            <a:avLst/>
+          </a:prstGeom>
+        </p:spPr>
+      </p:pic>
+      <p:pic>
+        <p:nvPicPr>
+          <p:cNvPr id="12" name="Imagem 11">
+            <a:extLst>
+              <a:ext uri="{FF2B5EF4-FFF2-40B4-BE49-F238E27FC236}">
+                <a16:creationId xmlns:a16="http://schemas.microsoft.com/office/drawing/2014/main" id="{F77F2C62-86B8-7E41-E9F8-89085E94A983}"/>
+              </a:ext>
+            </a:extLst>
+          </p:cNvPr>
+          <p:cNvPicPr>
+            <a:picLocks noChangeAspect="1"/>
+          </p:cNvPicPr>
+          <p:nvPr/>
+        </p:nvPicPr>
+        <p:blipFill>
+          <a:blip r:embed="rId4"/>
+          <a:stretch>
+            <a:fillRect/>
+          </a:stretch>
+        </p:blipFill>
+        <p:spPr>
+          <a:xfrm>
+            <a:off x="3552383" y="4696950"/>
+            <a:ext cx="2880436" cy="978681"/>
+          </a:xfrm>
+          <a:prstGeom prst="rect">
+            <a:avLst/>
+          </a:prstGeom>
+        </p:spPr>
+      </p:pic>
+      <p:sp>
+        <p:nvSpPr>
+          <p:cNvPr id="13" name="Espaço Reservado para Texto 4">
+            <a:extLst>
+              <a:ext uri="{FF2B5EF4-FFF2-40B4-BE49-F238E27FC236}">
+                <a16:creationId xmlns:a16="http://schemas.microsoft.com/office/drawing/2014/main" id="{BB0F696E-B98B-7744-62D4-9638BBA2DF01}"/>
+              </a:ext>
+            </a:extLst>
+          </p:cNvPr>
+          <p:cNvSpPr txBox="1">
+            <a:spLocks/>
+          </p:cNvSpPr>
+          <p:nvPr/>
+        </p:nvSpPr>
+        <p:spPr>
+          <a:xfrm>
+            <a:off x="3550796" y="4107234"/>
+            <a:ext cx="4479925" cy="586273"/>
+          </a:xfrm>
+          <a:prstGeom prst="rect">
+            <a:avLst/>
+          </a:prstGeom>
+        </p:spPr>
+        <p:txBody>
+          <a:bodyPr vert="horz" lIns="91440" tIns="45720" rIns="91440" bIns="45720" rtlCol="0" anchor="b">
+            <a:normAutofit/>
+          </a:bodyPr>
+          <a:lstStyle>
+            <a:lvl1pPr marL="0" indent="0" algn="l" defTabSz="914400" rtl="0" eaLnBrk="1" latinLnBrk="0" hangingPunct="1">
+              <a:lnSpc>
+                <a:spcPct val="95000"/>
+              </a:lnSpc>
+              <a:spcBef>
+                <a:spcPts val="0"/>
+              </a:spcBef>
+              <a:spcAft>
+                <a:spcPts val="200"/>
+              </a:spcAft>
+              <a:buClr>
+                <a:schemeClr val="accent1"/>
+              </a:buClr>
+              <a:buSzPct val="80000"/>
+              <a:buFontTx/>
+              <a:buNone/>
+              <a:defRPr lang="en-US" sz="2000" b="0" kern="1200" spc="10" baseline="0" dirty="0">
+                <a:solidFill>
+                  <a:schemeClr val="tx1">
+                    <a:lumMod val="65000"/>
+                  </a:schemeClr>
+                </a:solidFill>
+                <a:latin typeface="+mn-lt"/>
+                <a:ea typeface="+mn-ea"/>
+                <a:cs typeface="+mn-cs"/>
+              </a:defRPr>
+            </a:lvl1pPr>
+            <a:lvl2pPr marL="457200" indent="-182880" algn="l" defTabSz="914400" rtl="0" eaLnBrk="1" latinLnBrk="0" hangingPunct="1">
+              <a:lnSpc>
+                <a:spcPct val="90000"/>
+              </a:lnSpc>
+              <a:spcBef>
+                <a:spcPts val="300"/>
+              </a:spcBef>
+              <a:spcAft>
+                <a:spcPts val="300"/>
+              </a:spcAft>
+              <a:buClr>
+                <a:schemeClr val="accent1"/>
+              </a:buClr>
+              <a:buFont typeface="Wingdings 2" pitchFamily="18" charset="2"/>
+              <a:buChar char=""/>
+              <a:defRPr sz="1600" kern="1200">
+                <a:solidFill>
+                  <a:schemeClr val="tx1">
+                    <a:lumMod val="85000"/>
+                    <a:lumOff val="15000"/>
+                  </a:schemeClr>
+                </a:solidFill>
+                <a:latin typeface="+mn-lt"/>
+                <a:ea typeface="+mn-ea"/>
+                <a:cs typeface="+mn-cs"/>
+              </a:defRPr>
+            </a:lvl2pPr>
+            <a:lvl3pPr marL="731520" indent="-182880" algn="l" defTabSz="914400" rtl="0" eaLnBrk="1" latinLnBrk="0" hangingPunct="1">
+              <a:lnSpc>
+                <a:spcPct val="90000"/>
+              </a:lnSpc>
+              <a:spcBef>
+                <a:spcPts val="300"/>
+              </a:spcBef>
+              <a:spcAft>
+                <a:spcPts val="300"/>
+              </a:spcAft>
+              <a:buClr>
+                <a:schemeClr val="accent1"/>
+              </a:buClr>
+              <a:buFont typeface="Wingdings 2" pitchFamily="18" charset="2"/>
+              <a:buChar char=""/>
+              <a:defRPr sz="1400" kern="1200">
+                <a:solidFill>
+                  <a:schemeClr val="tx1">
+                    <a:lumMod val="85000"/>
+                    <a:lumOff val="15000"/>
+                  </a:schemeClr>
+                </a:solidFill>
+                <a:latin typeface="+mn-lt"/>
+                <a:ea typeface="+mn-ea"/>
+                <a:cs typeface="+mn-cs"/>
+              </a:defRPr>
+            </a:lvl3pPr>
+            <a:lvl4pPr marL="1005840" indent="-182880" algn="l" defTabSz="914400" rtl="0" eaLnBrk="1" latinLnBrk="0" hangingPunct="1">
+              <a:lnSpc>
+                <a:spcPct val="90000"/>
+              </a:lnSpc>
+              <a:spcBef>
+                <a:spcPts val="300"/>
+              </a:spcBef>
+              <a:spcAft>
+                <a:spcPts val="300"/>
+              </a:spcAft>
+              <a:buClr>
+                <a:schemeClr val="accent1"/>
+              </a:buClr>
+              <a:buFont typeface="Wingdings 2" pitchFamily="18" charset="2"/>
+              <a:buChar char=""/>
+              <a:defRPr sz="1400" kern="1200">
+                <a:solidFill>
+                  <a:schemeClr val="tx1">
+                    <a:lumMod val="85000"/>
+                    <a:lumOff val="15000"/>
+                  </a:schemeClr>
+                </a:solidFill>
+                <a:latin typeface="+mn-lt"/>
+                <a:ea typeface="+mn-ea"/>
+                <a:cs typeface="+mn-cs"/>
+              </a:defRPr>
+            </a:lvl4pPr>
+            <a:lvl5pPr marL="1280160" indent="-182880" algn="l" defTabSz="914400" rtl="0" eaLnBrk="1" latinLnBrk="0" hangingPunct="1">
+              <a:lnSpc>
+                <a:spcPct val="90000"/>
+              </a:lnSpc>
+              <a:spcBef>
+                <a:spcPts val="300"/>
+              </a:spcBef>
+              <a:spcAft>
+                <a:spcPts val="300"/>
+              </a:spcAft>
+              <a:buClr>
+                <a:schemeClr val="accent1"/>
+              </a:buClr>
+              <a:buFont typeface="Wingdings 2" pitchFamily="18" charset="2"/>
+              <a:buChar char=""/>
+              <a:defRPr sz="1400" kern="1200">
+                <a:solidFill>
+                  <a:schemeClr val="tx1">
+                    <a:lumMod val="85000"/>
+                    <a:lumOff val="15000"/>
+                  </a:schemeClr>
+                </a:solidFill>
+                <a:latin typeface="+mn-lt"/>
+                <a:ea typeface="+mn-ea"/>
+                <a:cs typeface="+mn-cs"/>
+              </a:defRPr>
+            </a:lvl5pPr>
+            <a:lvl6pPr marL="1600000" indent="-228600" algn="l" defTabSz="914400" rtl="0" eaLnBrk="1" latinLnBrk="0" hangingPunct="1">
+              <a:lnSpc>
+                <a:spcPct val="90000"/>
+              </a:lnSpc>
+              <a:spcBef>
+                <a:spcPts val="300"/>
+              </a:spcBef>
+              <a:spcAft>
+                <a:spcPts val="300"/>
+              </a:spcAft>
+              <a:buClr>
+                <a:schemeClr val="accent1"/>
+              </a:buClr>
+              <a:buFont typeface="Wingdings 2" pitchFamily="18" charset="2"/>
+              <a:buChar char=""/>
+              <a:defRPr sz="1400" kern="1200">
+                <a:solidFill>
+                  <a:schemeClr val="tx1">
+                    <a:lumMod val="85000"/>
+                    <a:lumOff val="15000"/>
+                  </a:schemeClr>
+                </a:solidFill>
+                <a:latin typeface="+mn-lt"/>
+                <a:ea typeface="+mn-ea"/>
+                <a:cs typeface="+mn-cs"/>
+              </a:defRPr>
+            </a:lvl6pPr>
+            <a:lvl7pPr marL="1900000" indent="-228600" algn="l" defTabSz="914400" rtl="0" eaLnBrk="1" latinLnBrk="0" hangingPunct="1">
+              <a:lnSpc>
+                <a:spcPct val="90000"/>
+              </a:lnSpc>
+              <a:spcBef>
+                <a:spcPts val="300"/>
+              </a:spcBef>
+              <a:spcAft>
+                <a:spcPts val="300"/>
+              </a:spcAft>
+              <a:buClr>
+                <a:schemeClr val="accent1"/>
+              </a:buClr>
+              <a:buFont typeface="Wingdings 2" pitchFamily="18" charset="2"/>
+              <a:buChar char=""/>
+              <a:defRPr sz="1400" kern="1200">
+                <a:solidFill>
+                  <a:schemeClr val="tx1">
+                    <a:lumMod val="85000"/>
+                    <a:lumOff val="15000"/>
+                  </a:schemeClr>
+                </a:solidFill>
+                <a:latin typeface="+mn-lt"/>
+                <a:ea typeface="+mn-ea"/>
+                <a:cs typeface="+mn-cs"/>
+              </a:defRPr>
+            </a:lvl7pPr>
+            <a:lvl8pPr marL="2200000" indent="-228600" algn="l" defTabSz="914400" rtl="0" eaLnBrk="1" latinLnBrk="0" hangingPunct="1">
+              <a:lnSpc>
+                <a:spcPct val="90000"/>
+              </a:lnSpc>
+              <a:spcBef>
+                <a:spcPts val="300"/>
+              </a:spcBef>
+              <a:spcAft>
+                <a:spcPts val="300"/>
+              </a:spcAft>
+              <a:buClr>
+                <a:schemeClr val="accent1"/>
+              </a:buClr>
+              <a:buFont typeface="Wingdings 2" pitchFamily="18" charset="2"/>
+              <a:buChar char=""/>
+              <a:defRPr sz="1400" kern="1200">
+                <a:solidFill>
+                  <a:schemeClr val="tx1">
+                    <a:lumMod val="85000"/>
+                    <a:lumOff val="15000"/>
+                  </a:schemeClr>
+                </a:solidFill>
+                <a:latin typeface="+mn-lt"/>
+                <a:ea typeface="+mn-ea"/>
+                <a:cs typeface="+mn-cs"/>
+              </a:defRPr>
+            </a:lvl8pPr>
+            <a:lvl9pPr marL="2500000" indent="-228600" algn="l" defTabSz="914400" rtl="0" eaLnBrk="1" latinLnBrk="0" hangingPunct="1">
+              <a:lnSpc>
+                <a:spcPct val="90000"/>
+              </a:lnSpc>
+              <a:spcBef>
+                <a:spcPts val="300"/>
+              </a:spcBef>
+              <a:spcAft>
+                <a:spcPts val="300"/>
+              </a:spcAft>
+              <a:buClr>
+                <a:schemeClr val="accent1"/>
+              </a:buClr>
+              <a:buFont typeface="Wingdings 2" pitchFamily="18" charset="2"/>
+              <a:buChar char=""/>
+              <a:defRPr sz="1400" kern="1200">
+                <a:solidFill>
+                  <a:schemeClr val="tx1">
+                    <a:lumMod val="85000"/>
+                    <a:lumOff val="15000"/>
+                  </a:schemeClr>
+                </a:solidFill>
+                <a:latin typeface="+mn-lt"/>
+                <a:ea typeface="+mn-ea"/>
+                <a:cs typeface="+mn-cs"/>
+              </a:defRPr>
+            </a:lvl9pPr>
+          </a:lstStyle>
+          <a:p>
+            <a:r>
+              <a:rPr lang="pt-BR" sz="1600" dirty="0"/>
+              <a:t>Criando o banco de dados de fato</a:t>
+            </a:r>
+          </a:p>
+        </p:txBody>
+      </p:sp>
+      <p:pic>
+        <p:nvPicPr>
+          <p:cNvPr id="15" name="Imagem 14">
+            <a:extLst>
+              <a:ext uri="{FF2B5EF4-FFF2-40B4-BE49-F238E27FC236}">
+                <a16:creationId xmlns:a16="http://schemas.microsoft.com/office/drawing/2014/main" id="{402ED3D8-EEE3-27D0-7916-97BF046D04A2}"/>
+              </a:ext>
+            </a:extLst>
+          </p:cNvPr>
+          <p:cNvPicPr>
+            <a:picLocks noChangeAspect="1"/>
+          </p:cNvPicPr>
+          <p:nvPr/>
+        </p:nvPicPr>
+        <p:blipFill>
+          <a:blip r:embed="rId5"/>
+          <a:stretch>
+            <a:fillRect/>
+          </a:stretch>
+        </p:blipFill>
+        <p:spPr>
+          <a:xfrm>
+            <a:off x="4572759" y="3639933"/>
+            <a:ext cx="2772162" cy="543001"/>
+          </a:xfrm>
+          <a:prstGeom prst="rect">
+            <a:avLst/>
+          </a:prstGeom>
+          <a:ln w="19050">
+            <a:solidFill>
+              <a:srgbClr val="FF0000"/>
+            </a:solidFill>
+          </a:ln>
+        </p:spPr>
+      </p:pic>
+      <p:sp>
+        <p:nvSpPr>
+          <p:cNvPr id="16" name="CaixaDeTexto 15">
+            <a:extLst>
+              <a:ext uri="{FF2B5EF4-FFF2-40B4-BE49-F238E27FC236}">
+                <a16:creationId xmlns:a16="http://schemas.microsoft.com/office/drawing/2014/main" id="{96507651-F8B1-744C-3747-2CBBF3F10614}"/>
+              </a:ext>
+            </a:extLst>
+          </p:cNvPr>
+          <p:cNvSpPr txBox="1"/>
+          <p:nvPr/>
+        </p:nvSpPr>
+        <p:spPr>
+          <a:xfrm>
+            <a:off x="7242048" y="4107234"/>
+            <a:ext cx="2029968" cy="461665"/>
+          </a:xfrm>
+          <a:prstGeom prst="rect">
+            <a:avLst/>
+          </a:prstGeom>
+          <a:noFill/>
+          <a:ln>
+            <a:solidFill>
+              <a:srgbClr val="FF0000"/>
+            </a:solidFill>
+          </a:ln>
+        </p:spPr>
+        <p:txBody>
+          <a:bodyPr wrap="square" rtlCol="0">
+            <a:spAutoFit/>
+          </a:bodyPr>
+          <a:lstStyle/>
+          <a:p>
+            <a:r>
+              <a:rPr lang="pt-BR" sz="1200" dirty="0"/>
+              <a:t>Snapshot: manter o banco sincronizado</a:t>
+            </a:r>
+          </a:p>
+        </p:txBody>
+      </p:sp>
+      <p:sp>
+        <p:nvSpPr>
+          <p:cNvPr id="17" name="CaixaDeTexto 16">
+            <a:extLst>
+              <a:ext uri="{FF2B5EF4-FFF2-40B4-BE49-F238E27FC236}">
+                <a16:creationId xmlns:a16="http://schemas.microsoft.com/office/drawing/2014/main" id="{300D2CE4-F5F5-33FC-0528-50B2A01A6EC5}"/>
+              </a:ext>
+            </a:extLst>
+          </p:cNvPr>
+          <p:cNvSpPr txBox="1"/>
+          <p:nvPr/>
+        </p:nvSpPr>
+        <p:spPr>
+          <a:xfrm>
+            <a:off x="6909816" y="3227252"/>
+            <a:ext cx="2029968" cy="646331"/>
+          </a:xfrm>
+          <a:prstGeom prst="rect">
+            <a:avLst/>
+          </a:prstGeom>
+          <a:noFill/>
+          <a:ln>
+            <a:solidFill>
+              <a:srgbClr val="FF0000"/>
+            </a:solidFill>
+          </a:ln>
+        </p:spPr>
+        <p:txBody>
+          <a:bodyPr wrap="square" rtlCol="0">
+            <a:spAutoFit/>
+          </a:bodyPr>
+          <a:lstStyle/>
+          <a:p>
+            <a:r>
+              <a:rPr lang="pt-BR" sz="1200" dirty="0" err="1"/>
+              <a:t>initialEntities</a:t>
+            </a:r>
+            <a:r>
+              <a:rPr lang="pt-BR" sz="1200" dirty="0"/>
+              <a:t>: </a:t>
+            </a:r>
+            <a:r>
+              <a:rPr lang="pt-BR" sz="1200" dirty="0" err="1"/>
+              <a:t>iniserir</a:t>
+            </a:r>
+            <a:r>
+              <a:rPr lang="pt-BR" sz="1200" dirty="0"/>
+              <a:t> dados iniciais para iniciar a aplicação</a:t>
+            </a:r>
+          </a:p>
+        </p:txBody>
+      </p:sp>
+      <p:pic>
+        <p:nvPicPr>
+          <p:cNvPr id="19" name="Imagem 18">
+            <a:extLst>
+              <a:ext uri="{FF2B5EF4-FFF2-40B4-BE49-F238E27FC236}">
+                <a16:creationId xmlns:a16="http://schemas.microsoft.com/office/drawing/2014/main" id="{917017F7-93C4-6738-938A-390EC9DDEE8B}"/>
+              </a:ext>
+            </a:extLst>
+          </p:cNvPr>
+          <p:cNvPicPr>
+            <a:picLocks noChangeAspect="1"/>
+          </p:cNvPicPr>
+          <p:nvPr/>
+        </p:nvPicPr>
+        <p:blipFill>
+          <a:blip r:embed="rId6"/>
+          <a:stretch>
+            <a:fillRect/>
+          </a:stretch>
+        </p:blipFill>
+        <p:spPr>
+          <a:xfrm>
+            <a:off x="9758796" y="1385946"/>
+            <a:ext cx="1672713" cy="3026664"/>
+          </a:xfrm>
+          <a:prstGeom prst="rect">
+            <a:avLst/>
+          </a:prstGeom>
+        </p:spPr>
+      </p:pic>
+      <p:cxnSp>
+        <p:nvCxnSpPr>
+          <p:cNvPr id="22" name="Conector de Seta Reta 21">
+            <a:extLst>
+              <a:ext uri="{FF2B5EF4-FFF2-40B4-BE49-F238E27FC236}">
+                <a16:creationId xmlns:a16="http://schemas.microsoft.com/office/drawing/2014/main" id="{8A7DB38B-94B3-078B-9564-C84F0ED79836}"/>
+              </a:ext>
+            </a:extLst>
+          </p:cNvPr>
+          <p:cNvCxnSpPr>
+            <a:stCxn id="19" idx="2"/>
+          </p:cNvCxnSpPr>
+          <p:nvPr/>
+        </p:nvCxnSpPr>
+        <p:spPr>
+          <a:xfrm flipH="1">
+            <a:off x="10314432" y="4412610"/>
+            <a:ext cx="280721" cy="1174374"/>
+          </a:xfrm>
+          <a:prstGeom prst="straightConnector1">
+            <a:avLst/>
+          </a:prstGeom>
+          <a:ln>
+            <a:solidFill>
+              <a:srgbClr val="FF0000"/>
+            </a:solidFill>
+            <a:tailEnd type="triangle"/>
+          </a:ln>
+        </p:spPr>
+        <p:style>
+          <a:lnRef idx="1">
+            <a:schemeClr val="accent1"/>
+          </a:lnRef>
+          <a:fillRef idx="0">
+            <a:schemeClr val="accent1"/>
+          </a:fillRef>
+          <a:effectRef idx="0">
+            <a:schemeClr val="accent1"/>
+          </a:effectRef>
+          <a:fontRef idx="minor">
+            <a:schemeClr val="tx1"/>
+          </a:fontRef>
+        </p:style>
+      </p:cxnSp>
+      <p:sp>
+        <p:nvSpPr>
+          <p:cNvPr id="23" name="CaixaDeTexto 22">
+            <a:extLst>
+              <a:ext uri="{FF2B5EF4-FFF2-40B4-BE49-F238E27FC236}">
+                <a16:creationId xmlns:a16="http://schemas.microsoft.com/office/drawing/2014/main" id="{79F72C48-27CB-56EF-6F2D-4E17073139F9}"/>
+              </a:ext>
+            </a:extLst>
+          </p:cNvPr>
+          <p:cNvSpPr txBox="1"/>
+          <p:nvPr/>
+        </p:nvSpPr>
+        <p:spPr>
+          <a:xfrm>
+            <a:off x="9478075" y="5611623"/>
+            <a:ext cx="1672713" cy="369332"/>
+          </a:xfrm>
+          <a:prstGeom prst="rect">
+            <a:avLst/>
+          </a:prstGeom>
+          <a:noFill/>
+          <a:ln>
+            <a:solidFill>
+              <a:srgbClr val="FF0000"/>
+            </a:solidFill>
+          </a:ln>
+        </p:spPr>
+        <p:txBody>
+          <a:bodyPr wrap="square" rtlCol="0">
+            <a:spAutoFit/>
+          </a:bodyPr>
+          <a:lstStyle/>
+          <a:p>
+            <a:pPr algn="ctr"/>
+            <a:r>
+              <a:rPr lang="pt-BR" dirty="0">
+                <a:solidFill>
+                  <a:srgbClr val="FF0000"/>
+                </a:solidFill>
+              </a:rPr>
+              <a:t>Banco criado</a:t>
+            </a:r>
+          </a:p>
+        </p:txBody>
+      </p:sp>
+    </p:spTree>
+    <p:extLst>
+      <p:ext uri="{BB962C8B-B14F-4D97-AF65-F5344CB8AC3E}">
+        <p14:creationId xmlns:p14="http://schemas.microsoft.com/office/powerpoint/2010/main" val="1146671861"/>
+      </p:ext>
+    </p:extLst>
+  </p:cSld>
+  <p:clrMapOvr>
+    <a:masterClrMapping/>
+  </p:clrMapOvr>
+</p:sld>
+</file>
+
 <file path=ppt/slides/slide2.xml><?xml version="1.0" encoding="utf-8"?>
 <p:sld xmlns:a="http://schemas.openxmlformats.org/drawingml/2006/main" xmlns:r="http://schemas.openxmlformats.org/officeDocument/2006/relationships" xmlns:p="http://schemas.openxmlformats.org/presentationml/2006/main">
   <p:cSld>
@@ -5942,6 +9335,1305 @@
 </p:sld>
 </file>
 
+<file path=ppt/slides/slide7.xml><?xml version="1.0" encoding="utf-8"?>
+<p:sld xmlns:a="http://schemas.openxmlformats.org/drawingml/2006/main" xmlns:r="http://schemas.openxmlformats.org/officeDocument/2006/relationships" xmlns:p="http://schemas.openxmlformats.org/presentationml/2006/main">
+  <p:cSld>
+    <p:spTree>
+      <p:nvGrpSpPr>
+        <p:cNvPr id="1" name=""/>
+        <p:cNvGrpSpPr/>
+        <p:nvPr/>
+      </p:nvGrpSpPr>
+      <p:grpSpPr>
+        <a:xfrm>
+          <a:off x="0" y="0"/>
+          <a:ext cx="0" cy="0"/>
+          <a:chOff x="0" y="0"/>
+          <a:chExt cx="0" cy="0"/>
+        </a:xfrm>
+      </p:grpSpPr>
+      <p:sp>
+        <p:nvSpPr>
+          <p:cNvPr id="2" name="Título 1">
+            <a:extLst>
+              <a:ext uri="{FF2B5EF4-FFF2-40B4-BE49-F238E27FC236}">
+                <a16:creationId xmlns:a16="http://schemas.microsoft.com/office/drawing/2014/main" id="{4C0C9F18-D001-7FB2-5BFB-B04B8B975E3C}"/>
+              </a:ext>
+            </a:extLst>
+          </p:cNvPr>
+          <p:cNvSpPr>
+            <a:spLocks noGrp="1"/>
+          </p:cNvSpPr>
+          <p:nvPr>
+            <p:ph type="title"/>
+          </p:nvPr>
+        </p:nvSpPr>
+        <p:spPr/>
+        <p:txBody>
+          <a:bodyPr/>
+          <a:lstStyle/>
+          <a:p>
+            <a:r>
+              <a:rPr lang="pt-BR" dirty="0"/>
+              <a:t>Pacotes</a:t>
+            </a:r>
+          </a:p>
+        </p:txBody>
+      </p:sp>
+      <p:pic>
+        <p:nvPicPr>
+          <p:cNvPr id="6" name="Espaço Reservado para Conteúdo 5">
+            <a:extLst>
+              <a:ext uri="{FF2B5EF4-FFF2-40B4-BE49-F238E27FC236}">
+                <a16:creationId xmlns:a16="http://schemas.microsoft.com/office/drawing/2014/main" id="{1248EE75-285C-D1FB-CD8E-1B7346D00045}"/>
+              </a:ext>
+            </a:extLst>
+          </p:cNvPr>
+          <p:cNvPicPr>
+            <a:picLocks noGrp="1" noChangeAspect="1"/>
+          </p:cNvPicPr>
+          <p:nvPr>
+            <p:ph sz="half" idx="1"/>
+          </p:nvPr>
+        </p:nvPicPr>
+        <p:blipFill>
+          <a:blip r:embed="rId2"/>
+          <a:stretch>
+            <a:fillRect/>
+          </a:stretch>
+        </p:blipFill>
+        <p:spPr>
+          <a:xfrm>
+            <a:off x="642938" y="1691322"/>
+            <a:ext cx="6445320" cy="4869797"/>
+          </a:xfrm>
+          <a:prstGeom prst="rect">
+            <a:avLst/>
+          </a:prstGeom>
+        </p:spPr>
+      </p:pic>
+      <p:sp>
+        <p:nvSpPr>
+          <p:cNvPr id="4" name="Espaço Reservado para Conteúdo 3">
+            <a:extLst>
+              <a:ext uri="{FF2B5EF4-FFF2-40B4-BE49-F238E27FC236}">
+                <a16:creationId xmlns:a16="http://schemas.microsoft.com/office/drawing/2014/main" id="{0438960A-C029-930A-9B9E-8D9410136DEB}"/>
+              </a:ext>
+            </a:extLst>
+          </p:cNvPr>
+          <p:cNvSpPr>
+            <a:spLocks noGrp="1"/>
+          </p:cNvSpPr>
+          <p:nvPr>
+            <p:ph sz="half" idx="2"/>
+          </p:nvPr>
+        </p:nvSpPr>
+        <p:spPr>
+          <a:xfrm>
+            <a:off x="7088258" y="1691322"/>
+            <a:ext cx="3518782" cy="4869797"/>
+          </a:xfrm>
+        </p:spPr>
+        <p:txBody>
+          <a:bodyPr/>
+          <a:lstStyle/>
+          <a:p>
+            <a:r>
+              <a:rPr lang="pt-BR" dirty="0"/>
+              <a:t>Caminho para pesquisa e instalação de pacotes</a:t>
+            </a:r>
+          </a:p>
+        </p:txBody>
+      </p:sp>
+    </p:spTree>
+    <p:extLst>
+      <p:ext uri="{BB962C8B-B14F-4D97-AF65-F5344CB8AC3E}">
+        <p14:creationId xmlns:p14="http://schemas.microsoft.com/office/powerpoint/2010/main" val="3140101755"/>
+      </p:ext>
+    </p:extLst>
+  </p:cSld>
+  <p:clrMapOvr>
+    <a:masterClrMapping/>
+  </p:clrMapOvr>
+</p:sld>
+</file>
+
+<file path=ppt/slides/slide8.xml><?xml version="1.0" encoding="utf-8"?>
+<p:sld xmlns:a="http://schemas.openxmlformats.org/drawingml/2006/main" xmlns:r="http://schemas.openxmlformats.org/officeDocument/2006/relationships" xmlns:p="http://schemas.openxmlformats.org/presentationml/2006/main">
+  <p:cSld>
+    <p:spTree>
+      <p:nvGrpSpPr>
+        <p:cNvPr id="1" name="">
+          <a:extLst>
+            <a:ext uri="{FF2B5EF4-FFF2-40B4-BE49-F238E27FC236}">
+              <a16:creationId xmlns:a16="http://schemas.microsoft.com/office/drawing/2014/main" id="{976A070E-3D12-7688-6AD5-34186DAA9EA5}"/>
+            </a:ext>
+          </a:extLst>
+        </p:cNvPr>
+        <p:cNvGrpSpPr/>
+        <p:nvPr/>
+      </p:nvGrpSpPr>
+      <p:grpSpPr>
+        <a:xfrm>
+          <a:off x="0" y="0"/>
+          <a:ext cx="0" cy="0"/>
+          <a:chOff x="0" y="0"/>
+          <a:chExt cx="0" cy="0"/>
+        </a:xfrm>
+      </p:grpSpPr>
+      <p:sp>
+        <p:nvSpPr>
+          <p:cNvPr id="2" name="Título 1">
+            <a:extLst>
+              <a:ext uri="{FF2B5EF4-FFF2-40B4-BE49-F238E27FC236}">
+                <a16:creationId xmlns:a16="http://schemas.microsoft.com/office/drawing/2014/main" id="{5937AA7A-B92C-CDAC-4D4A-828C63731EFB}"/>
+              </a:ext>
+            </a:extLst>
+          </p:cNvPr>
+          <p:cNvSpPr>
+            <a:spLocks noGrp="1"/>
+          </p:cNvSpPr>
+          <p:nvPr>
+            <p:ph type="title"/>
+          </p:nvPr>
+        </p:nvSpPr>
+        <p:spPr/>
+        <p:txBody>
+          <a:bodyPr/>
+          <a:lstStyle/>
+          <a:p>
+            <a:r>
+              <a:rPr lang="pt-BR" dirty="0"/>
+              <a:t>Instalando pacotes</a:t>
+            </a:r>
+          </a:p>
+        </p:txBody>
+      </p:sp>
+      <p:pic>
+        <p:nvPicPr>
+          <p:cNvPr id="8" name="Espaço Reservado para Conteúdo 7">
+            <a:extLst>
+              <a:ext uri="{FF2B5EF4-FFF2-40B4-BE49-F238E27FC236}">
+                <a16:creationId xmlns:a16="http://schemas.microsoft.com/office/drawing/2014/main" id="{8E1FE82A-41C4-FA30-BD67-B8D92D3210AB}"/>
+              </a:ext>
+            </a:extLst>
+          </p:cNvPr>
+          <p:cNvPicPr>
+            <a:picLocks noGrp="1" noChangeAspect="1"/>
+          </p:cNvPicPr>
+          <p:nvPr>
+            <p:ph sz="half" idx="1"/>
+          </p:nvPr>
+        </p:nvPicPr>
+        <p:blipFill>
+          <a:blip r:embed="rId2"/>
+          <a:stretch>
+            <a:fillRect/>
+          </a:stretch>
+        </p:blipFill>
+        <p:spPr>
+          <a:xfrm>
+            <a:off x="490347" y="1588088"/>
+            <a:ext cx="10560417" cy="3210701"/>
+          </a:xfrm>
+          <a:prstGeom prst="rect">
+            <a:avLst/>
+          </a:prstGeom>
+        </p:spPr>
+      </p:pic>
+      <p:cxnSp>
+        <p:nvCxnSpPr>
+          <p:cNvPr id="10" name="Conector de Seta Reta 9">
+            <a:extLst>
+              <a:ext uri="{FF2B5EF4-FFF2-40B4-BE49-F238E27FC236}">
+                <a16:creationId xmlns:a16="http://schemas.microsoft.com/office/drawing/2014/main" id="{DECEDC3D-A41E-E1D6-3B9B-C8B79898E154}"/>
+              </a:ext>
+            </a:extLst>
+          </p:cNvPr>
+          <p:cNvCxnSpPr>
+            <a:cxnSpLocks/>
+          </p:cNvCxnSpPr>
+          <p:nvPr/>
+        </p:nvCxnSpPr>
+        <p:spPr>
+          <a:xfrm flipH="1" flipV="1">
+            <a:off x="2743200" y="2419350"/>
+            <a:ext cx="896112" cy="259842"/>
+          </a:xfrm>
+          <a:prstGeom prst="straightConnector1">
+            <a:avLst/>
+          </a:prstGeom>
+          <a:ln w="19050">
+            <a:solidFill>
+              <a:srgbClr val="FF0000"/>
+            </a:solidFill>
+            <a:tailEnd type="triangle"/>
+          </a:ln>
+        </p:spPr>
+        <p:style>
+          <a:lnRef idx="1">
+            <a:schemeClr val="accent1"/>
+          </a:lnRef>
+          <a:fillRef idx="0">
+            <a:schemeClr val="accent1"/>
+          </a:fillRef>
+          <a:effectRef idx="0">
+            <a:schemeClr val="accent1"/>
+          </a:effectRef>
+          <a:fontRef idx="minor">
+            <a:schemeClr val="tx1"/>
+          </a:fontRef>
+        </p:style>
+      </p:cxnSp>
+      <p:cxnSp>
+        <p:nvCxnSpPr>
+          <p:cNvPr id="11" name="Conector de Seta Reta 10">
+            <a:extLst>
+              <a:ext uri="{FF2B5EF4-FFF2-40B4-BE49-F238E27FC236}">
+                <a16:creationId xmlns:a16="http://schemas.microsoft.com/office/drawing/2014/main" id="{430DE950-3566-81D0-5F08-3A23115B1994}"/>
+              </a:ext>
+            </a:extLst>
+          </p:cNvPr>
+          <p:cNvCxnSpPr>
+            <a:cxnSpLocks/>
+          </p:cNvCxnSpPr>
+          <p:nvPr/>
+        </p:nvCxnSpPr>
+        <p:spPr>
+          <a:xfrm>
+            <a:off x="6574536" y="3016884"/>
+            <a:ext cx="1024128" cy="226043"/>
+          </a:xfrm>
+          <a:prstGeom prst="straightConnector1">
+            <a:avLst/>
+          </a:prstGeom>
+          <a:ln w="19050">
+            <a:solidFill>
+              <a:srgbClr val="FF0000"/>
+            </a:solidFill>
+            <a:tailEnd type="triangle"/>
+          </a:ln>
+        </p:spPr>
+        <p:style>
+          <a:lnRef idx="1">
+            <a:schemeClr val="accent1"/>
+          </a:lnRef>
+          <a:fillRef idx="0">
+            <a:schemeClr val="accent1"/>
+          </a:fillRef>
+          <a:effectRef idx="0">
+            <a:schemeClr val="accent1"/>
+          </a:effectRef>
+          <a:fontRef idx="minor">
+            <a:schemeClr val="tx1"/>
+          </a:fontRef>
+        </p:style>
+      </p:cxnSp>
+      <p:cxnSp>
+        <p:nvCxnSpPr>
+          <p:cNvPr id="13" name="Conector de Seta Reta 12">
+            <a:extLst>
+              <a:ext uri="{FF2B5EF4-FFF2-40B4-BE49-F238E27FC236}">
+                <a16:creationId xmlns:a16="http://schemas.microsoft.com/office/drawing/2014/main" id="{BE2808B1-925E-D213-C046-4C7304AD76F4}"/>
+              </a:ext>
+            </a:extLst>
+          </p:cNvPr>
+          <p:cNvCxnSpPr>
+            <a:cxnSpLocks/>
+          </p:cNvCxnSpPr>
+          <p:nvPr/>
+        </p:nvCxnSpPr>
+        <p:spPr>
+          <a:xfrm>
+            <a:off x="10094976" y="3615074"/>
+            <a:ext cx="282702" cy="919443"/>
+          </a:xfrm>
+          <a:prstGeom prst="straightConnector1">
+            <a:avLst/>
+          </a:prstGeom>
+          <a:ln w="19050">
+            <a:solidFill>
+              <a:srgbClr val="FF0000"/>
+            </a:solidFill>
+            <a:tailEnd type="triangle"/>
+          </a:ln>
+        </p:spPr>
+        <p:style>
+          <a:lnRef idx="1">
+            <a:schemeClr val="accent1"/>
+          </a:lnRef>
+          <a:fillRef idx="0">
+            <a:schemeClr val="accent1"/>
+          </a:fillRef>
+          <a:effectRef idx="0">
+            <a:schemeClr val="accent1"/>
+          </a:effectRef>
+          <a:fontRef idx="minor">
+            <a:schemeClr val="tx1"/>
+          </a:fontRef>
+        </p:style>
+      </p:cxnSp>
+      <p:cxnSp>
+        <p:nvCxnSpPr>
+          <p:cNvPr id="15" name="Conector de Seta Reta 14">
+            <a:extLst>
+              <a:ext uri="{FF2B5EF4-FFF2-40B4-BE49-F238E27FC236}">
+                <a16:creationId xmlns:a16="http://schemas.microsoft.com/office/drawing/2014/main" id="{DA626559-C22F-1E35-0E61-7CA45323A1ED}"/>
+              </a:ext>
+            </a:extLst>
+          </p:cNvPr>
+          <p:cNvCxnSpPr>
+            <a:cxnSpLocks/>
+          </p:cNvCxnSpPr>
+          <p:nvPr/>
+        </p:nvCxnSpPr>
+        <p:spPr>
+          <a:xfrm>
+            <a:off x="6912864" y="4074795"/>
+            <a:ext cx="1132709" cy="535424"/>
+          </a:xfrm>
+          <a:prstGeom prst="straightConnector1">
+            <a:avLst/>
+          </a:prstGeom>
+          <a:ln w="19050">
+            <a:solidFill>
+              <a:srgbClr val="FF0000"/>
+            </a:solidFill>
+            <a:tailEnd type="triangle"/>
+          </a:ln>
+        </p:spPr>
+        <p:style>
+          <a:lnRef idx="1">
+            <a:schemeClr val="accent1"/>
+          </a:lnRef>
+          <a:fillRef idx="0">
+            <a:schemeClr val="accent1"/>
+          </a:fillRef>
+          <a:effectRef idx="0">
+            <a:schemeClr val="accent1"/>
+          </a:effectRef>
+          <a:fontRef idx="minor">
+            <a:schemeClr val="tx1"/>
+          </a:fontRef>
+        </p:style>
+      </p:cxnSp>
+      <p:cxnSp>
+        <p:nvCxnSpPr>
+          <p:cNvPr id="17" name="Conector de Seta Reta 16">
+            <a:extLst>
+              <a:ext uri="{FF2B5EF4-FFF2-40B4-BE49-F238E27FC236}">
+                <a16:creationId xmlns:a16="http://schemas.microsoft.com/office/drawing/2014/main" id="{C5CB7740-5CC6-7D5D-8B62-D9CF2C13C94D}"/>
+              </a:ext>
+            </a:extLst>
+          </p:cNvPr>
+          <p:cNvCxnSpPr>
+            <a:cxnSpLocks/>
+          </p:cNvCxnSpPr>
+          <p:nvPr/>
+        </p:nvCxnSpPr>
+        <p:spPr>
+          <a:xfrm flipH="1" flipV="1">
+            <a:off x="2895600" y="2907338"/>
+            <a:ext cx="1036320" cy="295275"/>
+          </a:xfrm>
+          <a:prstGeom prst="straightConnector1">
+            <a:avLst/>
+          </a:prstGeom>
+          <a:ln w="19050">
+            <a:solidFill>
+              <a:srgbClr val="FF0000"/>
+            </a:solidFill>
+            <a:tailEnd type="triangle"/>
+          </a:ln>
+        </p:spPr>
+        <p:style>
+          <a:lnRef idx="1">
+            <a:schemeClr val="accent1"/>
+          </a:lnRef>
+          <a:fillRef idx="0">
+            <a:schemeClr val="accent1"/>
+          </a:fillRef>
+          <a:effectRef idx="0">
+            <a:schemeClr val="accent1"/>
+          </a:effectRef>
+          <a:fontRef idx="minor">
+            <a:schemeClr val="tx1"/>
+          </a:fontRef>
+        </p:style>
+      </p:cxnSp>
+      <p:cxnSp>
+        <p:nvCxnSpPr>
+          <p:cNvPr id="20" name="Conector de Seta Reta 19">
+            <a:extLst>
+              <a:ext uri="{FF2B5EF4-FFF2-40B4-BE49-F238E27FC236}">
+                <a16:creationId xmlns:a16="http://schemas.microsoft.com/office/drawing/2014/main" id="{E86B2DA0-FA11-14B6-FCB7-1F1B369D67C0}"/>
+              </a:ext>
+            </a:extLst>
+          </p:cNvPr>
+          <p:cNvCxnSpPr>
+            <a:cxnSpLocks/>
+          </p:cNvCxnSpPr>
+          <p:nvPr/>
+        </p:nvCxnSpPr>
+        <p:spPr>
+          <a:xfrm flipH="1" flipV="1">
+            <a:off x="1011936" y="2131107"/>
+            <a:ext cx="896112" cy="259842"/>
+          </a:xfrm>
+          <a:prstGeom prst="straightConnector1">
+            <a:avLst/>
+          </a:prstGeom>
+          <a:ln w="19050">
+            <a:solidFill>
+              <a:srgbClr val="FF0000"/>
+            </a:solidFill>
+            <a:tailEnd type="triangle"/>
+          </a:ln>
+        </p:spPr>
+        <p:style>
+          <a:lnRef idx="1">
+            <a:schemeClr val="accent1"/>
+          </a:lnRef>
+          <a:fillRef idx="0">
+            <a:schemeClr val="accent1"/>
+          </a:fillRef>
+          <a:effectRef idx="0">
+            <a:schemeClr val="accent1"/>
+          </a:effectRef>
+          <a:fontRef idx="minor">
+            <a:schemeClr val="tx1"/>
+          </a:fontRef>
+        </p:style>
+      </p:cxnSp>
+      <p:sp>
+        <p:nvSpPr>
+          <p:cNvPr id="4" name="Espaço Reservado para Conteúdo 3">
+            <a:extLst>
+              <a:ext uri="{FF2B5EF4-FFF2-40B4-BE49-F238E27FC236}">
+                <a16:creationId xmlns:a16="http://schemas.microsoft.com/office/drawing/2014/main" id="{1F6FA5F8-B1B7-41CD-1C6E-9C5E6FBE2FAA}"/>
+              </a:ext>
+            </a:extLst>
+          </p:cNvPr>
+          <p:cNvSpPr>
+            <a:spLocks noGrp="1"/>
+          </p:cNvSpPr>
+          <p:nvPr>
+            <p:ph sz="half" idx="2"/>
+          </p:nvPr>
+        </p:nvSpPr>
+        <p:spPr>
+          <a:xfrm>
+            <a:off x="490347" y="4798789"/>
+            <a:ext cx="6660261" cy="1762330"/>
+          </a:xfrm>
+        </p:spPr>
+        <p:txBody>
+          <a:bodyPr>
+            <a:normAutofit fontScale="77500" lnSpcReduction="20000"/>
+          </a:bodyPr>
+          <a:lstStyle/>
+          <a:p>
+            <a:r>
+              <a:rPr lang="pt-BR" dirty="0" err="1"/>
+              <a:t>Microsoft.aspnetcore.authentication.cookies</a:t>
+            </a:r>
+            <a:endParaRPr lang="pt-BR" dirty="0"/>
+          </a:p>
+          <a:p>
+            <a:r>
+              <a:rPr lang="pt-BR" dirty="0" err="1"/>
+              <a:t>Microsoft.EntityFrameworkCore</a:t>
+            </a:r>
+            <a:endParaRPr lang="pt-BR" dirty="0"/>
+          </a:p>
+          <a:p>
+            <a:r>
+              <a:rPr lang="pt-BR" dirty="0" err="1"/>
+              <a:t>Microsoft.EntityFrameworkCore.Design</a:t>
+            </a:r>
+            <a:endParaRPr lang="pt-BR" dirty="0"/>
+          </a:p>
+          <a:p>
+            <a:r>
+              <a:rPr lang="pt-BR" dirty="0" err="1"/>
+              <a:t>Microsoft.EntityFrameworkCore.SQLServer</a:t>
+            </a:r>
+            <a:endParaRPr lang="pt-BR" dirty="0"/>
+          </a:p>
+          <a:p>
+            <a:r>
+              <a:rPr lang="pt-BR" dirty="0" err="1"/>
+              <a:t>Microsoft.EntityFrameworkCore.Tools</a:t>
+            </a:r>
+            <a:endParaRPr lang="pt-BR" dirty="0"/>
+          </a:p>
+          <a:p>
+            <a:endParaRPr lang="pt-BR" dirty="0"/>
+          </a:p>
+        </p:txBody>
+      </p:sp>
+      <p:sp>
+        <p:nvSpPr>
+          <p:cNvPr id="22" name="Espaço Reservado para Conteúdo 3">
+            <a:extLst>
+              <a:ext uri="{FF2B5EF4-FFF2-40B4-BE49-F238E27FC236}">
+                <a16:creationId xmlns:a16="http://schemas.microsoft.com/office/drawing/2014/main" id="{8BB39229-148C-A9B3-4E07-F7BAE7623212}"/>
+              </a:ext>
+            </a:extLst>
+          </p:cNvPr>
+          <p:cNvSpPr txBox="1">
+            <a:spLocks/>
+          </p:cNvSpPr>
+          <p:nvPr/>
+        </p:nvSpPr>
+        <p:spPr>
+          <a:xfrm>
+            <a:off x="6536676" y="5088195"/>
+            <a:ext cx="4514088" cy="1370074"/>
+          </a:xfrm>
+          <a:prstGeom prst="rect">
+            <a:avLst/>
+          </a:prstGeom>
+        </p:spPr>
+        <p:txBody>
+          <a:bodyPr vert="horz" lIns="91440" tIns="45720" rIns="91440" bIns="45720" rtlCol="0">
+            <a:normAutofit/>
+          </a:bodyPr>
+          <a:lstStyle>
+            <a:lvl1pPr marL="182880" indent="-182880" algn="l" defTabSz="914400" rtl="0" eaLnBrk="1" latinLnBrk="0" hangingPunct="1">
+              <a:lnSpc>
+                <a:spcPct val="95000"/>
+              </a:lnSpc>
+              <a:spcBef>
+                <a:spcPts val="1400"/>
+              </a:spcBef>
+              <a:spcAft>
+                <a:spcPts val="200"/>
+              </a:spcAft>
+              <a:buClr>
+                <a:schemeClr val="accent1"/>
+              </a:buClr>
+              <a:buSzPct val="80000"/>
+              <a:buFont typeface="Arial" pitchFamily="34" charset="0"/>
+              <a:buChar char="•"/>
+              <a:defRPr sz="1800" kern="1200" spc="10" baseline="0">
+                <a:solidFill>
+                  <a:schemeClr val="tx1"/>
+                </a:solidFill>
+                <a:latin typeface="+mn-lt"/>
+                <a:ea typeface="+mn-ea"/>
+                <a:cs typeface="+mn-cs"/>
+              </a:defRPr>
+            </a:lvl1pPr>
+            <a:lvl2pPr marL="457200" indent="-182880" algn="l" defTabSz="914400" rtl="0" eaLnBrk="1" latinLnBrk="0" hangingPunct="1">
+              <a:lnSpc>
+                <a:spcPct val="90000"/>
+              </a:lnSpc>
+              <a:spcBef>
+                <a:spcPts val="300"/>
+              </a:spcBef>
+              <a:spcAft>
+                <a:spcPts val="300"/>
+              </a:spcAft>
+              <a:buClr>
+                <a:schemeClr val="accent1"/>
+              </a:buClr>
+              <a:buFont typeface="Wingdings 2" pitchFamily="18" charset="2"/>
+              <a:buChar char=""/>
+              <a:defRPr sz="1600" kern="1200">
+                <a:solidFill>
+                  <a:schemeClr val="tx1">
+                    <a:lumMod val="85000"/>
+                    <a:lumOff val="15000"/>
+                  </a:schemeClr>
+                </a:solidFill>
+                <a:latin typeface="+mn-lt"/>
+                <a:ea typeface="+mn-ea"/>
+                <a:cs typeface="+mn-cs"/>
+              </a:defRPr>
+            </a:lvl2pPr>
+            <a:lvl3pPr marL="731520" indent="-182880" algn="l" defTabSz="914400" rtl="0" eaLnBrk="1" latinLnBrk="0" hangingPunct="1">
+              <a:lnSpc>
+                <a:spcPct val="90000"/>
+              </a:lnSpc>
+              <a:spcBef>
+                <a:spcPts val="300"/>
+              </a:spcBef>
+              <a:spcAft>
+                <a:spcPts val="300"/>
+              </a:spcAft>
+              <a:buClr>
+                <a:schemeClr val="accent1"/>
+              </a:buClr>
+              <a:buFont typeface="Wingdings 2" pitchFamily="18" charset="2"/>
+              <a:buChar char=""/>
+              <a:defRPr sz="1400" kern="1200">
+                <a:solidFill>
+                  <a:schemeClr val="tx1">
+                    <a:lumMod val="85000"/>
+                    <a:lumOff val="15000"/>
+                  </a:schemeClr>
+                </a:solidFill>
+                <a:latin typeface="+mn-lt"/>
+                <a:ea typeface="+mn-ea"/>
+                <a:cs typeface="+mn-cs"/>
+              </a:defRPr>
+            </a:lvl3pPr>
+            <a:lvl4pPr marL="1005840" indent="-182880" algn="l" defTabSz="914400" rtl="0" eaLnBrk="1" latinLnBrk="0" hangingPunct="1">
+              <a:lnSpc>
+                <a:spcPct val="90000"/>
+              </a:lnSpc>
+              <a:spcBef>
+                <a:spcPts val="300"/>
+              </a:spcBef>
+              <a:spcAft>
+                <a:spcPts val="300"/>
+              </a:spcAft>
+              <a:buClr>
+                <a:schemeClr val="accent1"/>
+              </a:buClr>
+              <a:buFont typeface="Wingdings 2" pitchFamily="18" charset="2"/>
+              <a:buChar char=""/>
+              <a:defRPr sz="1400" kern="1200">
+                <a:solidFill>
+                  <a:schemeClr val="tx1">
+                    <a:lumMod val="85000"/>
+                    <a:lumOff val="15000"/>
+                  </a:schemeClr>
+                </a:solidFill>
+                <a:latin typeface="+mn-lt"/>
+                <a:ea typeface="+mn-ea"/>
+                <a:cs typeface="+mn-cs"/>
+              </a:defRPr>
+            </a:lvl4pPr>
+            <a:lvl5pPr marL="1280160" indent="-182880" algn="l" defTabSz="914400" rtl="0" eaLnBrk="1" latinLnBrk="0" hangingPunct="1">
+              <a:lnSpc>
+                <a:spcPct val="90000"/>
+              </a:lnSpc>
+              <a:spcBef>
+                <a:spcPts val="300"/>
+              </a:spcBef>
+              <a:spcAft>
+                <a:spcPts val="300"/>
+              </a:spcAft>
+              <a:buClr>
+                <a:schemeClr val="accent1"/>
+              </a:buClr>
+              <a:buFont typeface="Wingdings 2" pitchFamily="18" charset="2"/>
+              <a:buChar char=""/>
+              <a:defRPr sz="1400" kern="1200">
+                <a:solidFill>
+                  <a:schemeClr val="tx1">
+                    <a:lumMod val="85000"/>
+                    <a:lumOff val="15000"/>
+                  </a:schemeClr>
+                </a:solidFill>
+                <a:latin typeface="+mn-lt"/>
+                <a:ea typeface="+mn-ea"/>
+                <a:cs typeface="+mn-cs"/>
+              </a:defRPr>
+            </a:lvl5pPr>
+            <a:lvl6pPr marL="1600000" indent="-228600" algn="l" defTabSz="914400" rtl="0" eaLnBrk="1" latinLnBrk="0" hangingPunct="1">
+              <a:lnSpc>
+                <a:spcPct val="90000"/>
+              </a:lnSpc>
+              <a:spcBef>
+                <a:spcPts val="300"/>
+              </a:spcBef>
+              <a:spcAft>
+                <a:spcPts val="300"/>
+              </a:spcAft>
+              <a:buClr>
+                <a:schemeClr val="accent1"/>
+              </a:buClr>
+              <a:buFont typeface="Wingdings 2" pitchFamily="18" charset="2"/>
+              <a:buChar char=""/>
+              <a:defRPr sz="1400" kern="1200">
+                <a:solidFill>
+                  <a:schemeClr val="tx1">
+                    <a:lumMod val="85000"/>
+                    <a:lumOff val="15000"/>
+                  </a:schemeClr>
+                </a:solidFill>
+                <a:latin typeface="+mn-lt"/>
+                <a:ea typeface="+mn-ea"/>
+                <a:cs typeface="+mn-cs"/>
+              </a:defRPr>
+            </a:lvl6pPr>
+            <a:lvl7pPr marL="1900000" indent="-228600" algn="l" defTabSz="914400" rtl="0" eaLnBrk="1" latinLnBrk="0" hangingPunct="1">
+              <a:lnSpc>
+                <a:spcPct val="90000"/>
+              </a:lnSpc>
+              <a:spcBef>
+                <a:spcPts val="300"/>
+              </a:spcBef>
+              <a:spcAft>
+                <a:spcPts val="300"/>
+              </a:spcAft>
+              <a:buClr>
+                <a:schemeClr val="accent1"/>
+              </a:buClr>
+              <a:buFont typeface="Wingdings 2" pitchFamily="18" charset="2"/>
+              <a:buChar char=""/>
+              <a:defRPr sz="1400" kern="1200">
+                <a:solidFill>
+                  <a:schemeClr val="tx1">
+                    <a:lumMod val="85000"/>
+                    <a:lumOff val="15000"/>
+                  </a:schemeClr>
+                </a:solidFill>
+                <a:latin typeface="+mn-lt"/>
+                <a:ea typeface="+mn-ea"/>
+                <a:cs typeface="+mn-cs"/>
+              </a:defRPr>
+            </a:lvl7pPr>
+            <a:lvl8pPr marL="2200000" indent="-228600" algn="l" defTabSz="914400" rtl="0" eaLnBrk="1" latinLnBrk="0" hangingPunct="1">
+              <a:lnSpc>
+                <a:spcPct val="90000"/>
+              </a:lnSpc>
+              <a:spcBef>
+                <a:spcPts val="300"/>
+              </a:spcBef>
+              <a:spcAft>
+                <a:spcPts val="300"/>
+              </a:spcAft>
+              <a:buClr>
+                <a:schemeClr val="accent1"/>
+              </a:buClr>
+              <a:buFont typeface="Wingdings 2" pitchFamily="18" charset="2"/>
+              <a:buChar char=""/>
+              <a:defRPr sz="1400" kern="1200">
+                <a:solidFill>
+                  <a:schemeClr val="tx1">
+                    <a:lumMod val="85000"/>
+                    <a:lumOff val="15000"/>
+                  </a:schemeClr>
+                </a:solidFill>
+                <a:latin typeface="+mn-lt"/>
+                <a:ea typeface="+mn-ea"/>
+                <a:cs typeface="+mn-cs"/>
+              </a:defRPr>
+            </a:lvl8pPr>
+            <a:lvl9pPr marL="2500000" indent="-228600" algn="l" defTabSz="914400" rtl="0" eaLnBrk="1" latinLnBrk="0" hangingPunct="1">
+              <a:lnSpc>
+                <a:spcPct val="90000"/>
+              </a:lnSpc>
+              <a:spcBef>
+                <a:spcPts val="300"/>
+              </a:spcBef>
+              <a:spcAft>
+                <a:spcPts val="300"/>
+              </a:spcAft>
+              <a:buClr>
+                <a:schemeClr val="accent1"/>
+              </a:buClr>
+              <a:buFont typeface="Wingdings 2" pitchFamily="18" charset="2"/>
+              <a:buChar char=""/>
+              <a:defRPr sz="1400" kern="1200">
+                <a:solidFill>
+                  <a:schemeClr val="tx1">
+                    <a:lumMod val="85000"/>
+                    <a:lumOff val="15000"/>
+                  </a:schemeClr>
+                </a:solidFill>
+                <a:latin typeface="+mn-lt"/>
+                <a:ea typeface="+mn-ea"/>
+                <a:cs typeface="+mn-cs"/>
+              </a:defRPr>
+            </a:lvl9pPr>
+          </a:lstStyle>
+          <a:p>
+            <a:r>
+              <a:rPr lang="pt-BR" sz="2400" dirty="0"/>
+              <a:t>Fica na solução, então se eu levar para outra maquina os pacotes irão juntos</a:t>
+            </a:r>
+            <a:endParaRPr lang="pt-BR" sz="1050" dirty="0"/>
+          </a:p>
+        </p:txBody>
+      </p:sp>
+      <p:pic>
+        <p:nvPicPr>
+          <p:cNvPr id="24" name="Imagem 23">
+            <a:extLst>
+              <a:ext uri="{FF2B5EF4-FFF2-40B4-BE49-F238E27FC236}">
+                <a16:creationId xmlns:a16="http://schemas.microsoft.com/office/drawing/2014/main" id="{4CB5BDF8-9CA2-E177-4598-EBF8ABD72C59}"/>
+              </a:ext>
+            </a:extLst>
+          </p:cNvPr>
+          <p:cNvPicPr>
+            <a:picLocks noChangeAspect="1"/>
+          </p:cNvPicPr>
+          <p:nvPr/>
+        </p:nvPicPr>
+        <p:blipFill>
+          <a:blip r:embed="rId3"/>
+          <a:stretch>
+            <a:fillRect/>
+          </a:stretch>
+        </p:blipFill>
+        <p:spPr>
+          <a:xfrm>
+            <a:off x="8716706" y="1092551"/>
+            <a:ext cx="3105583" cy="3924848"/>
+          </a:xfrm>
+          <a:prstGeom prst="rect">
+            <a:avLst/>
+          </a:prstGeom>
+        </p:spPr>
+      </p:pic>
+    </p:spTree>
+    <p:extLst>
+      <p:ext uri="{BB962C8B-B14F-4D97-AF65-F5344CB8AC3E}">
+        <p14:creationId xmlns:p14="http://schemas.microsoft.com/office/powerpoint/2010/main" val="1894317324"/>
+      </p:ext>
+    </p:extLst>
+  </p:cSld>
+  <p:clrMapOvr>
+    <a:masterClrMapping/>
+  </p:clrMapOvr>
+</p:sld>
+</file>
+
+<file path=ppt/slides/slide9.xml><?xml version="1.0" encoding="utf-8"?>
+<p:sld xmlns:a="http://schemas.openxmlformats.org/drawingml/2006/main" xmlns:r="http://schemas.openxmlformats.org/officeDocument/2006/relationships" xmlns:p="http://schemas.openxmlformats.org/presentationml/2006/main">
+  <p:cSld>
+    <p:spTree>
+      <p:nvGrpSpPr>
+        <p:cNvPr id="1" name="">
+          <a:extLst>
+            <a:ext uri="{FF2B5EF4-FFF2-40B4-BE49-F238E27FC236}">
+              <a16:creationId xmlns:a16="http://schemas.microsoft.com/office/drawing/2014/main" id="{B078392F-A353-E0AE-1C8C-50378D020C61}"/>
+            </a:ext>
+          </a:extLst>
+        </p:cNvPr>
+        <p:cNvGrpSpPr/>
+        <p:nvPr/>
+      </p:nvGrpSpPr>
+      <p:grpSpPr>
+        <a:xfrm>
+          <a:off x="0" y="0"/>
+          <a:ext cx="0" cy="0"/>
+          <a:chOff x="0" y="0"/>
+          <a:chExt cx="0" cy="0"/>
+        </a:xfrm>
+      </p:grpSpPr>
+      <p:sp>
+        <p:nvSpPr>
+          <p:cNvPr id="2" name="Título 1">
+            <a:extLst>
+              <a:ext uri="{FF2B5EF4-FFF2-40B4-BE49-F238E27FC236}">
+                <a16:creationId xmlns:a16="http://schemas.microsoft.com/office/drawing/2014/main" id="{256AE568-CE81-78E2-B5B8-834559A42730}"/>
+              </a:ext>
+            </a:extLst>
+          </p:cNvPr>
+          <p:cNvSpPr>
+            <a:spLocks noGrp="1"/>
+          </p:cNvSpPr>
+          <p:nvPr>
+            <p:ph type="title"/>
+          </p:nvPr>
+        </p:nvSpPr>
+        <p:spPr/>
+        <p:txBody>
+          <a:bodyPr/>
+          <a:lstStyle/>
+          <a:p>
+            <a:r>
+              <a:rPr lang="pt-BR" dirty="0"/>
+              <a:t>Instalando pacotes</a:t>
+            </a:r>
+          </a:p>
+        </p:txBody>
+      </p:sp>
+      <p:sp>
+        <p:nvSpPr>
+          <p:cNvPr id="4" name="Espaço Reservado para Conteúdo 3">
+            <a:extLst>
+              <a:ext uri="{FF2B5EF4-FFF2-40B4-BE49-F238E27FC236}">
+                <a16:creationId xmlns:a16="http://schemas.microsoft.com/office/drawing/2014/main" id="{4437B216-4054-3037-FFE7-8690253AE2C0}"/>
+              </a:ext>
+            </a:extLst>
+          </p:cNvPr>
+          <p:cNvSpPr>
+            <a:spLocks noGrp="1"/>
+          </p:cNvSpPr>
+          <p:nvPr>
+            <p:ph sz="half" idx="2"/>
+          </p:nvPr>
+        </p:nvSpPr>
+        <p:spPr>
+          <a:xfrm>
+            <a:off x="4780597" y="3756116"/>
+            <a:ext cx="4227957" cy="1762330"/>
+          </a:xfrm>
+        </p:spPr>
+        <p:txBody>
+          <a:bodyPr>
+            <a:normAutofit fontScale="77500" lnSpcReduction="20000"/>
+          </a:bodyPr>
+          <a:lstStyle/>
+          <a:p>
+            <a:r>
+              <a:rPr lang="pt-BR" dirty="0" err="1"/>
+              <a:t>Microsoft.aspnetcore.authentication.cookies</a:t>
+            </a:r>
+            <a:endParaRPr lang="pt-BR" dirty="0"/>
+          </a:p>
+          <a:p>
+            <a:r>
+              <a:rPr lang="pt-BR" dirty="0" err="1"/>
+              <a:t>Microsoft.EntityFrameworkCore</a:t>
+            </a:r>
+            <a:endParaRPr lang="pt-BR" dirty="0"/>
+          </a:p>
+          <a:p>
+            <a:r>
+              <a:rPr lang="pt-BR" dirty="0" err="1"/>
+              <a:t>Microsoft.EntityFrameworkCore.Design</a:t>
+            </a:r>
+            <a:endParaRPr lang="pt-BR" dirty="0"/>
+          </a:p>
+          <a:p>
+            <a:r>
+              <a:rPr lang="pt-BR" dirty="0" err="1"/>
+              <a:t>Microsoft.EntityFrameworkCore.SQLServer</a:t>
+            </a:r>
+            <a:endParaRPr lang="pt-BR" dirty="0"/>
+          </a:p>
+          <a:p>
+            <a:r>
+              <a:rPr lang="pt-BR" dirty="0" err="1"/>
+              <a:t>Microsoft.EntityFrameworkCore.Tools</a:t>
+            </a:r>
+            <a:endParaRPr lang="pt-BR" dirty="0"/>
+          </a:p>
+          <a:p>
+            <a:endParaRPr lang="pt-BR" dirty="0"/>
+          </a:p>
+        </p:txBody>
+      </p:sp>
+      <p:sp>
+        <p:nvSpPr>
+          <p:cNvPr id="22" name="Espaço Reservado para Conteúdo 3">
+            <a:extLst>
+              <a:ext uri="{FF2B5EF4-FFF2-40B4-BE49-F238E27FC236}">
+                <a16:creationId xmlns:a16="http://schemas.microsoft.com/office/drawing/2014/main" id="{5C401C82-56C7-55D3-AFFB-B295BB944F9A}"/>
+              </a:ext>
+            </a:extLst>
+          </p:cNvPr>
+          <p:cNvSpPr txBox="1">
+            <a:spLocks/>
+          </p:cNvSpPr>
+          <p:nvPr/>
+        </p:nvSpPr>
+        <p:spPr>
+          <a:xfrm>
+            <a:off x="4780597" y="2386042"/>
+            <a:ext cx="4514088" cy="1370074"/>
+          </a:xfrm>
+          <a:prstGeom prst="rect">
+            <a:avLst/>
+          </a:prstGeom>
+        </p:spPr>
+        <p:txBody>
+          <a:bodyPr vert="horz" lIns="91440" tIns="45720" rIns="91440" bIns="45720" rtlCol="0">
+            <a:normAutofit/>
+          </a:bodyPr>
+          <a:lstStyle>
+            <a:lvl1pPr marL="182880" indent="-182880" algn="l" defTabSz="914400" rtl="0" eaLnBrk="1" latinLnBrk="0" hangingPunct="1">
+              <a:lnSpc>
+                <a:spcPct val="95000"/>
+              </a:lnSpc>
+              <a:spcBef>
+                <a:spcPts val="1400"/>
+              </a:spcBef>
+              <a:spcAft>
+                <a:spcPts val="200"/>
+              </a:spcAft>
+              <a:buClr>
+                <a:schemeClr val="accent1"/>
+              </a:buClr>
+              <a:buSzPct val="80000"/>
+              <a:buFont typeface="Arial" pitchFamily="34" charset="0"/>
+              <a:buChar char="•"/>
+              <a:defRPr sz="1800" kern="1200" spc="10" baseline="0">
+                <a:solidFill>
+                  <a:schemeClr val="tx1"/>
+                </a:solidFill>
+                <a:latin typeface="+mn-lt"/>
+                <a:ea typeface="+mn-ea"/>
+                <a:cs typeface="+mn-cs"/>
+              </a:defRPr>
+            </a:lvl1pPr>
+            <a:lvl2pPr marL="457200" indent="-182880" algn="l" defTabSz="914400" rtl="0" eaLnBrk="1" latinLnBrk="0" hangingPunct="1">
+              <a:lnSpc>
+                <a:spcPct val="90000"/>
+              </a:lnSpc>
+              <a:spcBef>
+                <a:spcPts val="300"/>
+              </a:spcBef>
+              <a:spcAft>
+                <a:spcPts val="300"/>
+              </a:spcAft>
+              <a:buClr>
+                <a:schemeClr val="accent1"/>
+              </a:buClr>
+              <a:buFont typeface="Wingdings 2" pitchFamily="18" charset="2"/>
+              <a:buChar char=""/>
+              <a:defRPr sz="1600" kern="1200">
+                <a:solidFill>
+                  <a:schemeClr val="tx1">
+                    <a:lumMod val="85000"/>
+                    <a:lumOff val="15000"/>
+                  </a:schemeClr>
+                </a:solidFill>
+                <a:latin typeface="+mn-lt"/>
+                <a:ea typeface="+mn-ea"/>
+                <a:cs typeface="+mn-cs"/>
+              </a:defRPr>
+            </a:lvl2pPr>
+            <a:lvl3pPr marL="731520" indent="-182880" algn="l" defTabSz="914400" rtl="0" eaLnBrk="1" latinLnBrk="0" hangingPunct="1">
+              <a:lnSpc>
+                <a:spcPct val="90000"/>
+              </a:lnSpc>
+              <a:spcBef>
+                <a:spcPts val="300"/>
+              </a:spcBef>
+              <a:spcAft>
+                <a:spcPts val="300"/>
+              </a:spcAft>
+              <a:buClr>
+                <a:schemeClr val="accent1"/>
+              </a:buClr>
+              <a:buFont typeface="Wingdings 2" pitchFamily="18" charset="2"/>
+              <a:buChar char=""/>
+              <a:defRPr sz="1400" kern="1200">
+                <a:solidFill>
+                  <a:schemeClr val="tx1">
+                    <a:lumMod val="85000"/>
+                    <a:lumOff val="15000"/>
+                  </a:schemeClr>
+                </a:solidFill>
+                <a:latin typeface="+mn-lt"/>
+                <a:ea typeface="+mn-ea"/>
+                <a:cs typeface="+mn-cs"/>
+              </a:defRPr>
+            </a:lvl3pPr>
+            <a:lvl4pPr marL="1005840" indent="-182880" algn="l" defTabSz="914400" rtl="0" eaLnBrk="1" latinLnBrk="0" hangingPunct="1">
+              <a:lnSpc>
+                <a:spcPct val="90000"/>
+              </a:lnSpc>
+              <a:spcBef>
+                <a:spcPts val="300"/>
+              </a:spcBef>
+              <a:spcAft>
+                <a:spcPts val="300"/>
+              </a:spcAft>
+              <a:buClr>
+                <a:schemeClr val="accent1"/>
+              </a:buClr>
+              <a:buFont typeface="Wingdings 2" pitchFamily="18" charset="2"/>
+              <a:buChar char=""/>
+              <a:defRPr sz="1400" kern="1200">
+                <a:solidFill>
+                  <a:schemeClr val="tx1">
+                    <a:lumMod val="85000"/>
+                    <a:lumOff val="15000"/>
+                  </a:schemeClr>
+                </a:solidFill>
+                <a:latin typeface="+mn-lt"/>
+                <a:ea typeface="+mn-ea"/>
+                <a:cs typeface="+mn-cs"/>
+              </a:defRPr>
+            </a:lvl4pPr>
+            <a:lvl5pPr marL="1280160" indent="-182880" algn="l" defTabSz="914400" rtl="0" eaLnBrk="1" latinLnBrk="0" hangingPunct="1">
+              <a:lnSpc>
+                <a:spcPct val="90000"/>
+              </a:lnSpc>
+              <a:spcBef>
+                <a:spcPts val="300"/>
+              </a:spcBef>
+              <a:spcAft>
+                <a:spcPts val="300"/>
+              </a:spcAft>
+              <a:buClr>
+                <a:schemeClr val="accent1"/>
+              </a:buClr>
+              <a:buFont typeface="Wingdings 2" pitchFamily="18" charset="2"/>
+              <a:buChar char=""/>
+              <a:defRPr sz="1400" kern="1200">
+                <a:solidFill>
+                  <a:schemeClr val="tx1">
+                    <a:lumMod val="85000"/>
+                    <a:lumOff val="15000"/>
+                  </a:schemeClr>
+                </a:solidFill>
+                <a:latin typeface="+mn-lt"/>
+                <a:ea typeface="+mn-ea"/>
+                <a:cs typeface="+mn-cs"/>
+              </a:defRPr>
+            </a:lvl5pPr>
+            <a:lvl6pPr marL="1600000" indent="-228600" algn="l" defTabSz="914400" rtl="0" eaLnBrk="1" latinLnBrk="0" hangingPunct="1">
+              <a:lnSpc>
+                <a:spcPct val="90000"/>
+              </a:lnSpc>
+              <a:spcBef>
+                <a:spcPts val="300"/>
+              </a:spcBef>
+              <a:spcAft>
+                <a:spcPts val="300"/>
+              </a:spcAft>
+              <a:buClr>
+                <a:schemeClr val="accent1"/>
+              </a:buClr>
+              <a:buFont typeface="Wingdings 2" pitchFamily="18" charset="2"/>
+              <a:buChar char=""/>
+              <a:defRPr sz="1400" kern="1200">
+                <a:solidFill>
+                  <a:schemeClr val="tx1">
+                    <a:lumMod val="85000"/>
+                    <a:lumOff val="15000"/>
+                  </a:schemeClr>
+                </a:solidFill>
+                <a:latin typeface="+mn-lt"/>
+                <a:ea typeface="+mn-ea"/>
+                <a:cs typeface="+mn-cs"/>
+              </a:defRPr>
+            </a:lvl6pPr>
+            <a:lvl7pPr marL="1900000" indent="-228600" algn="l" defTabSz="914400" rtl="0" eaLnBrk="1" latinLnBrk="0" hangingPunct="1">
+              <a:lnSpc>
+                <a:spcPct val="90000"/>
+              </a:lnSpc>
+              <a:spcBef>
+                <a:spcPts val="300"/>
+              </a:spcBef>
+              <a:spcAft>
+                <a:spcPts val="300"/>
+              </a:spcAft>
+              <a:buClr>
+                <a:schemeClr val="accent1"/>
+              </a:buClr>
+              <a:buFont typeface="Wingdings 2" pitchFamily="18" charset="2"/>
+              <a:buChar char=""/>
+              <a:defRPr sz="1400" kern="1200">
+                <a:solidFill>
+                  <a:schemeClr val="tx1">
+                    <a:lumMod val="85000"/>
+                    <a:lumOff val="15000"/>
+                  </a:schemeClr>
+                </a:solidFill>
+                <a:latin typeface="+mn-lt"/>
+                <a:ea typeface="+mn-ea"/>
+                <a:cs typeface="+mn-cs"/>
+              </a:defRPr>
+            </a:lvl7pPr>
+            <a:lvl8pPr marL="2200000" indent="-228600" algn="l" defTabSz="914400" rtl="0" eaLnBrk="1" latinLnBrk="0" hangingPunct="1">
+              <a:lnSpc>
+                <a:spcPct val="90000"/>
+              </a:lnSpc>
+              <a:spcBef>
+                <a:spcPts val="300"/>
+              </a:spcBef>
+              <a:spcAft>
+                <a:spcPts val="300"/>
+              </a:spcAft>
+              <a:buClr>
+                <a:schemeClr val="accent1"/>
+              </a:buClr>
+              <a:buFont typeface="Wingdings 2" pitchFamily="18" charset="2"/>
+              <a:buChar char=""/>
+              <a:defRPr sz="1400" kern="1200">
+                <a:solidFill>
+                  <a:schemeClr val="tx1">
+                    <a:lumMod val="85000"/>
+                    <a:lumOff val="15000"/>
+                  </a:schemeClr>
+                </a:solidFill>
+                <a:latin typeface="+mn-lt"/>
+                <a:ea typeface="+mn-ea"/>
+                <a:cs typeface="+mn-cs"/>
+              </a:defRPr>
+            </a:lvl8pPr>
+            <a:lvl9pPr marL="2500000" indent="-228600" algn="l" defTabSz="914400" rtl="0" eaLnBrk="1" latinLnBrk="0" hangingPunct="1">
+              <a:lnSpc>
+                <a:spcPct val="90000"/>
+              </a:lnSpc>
+              <a:spcBef>
+                <a:spcPts val="300"/>
+              </a:spcBef>
+              <a:spcAft>
+                <a:spcPts val="300"/>
+              </a:spcAft>
+              <a:buClr>
+                <a:schemeClr val="accent1"/>
+              </a:buClr>
+              <a:buFont typeface="Wingdings 2" pitchFamily="18" charset="2"/>
+              <a:buChar char=""/>
+              <a:defRPr sz="1400" kern="1200">
+                <a:solidFill>
+                  <a:schemeClr val="tx1">
+                    <a:lumMod val="85000"/>
+                    <a:lumOff val="15000"/>
+                  </a:schemeClr>
+                </a:solidFill>
+                <a:latin typeface="+mn-lt"/>
+                <a:ea typeface="+mn-ea"/>
+                <a:cs typeface="+mn-cs"/>
+              </a:defRPr>
+            </a:lvl9pPr>
+          </a:lstStyle>
+          <a:p>
+            <a:r>
+              <a:rPr lang="pt-BR" sz="2400" dirty="0"/>
+              <a:t>Fica na solução, então se eu levar para outra maquina os pacotes irão juntos</a:t>
+            </a:r>
+            <a:endParaRPr lang="pt-BR" sz="1050" dirty="0"/>
+          </a:p>
+        </p:txBody>
+      </p:sp>
+      <p:pic>
+        <p:nvPicPr>
+          <p:cNvPr id="24" name="Imagem 23">
+            <a:extLst>
+              <a:ext uri="{FF2B5EF4-FFF2-40B4-BE49-F238E27FC236}">
+                <a16:creationId xmlns:a16="http://schemas.microsoft.com/office/drawing/2014/main" id="{59F77C7E-87E7-10C5-2CA3-21E9A2433FF5}"/>
+              </a:ext>
+            </a:extLst>
+          </p:cNvPr>
+          <p:cNvPicPr>
+            <a:picLocks noChangeAspect="1"/>
+          </p:cNvPicPr>
+          <p:nvPr/>
+        </p:nvPicPr>
+        <p:blipFill>
+          <a:blip r:embed="rId2"/>
+          <a:stretch>
+            <a:fillRect/>
+          </a:stretch>
+        </p:blipFill>
+        <p:spPr>
+          <a:xfrm>
+            <a:off x="2221992" y="2386042"/>
+            <a:ext cx="2408351" cy="3043683"/>
+          </a:xfrm>
+          <a:prstGeom prst="rect">
+            <a:avLst/>
+          </a:prstGeom>
+        </p:spPr>
+      </p:pic>
+    </p:spTree>
+    <p:extLst>
+      <p:ext uri="{BB962C8B-B14F-4D97-AF65-F5344CB8AC3E}">
+        <p14:creationId xmlns:p14="http://schemas.microsoft.com/office/powerpoint/2010/main" val="2740427701"/>
+      </p:ext>
+    </p:extLst>
+  </p:cSld>
+  <p:clrMapOvr>
+    <a:masterClrMapping/>
+  </p:clrMapOvr>
+</p:sld>
+</file>
+
 <file path=ppt/theme/theme1.xml><?xml version="1.0" encoding="utf-8"?>
 <a:theme xmlns:a="http://schemas.openxmlformats.org/drawingml/2006/main" name="Exibir">
   <a:themeElements>

--- a/aulas/saida-02-Back-end/Csharp/DocumentacaoMVC.pptx
+++ b/aulas/saida-02-Back-end/Csharp/DocumentacaoMVC.pptx
@@ -22,6 +22,19 @@
     <p:sldId id="271" r:id="rId16"/>
     <p:sldId id="270" r:id="rId17"/>
     <p:sldId id="272" r:id="rId18"/>
+    <p:sldId id="273" r:id="rId19"/>
+    <p:sldId id="276" r:id="rId20"/>
+    <p:sldId id="274" r:id="rId21"/>
+    <p:sldId id="275" r:id="rId22"/>
+    <p:sldId id="277" r:id="rId23"/>
+    <p:sldId id="278" r:id="rId24"/>
+    <p:sldId id="279" r:id="rId25"/>
+    <p:sldId id="280" r:id="rId26"/>
+    <p:sldId id="283" r:id="rId27"/>
+    <p:sldId id="284" r:id="rId28"/>
+    <p:sldId id="285" r:id="rId29"/>
+    <p:sldId id="286" r:id="rId30"/>
+    <p:sldId id="287" r:id="rId31"/>
   </p:sldIdLst>
   <p:sldSz cx="12192000" cy="6858000"/>
   <p:notesSz cx="6858000" cy="9144000"/>
@@ -142,6 +155,19 @@
             <p14:sldId id="271"/>
             <p14:sldId id="270"/>
             <p14:sldId id="272"/>
+            <p14:sldId id="273"/>
+            <p14:sldId id="276"/>
+            <p14:sldId id="274"/>
+            <p14:sldId id="275"/>
+            <p14:sldId id="277"/>
+            <p14:sldId id="278"/>
+            <p14:sldId id="279"/>
+            <p14:sldId id="280"/>
+            <p14:sldId id="283"/>
+            <p14:sldId id="284"/>
+            <p14:sldId id="285"/>
+            <p14:sldId id="286"/>
+            <p14:sldId id="287"/>
           </p14:sldIdLst>
         </p14:section>
       </p14:sectionLst>
@@ -349,7 +375,7 @@
           <a:p>
             <a:fld id="{1C2F9D8F-1C23-41D0-8943-647BAEDF74E8}" type="datetimeFigureOut">
               <a:rPr lang="pt-BR" smtClean="0"/>
-              <a:t>06/08/2025</a:t>
+              <a:t>08/08/2025</a:t>
             </a:fld>
             <a:endParaRPr lang="pt-BR"/>
           </a:p>
@@ -573,7 +599,7 @@
           <a:p>
             <a:fld id="{1C2F9D8F-1C23-41D0-8943-647BAEDF74E8}" type="datetimeFigureOut">
               <a:rPr lang="pt-BR" smtClean="0"/>
-              <a:t>06/08/2025</a:t>
+              <a:t>08/08/2025</a:t>
             </a:fld>
             <a:endParaRPr lang="pt-BR"/>
           </a:p>
@@ -753,7 +779,7 @@
           <a:p>
             <a:fld id="{1C2F9D8F-1C23-41D0-8943-647BAEDF74E8}" type="datetimeFigureOut">
               <a:rPr lang="pt-BR" smtClean="0"/>
-              <a:t>06/08/2025</a:t>
+              <a:t>08/08/2025</a:t>
             </a:fld>
             <a:endParaRPr lang="pt-BR"/>
           </a:p>
@@ -923,7 +949,7 @@
           <a:p>
             <a:fld id="{1C2F9D8F-1C23-41D0-8943-647BAEDF74E8}" type="datetimeFigureOut">
               <a:rPr lang="pt-BR" smtClean="0"/>
-              <a:t>06/08/2025</a:t>
+              <a:t>08/08/2025</a:t>
             </a:fld>
             <a:endParaRPr lang="pt-BR"/>
           </a:p>
@@ -1214,7 +1240,7 @@
           <a:p>
             <a:fld id="{1C2F9D8F-1C23-41D0-8943-647BAEDF74E8}" type="datetimeFigureOut">
               <a:rPr lang="pt-BR" smtClean="0"/>
-              <a:t>06/08/2025</a:t>
+              <a:t>08/08/2025</a:t>
             </a:fld>
             <a:endParaRPr lang="pt-BR"/>
           </a:p>
@@ -1540,7 +1566,7 @@
           <a:p>
             <a:fld id="{1C2F9D8F-1C23-41D0-8943-647BAEDF74E8}" type="datetimeFigureOut">
               <a:rPr lang="pt-BR" smtClean="0"/>
-              <a:t>06/08/2025</a:t>
+              <a:t>08/08/2025</a:t>
             </a:fld>
             <a:endParaRPr lang="pt-BR"/>
           </a:p>
@@ -1952,7 +1978,7 @@
           <a:p>
             <a:fld id="{1C2F9D8F-1C23-41D0-8943-647BAEDF74E8}" type="datetimeFigureOut">
               <a:rPr lang="pt-BR" smtClean="0"/>
-              <a:t>06/08/2025</a:t>
+              <a:t>08/08/2025</a:t>
             </a:fld>
             <a:endParaRPr lang="pt-BR"/>
           </a:p>
@@ -2070,7 +2096,7 @@
           <a:p>
             <a:fld id="{1C2F9D8F-1C23-41D0-8943-647BAEDF74E8}" type="datetimeFigureOut">
               <a:rPr lang="pt-BR" smtClean="0"/>
-              <a:t>06/08/2025</a:t>
+              <a:t>08/08/2025</a:t>
             </a:fld>
             <a:endParaRPr lang="pt-BR"/>
           </a:p>
@@ -2165,7 +2191,7 @@
           <a:p>
             <a:fld id="{1C2F9D8F-1C23-41D0-8943-647BAEDF74E8}" type="datetimeFigureOut">
               <a:rPr lang="pt-BR" smtClean="0"/>
-              <a:t>06/08/2025</a:t>
+              <a:t>08/08/2025</a:t>
             </a:fld>
             <a:endParaRPr lang="pt-BR"/>
           </a:p>
@@ -2452,7 +2478,7 @@
           <a:p>
             <a:fld id="{1C2F9D8F-1C23-41D0-8943-647BAEDF74E8}" type="datetimeFigureOut">
               <a:rPr lang="pt-BR" smtClean="0"/>
-              <a:t>06/08/2025</a:t>
+              <a:t>08/08/2025</a:t>
             </a:fld>
             <a:endParaRPr lang="pt-BR"/>
           </a:p>
@@ -2729,7 +2755,7 @@
           <a:p>
             <a:fld id="{1C2F9D8F-1C23-41D0-8943-647BAEDF74E8}" type="datetimeFigureOut">
               <a:rPr lang="pt-BR" smtClean="0"/>
-              <a:t>06/08/2025</a:t>
+              <a:t>08/08/2025</a:t>
             </a:fld>
             <a:endParaRPr lang="pt-BR"/>
           </a:p>
@@ -2980,7 +3006,7 @@
           <a:p>
             <a:fld id="{1C2F9D8F-1C23-41D0-8943-647BAEDF74E8}" type="datetimeFigureOut">
               <a:rPr lang="pt-BR" smtClean="0"/>
-              <a:t>06/08/2025</a:t>
+              <a:t>08/08/2025</a:t>
             </a:fld>
             <a:endParaRPr lang="pt-BR"/>
           </a:p>
@@ -6931,6 +6957,577 @@
 </p:sld>
 </file>
 
+<file path=ppt/slides/slide18.xml><?xml version="1.0" encoding="utf-8"?>
+<p:sld xmlns:a="http://schemas.openxmlformats.org/drawingml/2006/main" xmlns:r="http://schemas.openxmlformats.org/officeDocument/2006/relationships" xmlns:p="http://schemas.openxmlformats.org/presentationml/2006/main">
+  <p:cSld>
+    <p:spTree>
+      <p:nvGrpSpPr>
+        <p:cNvPr id="1" name=""/>
+        <p:cNvGrpSpPr/>
+        <p:nvPr/>
+      </p:nvGrpSpPr>
+      <p:grpSpPr>
+        <a:xfrm>
+          <a:off x="0" y="0"/>
+          <a:ext cx="0" cy="0"/>
+          <a:chOff x="0" y="0"/>
+          <a:chExt cx="0" cy="0"/>
+        </a:xfrm>
+      </p:grpSpPr>
+      <p:sp>
+        <p:nvSpPr>
+          <p:cNvPr id="2" name="Título 1">
+            <a:extLst>
+              <a:ext uri="{FF2B5EF4-FFF2-40B4-BE49-F238E27FC236}">
+                <a16:creationId xmlns:a16="http://schemas.microsoft.com/office/drawing/2014/main" id="{3250F423-48CD-44A0-C09A-255D2C78641C}"/>
+              </a:ext>
+            </a:extLst>
+          </p:cNvPr>
+          <p:cNvSpPr>
+            <a:spLocks noGrp="1"/>
+          </p:cNvSpPr>
+          <p:nvPr>
+            <p:ph type="title"/>
+          </p:nvPr>
+        </p:nvSpPr>
+        <p:spPr/>
+        <p:txBody>
+          <a:bodyPr/>
+          <a:lstStyle/>
+          <a:p>
+            <a:r>
+              <a:rPr lang="pt-BR" dirty="0" err="1"/>
+              <a:t>seedMigration</a:t>
+            </a:r>
+            <a:endParaRPr lang="pt-BR" dirty="0"/>
+          </a:p>
+        </p:txBody>
+      </p:sp>
+      <p:pic>
+        <p:nvPicPr>
+          <p:cNvPr id="9" name="Espaço Reservado para Conteúdo 8">
+            <a:extLst>
+              <a:ext uri="{FF2B5EF4-FFF2-40B4-BE49-F238E27FC236}">
+                <a16:creationId xmlns:a16="http://schemas.microsoft.com/office/drawing/2014/main" id="{FC25E492-2B6C-DC86-F696-4CD57F35B881}"/>
+              </a:ext>
+            </a:extLst>
+          </p:cNvPr>
+          <p:cNvPicPr>
+            <a:picLocks noGrp="1" noChangeAspect="1"/>
+          </p:cNvPicPr>
+          <p:nvPr>
+            <p:ph idx="1"/>
+          </p:nvPr>
+        </p:nvPicPr>
+        <p:blipFill>
+          <a:blip r:embed="rId2"/>
+          <a:stretch>
+            <a:fillRect/>
+          </a:stretch>
+        </p:blipFill>
+        <p:spPr>
+          <a:xfrm>
+            <a:off x="1371600" y="1844187"/>
+            <a:ext cx="2856288" cy="215118"/>
+          </a:xfrm>
+          <a:prstGeom prst="rect">
+            <a:avLst/>
+          </a:prstGeom>
+          <a:ln>
+            <a:solidFill>
+              <a:srgbClr val="FF0000"/>
+            </a:solidFill>
+          </a:ln>
+        </p:spPr>
+      </p:pic>
+      <p:pic>
+        <p:nvPicPr>
+          <p:cNvPr id="11" name="Imagem 10">
+            <a:extLst>
+              <a:ext uri="{FF2B5EF4-FFF2-40B4-BE49-F238E27FC236}">
+                <a16:creationId xmlns:a16="http://schemas.microsoft.com/office/drawing/2014/main" id="{712B8BB8-6A34-E84A-6FC6-408D8989CCCF}"/>
+              </a:ext>
+            </a:extLst>
+          </p:cNvPr>
+          <p:cNvPicPr>
+            <a:picLocks noChangeAspect="1"/>
+          </p:cNvPicPr>
+          <p:nvPr/>
+        </p:nvPicPr>
+        <p:blipFill>
+          <a:blip r:embed="rId3"/>
+          <a:stretch>
+            <a:fillRect/>
+          </a:stretch>
+        </p:blipFill>
+        <p:spPr>
+          <a:xfrm>
+            <a:off x="1371601" y="2396161"/>
+            <a:ext cx="3548006" cy="1260976"/>
+          </a:xfrm>
+          <a:prstGeom prst="rect">
+            <a:avLst/>
+          </a:prstGeom>
+          <a:ln>
+            <a:solidFill>
+              <a:srgbClr val="FF0000"/>
+            </a:solidFill>
+          </a:ln>
+        </p:spPr>
+      </p:pic>
+      <p:pic>
+        <p:nvPicPr>
+          <p:cNvPr id="13" name="Imagem 12">
+            <a:extLst>
+              <a:ext uri="{FF2B5EF4-FFF2-40B4-BE49-F238E27FC236}">
+                <a16:creationId xmlns:a16="http://schemas.microsoft.com/office/drawing/2014/main" id="{22E0AAF7-80CC-4664-D5E4-555BA2B9A3F9}"/>
+              </a:ext>
+            </a:extLst>
+          </p:cNvPr>
+          <p:cNvPicPr>
+            <a:picLocks noChangeAspect="1"/>
+          </p:cNvPicPr>
+          <p:nvPr/>
+        </p:nvPicPr>
+        <p:blipFill>
+          <a:blip r:embed="rId4"/>
+          <a:stretch>
+            <a:fillRect/>
+          </a:stretch>
+        </p:blipFill>
+        <p:spPr>
+          <a:xfrm>
+            <a:off x="1371600" y="3798356"/>
+            <a:ext cx="2856288" cy="391273"/>
+          </a:xfrm>
+          <a:prstGeom prst="rect">
+            <a:avLst/>
+          </a:prstGeom>
+          <a:ln>
+            <a:solidFill>
+              <a:srgbClr val="FF0000"/>
+            </a:solidFill>
+          </a:ln>
+        </p:spPr>
+      </p:pic>
+      <p:sp>
+        <p:nvSpPr>
+          <p:cNvPr id="14" name="CaixaDeTexto 13">
+            <a:extLst>
+              <a:ext uri="{FF2B5EF4-FFF2-40B4-BE49-F238E27FC236}">
+                <a16:creationId xmlns:a16="http://schemas.microsoft.com/office/drawing/2014/main" id="{2FA3365C-39A2-15D4-BDAC-A93E1B4C007A}"/>
+              </a:ext>
+            </a:extLst>
+          </p:cNvPr>
+          <p:cNvSpPr txBox="1"/>
+          <p:nvPr/>
+        </p:nvSpPr>
+        <p:spPr>
+          <a:xfrm>
+            <a:off x="4727448" y="1767613"/>
+            <a:ext cx="6601968" cy="369332"/>
+          </a:xfrm>
+          <a:prstGeom prst="rect">
+            <a:avLst/>
+          </a:prstGeom>
+          <a:noFill/>
+        </p:spPr>
+        <p:txBody>
+          <a:bodyPr wrap="square" rtlCol="0">
+            <a:spAutoFit/>
+          </a:bodyPr>
+          <a:lstStyle/>
+          <a:p>
+            <a:r>
+              <a:rPr lang="pt-BR" dirty="0"/>
+              <a:t>Criamos uma </a:t>
+            </a:r>
+            <a:r>
+              <a:rPr lang="pt-BR" dirty="0" err="1"/>
+              <a:t>migration</a:t>
+            </a:r>
+            <a:r>
+              <a:rPr lang="pt-BR" dirty="0"/>
+              <a:t> com a nomenclatura </a:t>
+            </a:r>
+            <a:r>
+              <a:rPr lang="pt-BR" dirty="0" err="1"/>
+              <a:t>seedNome</a:t>
+            </a:r>
+            <a:endParaRPr lang="pt-BR" dirty="0"/>
+          </a:p>
+        </p:txBody>
+      </p:sp>
+      <p:sp>
+        <p:nvSpPr>
+          <p:cNvPr id="15" name="CaixaDeTexto 14">
+            <a:extLst>
+              <a:ext uri="{FF2B5EF4-FFF2-40B4-BE49-F238E27FC236}">
+                <a16:creationId xmlns:a16="http://schemas.microsoft.com/office/drawing/2014/main" id="{EBB0BCB0-DF70-6678-FCAC-AF6B47F404CE}"/>
+              </a:ext>
+            </a:extLst>
+          </p:cNvPr>
+          <p:cNvSpPr txBox="1"/>
+          <p:nvPr/>
+        </p:nvSpPr>
+        <p:spPr>
+          <a:xfrm>
+            <a:off x="4988119" y="2396161"/>
+            <a:ext cx="4378385" cy="1200329"/>
+          </a:xfrm>
+          <a:prstGeom prst="rect">
+            <a:avLst/>
+          </a:prstGeom>
+          <a:noFill/>
+        </p:spPr>
+        <p:txBody>
+          <a:bodyPr wrap="square" rtlCol="0">
+            <a:spAutoFit/>
+          </a:bodyPr>
+          <a:lstStyle/>
+          <a:p>
+            <a:r>
+              <a:rPr lang="pt-BR" dirty="0"/>
+              <a:t>Colamos o código de </a:t>
+            </a:r>
+            <a:r>
+              <a:rPr lang="pt-BR" dirty="0" err="1"/>
+              <a:t>insert</a:t>
+            </a:r>
+            <a:r>
+              <a:rPr lang="pt-BR" dirty="0"/>
+              <a:t> estilo </a:t>
+            </a:r>
+            <a:r>
+              <a:rPr lang="pt-BR" dirty="0" err="1"/>
+              <a:t>sql</a:t>
+            </a:r>
+            <a:r>
+              <a:rPr lang="pt-BR" dirty="0"/>
+              <a:t> com os dados da tabela na parte de UP onde atualizamos o banco sem acessá-lo</a:t>
+            </a:r>
+          </a:p>
+        </p:txBody>
+      </p:sp>
+      <p:sp>
+        <p:nvSpPr>
+          <p:cNvPr id="16" name="CaixaDeTexto 15">
+            <a:extLst>
+              <a:ext uri="{FF2B5EF4-FFF2-40B4-BE49-F238E27FC236}">
+                <a16:creationId xmlns:a16="http://schemas.microsoft.com/office/drawing/2014/main" id="{F7D2BC95-2834-4680-2C40-651F6A86C161}"/>
+              </a:ext>
+            </a:extLst>
+          </p:cNvPr>
+          <p:cNvSpPr txBox="1"/>
+          <p:nvPr/>
+        </p:nvSpPr>
+        <p:spPr>
+          <a:xfrm>
+            <a:off x="4227888" y="3798356"/>
+            <a:ext cx="4378385" cy="646331"/>
+          </a:xfrm>
+          <a:prstGeom prst="rect">
+            <a:avLst/>
+          </a:prstGeom>
+          <a:noFill/>
+        </p:spPr>
+        <p:txBody>
+          <a:bodyPr wrap="square" rtlCol="0">
+            <a:spAutoFit/>
+          </a:bodyPr>
+          <a:lstStyle/>
+          <a:p>
+            <a:r>
+              <a:rPr lang="pt-BR" dirty="0"/>
+              <a:t>Atualizamos o banco para aparecer os dados inseridos</a:t>
+            </a:r>
+          </a:p>
+        </p:txBody>
+      </p:sp>
+      <p:pic>
+        <p:nvPicPr>
+          <p:cNvPr id="18" name="Imagem 17">
+            <a:extLst>
+              <a:ext uri="{FF2B5EF4-FFF2-40B4-BE49-F238E27FC236}">
+                <a16:creationId xmlns:a16="http://schemas.microsoft.com/office/drawing/2014/main" id="{C9BEF426-0D6E-AAB5-B978-A594877E09E2}"/>
+              </a:ext>
+            </a:extLst>
+          </p:cNvPr>
+          <p:cNvPicPr>
+            <a:picLocks noChangeAspect="1"/>
+          </p:cNvPicPr>
+          <p:nvPr/>
+        </p:nvPicPr>
+        <p:blipFill>
+          <a:blip r:embed="rId5"/>
+          <a:stretch>
+            <a:fillRect/>
+          </a:stretch>
+        </p:blipFill>
+        <p:spPr>
+          <a:xfrm>
+            <a:off x="1371600" y="4561205"/>
+            <a:ext cx="3324689" cy="1514686"/>
+          </a:xfrm>
+          <a:prstGeom prst="rect">
+            <a:avLst/>
+          </a:prstGeom>
+          <a:ln>
+            <a:solidFill>
+              <a:srgbClr val="FF0000"/>
+            </a:solidFill>
+          </a:ln>
+        </p:spPr>
+      </p:pic>
+      <p:pic>
+        <p:nvPicPr>
+          <p:cNvPr id="20" name="Imagem 19">
+            <a:extLst>
+              <a:ext uri="{FF2B5EF4-FFF2-40B4-BE49-F238E27FC236}">
+                <a16:creationId xmlns:a16="http://schemas.microsoft.com/office/drawing/2014/main" id="{670F1154-1DA6-09CC-4D34-3C8E811F56C6}"/>
+              </a:ext>
+            </a:extLst>
+          </p:cNvPr>
+          <p:cNvPicPr>
+            <a:picLocks noChangeAspect="1"/>
+          </p:cNvPicPr>
+          <p:nvPr/>
+        </p:nvPicPr>
+        <p:blipFill>
+          <a:blip r:embed="rId6"/>
+          <a:stretch>
+            <a:fillRect/>
+          </a:stretch>
+        </p:blipFill>
+        <p:spPr>
+          <a:xfrm>
+            <a:off x="4443100" y="5437572"/>
+            <a:ext cx="4080877" cy="1276638"/>
+          </a:xfrm>
+          <a:prstGeom prst="rect">
+            <a:avLst/>
+          </a:prstGeom>
+          <a:ln>
+            <a:solidFill>
+              <a:srgbClr val="FF0000"/>
+            </a:solidFill>
+          </a:ln>
+        </p:spPr>
+      </p:pic>
+      <p:sp>
+        <p:nvSpPr>
+          <p:cNvPr id="21" name="CaixaDeTexto 20">
+            <a:extLst>
+              <a:ext uri="{FF2B5EF4-FFF2-40B4-BE49-F238E27FC236}">
+                <a16:creationId xmlns:a16="http://schemas.microsoft.com/office/drawing/2014/main" id="{CA0E394D-0A65-E3A6-3DE6-9EC13CE79A09}"/>
+              </a:ext>
+            </a:extLst>
+          </p:cNvPr>
+          <p:cNvSpPr txBox="1"/>
+          <p:nvPr/>
+        </p:nvSpPr>
+        <p:spPr>
+          <a:xfrm>
+            <a:off x="8523977" y="5318548"/>
+            <a:ext cx="1947360" cy="646331"/>
+          </a:xfrm>
+          <a:prstGeom prst="rect">
+            <a:avLst/>
+          </a:prstGeom>
+          <a:noFill/>
+        </p:spPr>
+        <p:txBody>
+          <a:bodyPr wrap="square" rtlCol="0">
+            <a:spAutoFit/>
+          </a:bodyPr>
+          <a:lstStyle/>
+          <a:p>
+            <a:r>
+              <a:rPr lang="pt-BR" dirty="0">
+                <a:solidFill>
+                  <a:srgbClr val="FF0000"/>
+                </a:solidFill>
+              </a:rPr>
+              <a:t>Verificando se funcionou</a:t>
+            </a:r>
+          </a:p>
+        </p:txBody>
+      </p:sp>
+      <p:sp>
+        <p:nvSpPr>
+          <p:cNvPr id="22" name="CaixaDeTexto 21">
+            <a:extLst>
+              <a:ext uri="{FF2B5EF4-FFF2-40B4-BE49-F238E27FC236}">
+                <a16:creationId xmlns:a16="http://schemas.microsoft.com/office/drawing/2014/main" id="{4140891A-6360-5CE0-BF1D-17D6F9EEBF08}"/>
+              </a:ext>
+            </a:extLst>
+          </p:cNvPr>
+          <p:cNvSpPr txBox="1"/>
+          <p:nvPr/>
+        </p:nvSpPr>
+        <p:spPr>
+          <a:xfrm>
+            <a:off x="5104032" y="169502"/>
+            <a:ext cx="5978496" cy="1754326"/>
+          </a:xfrm>
+          <a:prstGeom prst="rect">
+            <a:avLst/>
+          </a:prstGeom>
+          <a:noFill/>
+        </p:spPr>
+        <p:txBody>
+          <a:bodyPr wrap="square" rtlCol="0">
+            <a:spAutoFit/>
+          </a:bodyPr>
+          <a:lstStyle/>
+          <a:p>
+            <a:r>
+              <a:rPr lang="pt-BR" dirty="0">
+                <a:solidFill>
+                  <a:srgbClr val="FF0000"/>
+                </a:solidFill>
+              </a:rPr>
+              <a:t>o nome das </a:t>
+            </a:r>
+            <a:r>
+              <a:rPr lang="pt-BR" dirty="0" err="1">
+                <a:solidFill>
+                  <a:srgbClr val="FF0000"/>
+                </a:solidFill>
+              </a:rPr>
+              <a:t>migrations</a:t>
+            </a:r>
+            <a:r>
+              <a:rPr lang="pt-BR" dirty="0">
+                <a:solidFill>
+                  <a:srgbClr val="FF0000"/>
+                </a:solidFill>
+              </a:rPr>
+              <a:t> criadas não afetam diretamente no comportamento, porém por boa pratica colocamos “</a:t>
+            </a:r>
+            <a:r>
+              <a:rPr lang="pt-BR" dirty="0" err="1">
+                <a:solidFill>
+                  <a:srgbClr val="FF0000"/>
+                </a:solidFill>
+              </a:rPr>
+              <a:t>seed</a:t>
+            </a:r>
+            <a:r>
+              <a:rPr lang="pt-BR" dirty="0">
+                <a:solidFill>
+                  <a:srgbClr val="FF0000"/>
+                </a:solidFill>
+              </a:rPr>
+              <a:t>”, pois serve para indicar um serviço (já existe “semear”). O que realmente importa e a alteração que temos no banco de dados dentro do código em si</a:t>
+            </a:r>
+          </a:p>
+        </p:txBody>
+      </p:sp>
+    </p:spTree>
+    <p:extLst>
+      <p:ext uri="{BB962C8B-B14F-4D97-AF65-F5344CB8AC3E}">
+        <p14:creationId xmlns:p14="http://schemas.microsoft.com/office/powerpoint/2010/main" val="2030819481"/>
+      </p:ext>
+    </p:extLst>
+  </p:cSld>
+  <p:clrMapOvr>
+    <a:masterClrMapping/>
+  </p:clrMapOvr>
+</p:sld>
+</file>
+
+<file path=ppt/slides/slide19.xml><?xml version="1.0" encoding="utf-8"?>
+<p:sld xmlns:a="http://schemas.openxmlformats.org/drawingml/2006/main" xmlns:r="http://schemas.openxmlformats.org/officeDocument/2006/relationships" xmlns:p="http://schemas.openxmlformats.org/presentationml/2006/main">
+  <p:cSld>
+    <p:spTree>
+      <p:nvGrpSpPr>
+        <p:cNvPr id="1" name=""/>
+        <p:cNvGrpSpPr/>
+        <p:nvPr/>
+      </p:nvGrpSpPr>
+      <p:grpSpPr>
+        <a:xfrm>
+          <a:off x="0" y="0"/>
+          <a:ext cx="0" cy="0"/>
+          <a:chOff x="0" y="0"/>
+          <a:chExt cx="0" cy="0"/>
+        </a:xfrm>
+      </p:grpSpPr>
+      <p:sp>
+        <p:nvSpPr>
+          <p:cNvPr id="2" name="Título 1">
+            <a:extLst>
+              <a:ext uri="{FF2B5EF4-FFF2-40B4-BE49-F238E27FC236}">
+                <a16:creationId xmlns:a16="http://schemas.microsoft.com/office/drawing/2014/main" id="{3EC05116-B391-F41E-C761-B02778D0F7B6}"/>
+              </a:ext>
+            </a:extLst>
+          </p:cNvPr>
+          <p:cNvSpPr>
+            <a:spLocks noGrp="1"/>
+          </p:cNvSpPr>
+          <p:nvPr>
+            <p:ph type="title"/>
+          </p:nvPr>
+        </p:nvSpPr>
+        <p:spPr/>
+        <p:txBody>
+          <a:bodyPr/>
+          <a:lstStyle/>
+          <a:p>
+            <a:r>
+              <a:rPr lang="pt-BR" dirty="0" err="1"/>
+              <a:t>extrutura</a:t>
+            </a:r>
+            <a:endParaRPr lang="pt-BR" dirty="0"/>
+          </a:p>
+        </p:txBody>
+      </p:sp>
+      <p:pic>
+        <p:nvPicPr>
+          <p:cNvPr id="5" name="Espaço Reservado para Conteúdo 4">
+            <a:extLst>
+              <a:ext uri="{FF2B5EF4-FFF2-40B4-BE49-F238E27FC236}">
+                <a16:creationId xmlns:a16="http://schemas.microsoft.com/office/drawing/2014/main" id="{FC9C2C9C-A3A2-B39B-DFCE-1067076BD0CA}"/>
+              </a:ext>
+            </a:extLst>
+          </p:cNvPr>
+          <p:cNvPicPr>
+            <a:picLocks noGrp="1" noChangeAspect="1"/>
+          </p:cNvPicPr>
+          <p:nvPr>
+            <p:ph idx="1"/>
+          </p:nvPr>
+        </p:nvPicPr>
+        <p:blipFill>
+          <a:blip r:embed="rId2"/>
+          <a:stretch>
+            <a:fillRect/>
+          </a:stretch>
+        </p:blipFill>
+        <p:spPr>
+          <a:xfrm>
+            <a:off x="1262063" y="1896933"/>
+            <a:ext cx="8594725" cy="4215072"/>
+          </a:xfrm>
+          <a:prstGeom prst="rect">
+            <a:avLst/>
+          </a:prstGeom>
+        </p:spPr>
+      </p:pic>
+    </p:spTree>
+    <p:extLst>
+      <p:ext uri="{BB962C8B-B14F-4D97-AF65-F5344CB8AC3E}">
+        <p14:creationId xmlns:p14="http://schemas.microsoft.com/office/powerpoint/2010/main" val="2882874036"/>
+      </p:ext>
+    </p:extLst>
+  </p:cSld>
+  <p:clrMapOvr>
+    <a:masterClrMapping/>
+  </p:clrMapOvr>
+</p:sld>
+</file>
+
 <file path=ppt/slides/slide2.xml><?xml version="1.0" encoding="utf-8"?>
 <p:sld xmlns:a="http://schemas.openxmlformats.org/drawingml/2006/main" xmlns:r="http://schemas.openxmlformats.org/officeDocument/2006/relationships" xmlns:p="http://schemas.openxmlformats.org/presentationml/2006/main">
   <p:cSld>
@@ -7012,6 +7609,1885 @@
     <p:extLst>
       <p:ext uri="{BB962C8B-B14F-4D97-AF65-F5344CB8AC3E}">
         <p14:creationId xmlns:p14="http://schemas.microsoft.com/office/powerpoint/2010/main" val="1438999634"/>
+      </p:ext>
+    </p:extLst>
+  </p:cSld>
+  <p:clrMapOvr>
+    <a:masterClrMapping/>
+  </p:clrMapOvr>
+</p:sld>
+</file>
+
+<file path=ppt/slides/slide20.xml><?xml version="1.0" encoding="utf-8"?>
+<p:sld xmlns:a="http://schemas.openxmlformats.org/drawingml/2006/main" xmlns:r="http://schemas.openxmlformats.org/officeDocument/2006/relationships" xmlns:p="http://schemas.openxmlformats.org/presentationml/2006/main">
+  <p:cSld>
+    <p:spTree>
+      <p:nvGrpSpPr>
+        <p:cNvPr id="1" name=""/>
+        <p:cNvGrpSpPr/>
+        <p:nvPr/>
+      </p:nvGrpSpPr>
+      <p:grpSpPr>
+        <a:xfrm>
+          <a:off x="0" y="0"/>
+          <a:ext cx="0" cy="0"/>
+          <a:chOff x="0" y="0"/>
+          <a:chExt cx="0" cy="0"/>
+        </a:xfrm>
+      </p:grpSpPr>
+      <p:sp>
+        <p:nvSpPr>
+          <p:cNvPr id="2" name="Título 1">
+            <a:extLst>
+              <a:ext uri="{FF2B5EF4-FFF2-40B4-BE49-F238E27FC236}">
+                <a16:creationId xmlns:a16="http://schemas.microsoft.com/office/drawing/2014/main" id="{38F815D9-FA01-6470-A6AA-C109E9184EA6}"/>
+              </a:ext>
+            </a:extLst>
+          </p:cNvPr>
+          <p:cNvSpPr>
+            <a:spLocks noGrp="1"/>
+          </p:cNvSpPr>
+          <p:nvPr>
+            <p:ph type="title"/>
+          </p:nvPr>
+        </p:nvSpPr>
+        <p:spPr/>
+        <p:txBody>
+          <a:bodyPr/>
+          <a:lstStyle/>
+          <a:p>
+            <a:r>
+              <a:rPr lang="pt-BR" dirty="0"/>
+              <a:t>Interfaces</a:t>
+            </a:r>
+          </a:p>
+        </p:txBody>
+      </p:sp>
+      <p:sp>
+        <p:nvSpPr>
+          <p:cNvPr id="3" name="Espaço Reservado para Conteúdo 2">
+            <a:extLst>
+              <a:ext uri="{FF2B5EF4-FFF2-40B4-BE49-F238E27FC236}">
+                <a16:creationId xmlns:a16="http://schemas.microsoft.com/office/drawing/2014/main" id="{0042F1CD-C198-F550-55A0-84550B705ACB}"/>
+              </a:ext>
+            </a:extLst>
+          </p:cNvPr>
+          <p:cNvSpPr>
+            <a:spLocks noGrp="1"/>
+          </p:cNvSpPr>
+          <p:nvPr>
+            <p:ph idx="1"/>
+          </p:nvPr>
+        </p:nvSpPr>
+        <p:spPr/>
+        <p:txBody>
+          <a:bodyPr/>
+          <a:lstStyle/>
+          <a:p>
+            <a:r>
+              <a:rPr lang="pt-BR" dirty="0"/>
+              <a:t>São contratos para garantir o repositório</a:t>
+            </a:r>
+          </a:p>
+          <a:p>
+            <a:pPr lvl="1"/>
+            <a:r>
+              <a:rPr lang="pt-BR" dirty="0"/>
+              <a:t>Para garantir as implementações corretas do repositório</a:t>
+            </a:r>
+          </a:p>
+          <a:p>
+            <a:pPr lvl="2"/>
+            <a:r>
+              <a:rPr lang="pt-BR" dirty="0"/>
+              <a:t>Garante a logica dos métodos</a:t>
+            </a:r>
+          </a:p>
+          <a:p>
+            <a:pPr lvl="3"/>
+            <a:r>
+              <a:rPr lang="pt-BR" dirty="0"/>
+              <a:t>Caso na interface eu tenha um método que exija </a:t>
+            </a:r>
+            <a:r>
+              <a:rPr lang="pt-BR" dirty="0" err="1"/>
+              <a:t>string</a:t>
+            </a:r>
+            <a:r>
+              <a:rPr lang="pt-BR" dirty="0"/>
+              <a:t> e </a:t>
+            </a:r>
+            <a:r>
+              <a:rPr lang="pt-BR" dirty="0" err="1"/>
+              <a:t>int</a:t>
+            </a:r>
+            <a:r>
+              <a:rPr lang="pt-BR" dirty="0"/>
+              <a:t>, na model obrigatoriamente precisamos usar </a:t>
+            </a:r>
+            <a:r>
+              <a:rPr lang="pt-BR" dirty="0" err="1"/>
+              <a:t>string</a:t>
+            </a:r>
+            <a:r>
+              <a:rPr lang="pt-BR" dirty="0"/>
+              <a:t> e </a:t>
+            </a:r>
+            <a:r>
+              <a:rPr lang="pt-BR" dirty="0" err="1"/>
+              <a:t>int</a:t>
+            </a:r>
+            <a:endParaRPr lang="pt-BR" dirty="0"/>
+          </a:p>
+        </p:txBody>
+      </p:sp>
+    </p:spTree>
+    <p:extLst>
+      <p:ext uri="{BB962C8B-B14F-4D97-AF65-F5344CB8AC3E}">
+        <p14:creationId xmlns:p14="http://schemas.microsoft.com/office/powerpoint/2010/main" val="2625080341"/>
+      </p:ext>
+    </p:extLst>
+  </p:cSld>
+  <p:clrMapOvr>
+    <a:masterClrMapping/>
+  </p:clrMapOvr>
+</p:sld>
+</file>
+
+<file path=ppt/slides/slide21.xml><?xml version="1.0" encoding="utf-8"?>
+<p:sld xmlns:a="http://schemas.openxmlformats.org/drawingml/2006/main" xmlns:r="http://schemas.openxmlformats.org/officeDocument/2006/relationships" xmlns:p="http://schemas.openxmlformats.org/presentationml/2006/main">
+  <p:cSld>
+    <p:spTree>
+      <p:nvGrpSpPr>
+        <p:cNvPr id="1" name=""/>
+        <p:cNvGrpSpPr/>
+        <p:nvPr/>
+      </p:nvGrpSpPr>
+      <p:grpSpPr>
+        <a:xfrm>
+          <a:off x="0" y="0"/>
+          <a:ext cx="0" cy="0"/>
+          <a:chOff x="0" y="0"/>
+          <a:chExt cx="0" cy="0"/>
+        </a:xfrm>
+      </p:grpSpPr>
+      <p:sp>
+        <p:nvSpPr>
+          <p:cNvPr id="2" name="Título 1">
+            <a:extLst>
+              <a:ext uri="{FF2B5EF4-FFF2-40B4-BE49-F238E27FC236}">
+                <a16:creationId xmlns:a16="http://schemas.microsoft.com/office/drawing/2014/main" id="{377BD591-FCF7-2D78-ACC2-925B5208196E}"/>
+              </a:ext>
+            </a:extLst>
+          </p:cNvPr>
+          <p:cNvSpPr>
+            <a:spLocks noGrp="1"/>
+          </p:cNvSpPr>
+          <p:nvPr>
+            <p:ph type="title"/>
+          </p:nvPr>
+        </p:nvSpPr>
+        <p:spPr/>
+        <p:txBody>
+          <a:bodyPr/>
+          <a:lstStyle/>
+          <a:p>
+            <a:r>
+              <a:rPr lang="pt-BR" dirty="0"/>
+              <a:t>Criando interface</a:t>
+            </a:r>
+          </a:p>
+        </p:txBody>
+      </p:sp>
+      <p:pic>
+        <p:nvPicPr>
+          <p:cNvPr id="5" name="Espaço Reservado para Conteúdo 4">
+            <a:extLst>
+              <a:ext uri="{FF2B5EF4-FFF2-40B4-BE49-F238E27FC236}">
+                <a16:creationId xmlns:a16="http://schemas.microsoft.com/office/drawing/2014/main" id="{64F0B923-501F-507D-4367-21F0B003B3E5}"/>
+              </a:ext>
+            </a:extLst>
+          </p:cNvPr>
+          <p:cNvPicPr>
+            <a:picLocks noGrp="1" noChangeAspect="1"/>
+          </p:cNvPicPr>
+          <p:nvPr>
+            <p:ph idx="1"/>
+          </p:nvPr>
+        </p:nvPicPr>
+        <p:blipFill>
+          <a:blip r:embed="rId2"/>
+          <a:stretch>
+            <a:fillRect/>
+          </a:stretch>
+        </p:blipFill>
+        <p:spPr>
+          <a:xfrm>
+            <a:off x="1261872" y="1899349"/>
+            <a:ext cx="7582958" cy="1352739"/>
+          </a:xfrm>
+          <a:prstGeom prst="rect">
+            <a:avLst/>
+          </a:prstGeom>
+          <a:ln>
+            <a:solidFill>
+              <a:srgbClr val="FF0000"/>
+            </a:solidFill>
+          </a:ln>
+        </p:spPr>
+      </p:pic>
+      <p:pic>
+        <p:nvPicPr>
+          <p:cNvPr id="7" name="Imagem 6">
+            <a:extLst>
+              <a:ext uri="{FF2B5EF4-FFF2-40B4-BE49-F238E27FC236}">
+                <a16:creationId xmlns:a16="http://schemas.microsoft.com/office/drawing/2014/main" id="{9A0A1BC1-C0AC-7105-D4EB-C98CD9BCAFF2}"/>
+              </a:ext>
+            </a:extLst>
+          </p:cNvPr>
+          <p:cNvPicPr>
+            <a:picLocks noChangeAspect="1"/>
+          </p:cNvPicPr>
+          <p:nvPr/>
+        </p:nvPicPr>
+        <p:blipFill>
+          <a:blip r:embed="rId3"/>
+          <a:stretch>
+            <a:fillRect/>
+          </a:stretch>
+        </p:blipFill>
+        <p:spPr>
+          <a:xfrm>
+            <a:off x="1261872" y="3351980"/>
+            <a:ext cx="5091303" cy="3506020"/>
+          </a:xfrm>
+          <a:prstGeom prst="rect">
+            <a:avLst/>
+          </a:prstGeom>
+          <a:ln>
+            <a:solidFill>
+              <a:srgbClr val="FF0000"/>
+            </a:solidFill>
+          </a:ln>
+        </p:spPr>
+      </p:pic>
+      <p:cxnSp>
+        <p:nvCxnSpPr>
+          <p:cNvPr id="9" name="Conector de Seta Reta 8">
+            <a:extLst>
+              <a:ext uri="{FF2B5EF4-FFF2-40B4-BE49-F238E27FC236}">
+                <a16:creationId xmlns:a16="http://schemas.microsoft.com/office/drawing/2014/main" id="{3C3CD101-A481-D169-5305-77E1D1F7B8D7}"/>
+              </a:ext>
+            </a:extLst>
+          </p:cNvPr>
+          <p:cNvCxnSpPr/>
+          <p:nvPr/>
+        </p:nvCxnSpPr>
+        <p:spPr>
+          <a:xfrm>
+            <a:off x="4956048" y="1984248"/>
+            <a:ext cx="621792" cy="0"/>
+          </a:xfrm>
+          <a:prstGeom prst="straightConnector1">
+            <a:avLst/>
+          </a:prstGeom>
+          <a:ln w="19050">
+            <a:solidFill>
+              <a:srgbClr val="FF0000"/>
+            </a:solidFill>
+            <a:tailEnd type="triangle"/>
+          </a:ln>
+        </p:spPr>
+        <p:style>
+          <a:lnRef idx="1">
+            <a:schemeClr val="accent1"/>
+          </a:lnRef>
+          <a:fillRef idx="0">
+            <a:schemeClr val="accent1"/>
+          </a:fillRef>
+          <a:effectRef idx="0">
+            <a:schemeClr val="accent1"/>
+          </a:effectRef>
+          <a:fontRef idx="minor">
+            <a:schemeClr val="tx1"/>
+          </a:fontRef>
+        </p:style>
+      </p:cxnSp>
+      <p:cxnSp>
+        <p:nvCxnSpPr>
+          <p:cNvPr id="10" name="Conector de Seta Reta 9">
+            <a:extLst>
+              <a:ext uri="{FF2B5EF4-FFF2-40B4-BE49-F238E27FC236}">
+                <a16:creationId xmlns:a16="http://schemas.microsoft.com/office/drawing/2014/main" id="{BE1659DC-4B3E-3EDF-DD69-C55D4B57493D}"/>
+              </a:ext>
+            </a:extLst>
+          </p:cNvPr>
+          <p:cNvCxnSpPr/>
+          <p:nvPr/>
+        </p:nvCxnSpPr>
+        <p:spPr>
+          <a:xfrm>
+            <a:off x="4431559" y="2575718"/>
+            <a:ext cx="621792" cy="0"/>
+          </a:xfrm>
+          <a:prstGeom prst="straightConnector1">
+            <a:avLst/>
+          </a:prstGeom>
+          <a:ln w="19050">
+            <a:solidFill>
+              <a:srgbClr val="FF0000"/>
+            </a:solidFill>
+            <a:tailEnd type="triangle"/>
+          </a:ln>
+        </p:spPr>
+        <p:style>
+          <a:lnRef idx="1">
+            <a:schemeClr val="accent1"/>
+          </a:lnRef>
+          <a:fillRef idx="0">
+            <a:schemeClr val="accent1"/>
+          </a:fillRef>
+          <a:effectRef idx="0">
+            <a:schemeClr val="accent1"/>
+          </a:effectRef>
+          <a:fontRef idx="minor">
+            <a:schemeClr val="tx1"/>
+          </a:fontRef>
+        </p:style>
+      </p:cxnSp>
+      <p:cxnSp>
+        <p:nvCxnSpPr>
+          <p:cNvPr id="11" name="Conector de Seta Reta 10">
+            <a:extLst>
+              <a:ext uri="{FF2B5EF4-FFF2-40B4-BE49-F238E27FC236}">
+                <a16:creationId xmlns:a16="http://schemas.microsoft.com/office/drawing/2014/main" id="{438A2E03-0E1B-189F-7FF1-ED4AF5D0D590}"/>
+              </a:ext>
+            </a:extLst>
+          </p:cNvPr>
+          <p:cNvCxnSpPr>
+            <a:cxnSpLocks/>
+          </p:cNvCxnSpPr>
+          <p:nvPr/>
+        </p:nvCxnSpPr>
+        <p:spPr>
+          <a:xfrm flipH="1">
+            <a:off x="2206286" y="2816928"/>
+            <a:ext cx="344890" cy="323404"/>
+          </a:xfrm>
+          <a:prstGeom prst="straightConnector1">
+            <a:avLst/>
+          </a:prstGeom>
+          <a:ln w="19050">
+            <a:solidFill>
+              <a:srgbClr val="FF0000"/>
+            </a:solidFill>
+            <a:tailEnd type="triangle"/>
+          </a:ln>
+        </p:spPr>
+        <p:style>
+          <a:lnRef idx="1">
+            <a:schemeClr val="accent1"/>
+          </a:lnRef>
+          <a:fillRef idx="0">
+            <a:schemeClr val="accent1"/>
+          </a:fillRef>
+          <a:effectRef idx="0">
+            <a:schemeClr val="accent1"/>
+          </a:effectRef>
+          <a:fontRef idx="minor">
+            <a:schemeClr val="tx1"/>
+          </a:fontRef>
+        </p:style>
+      </p:cxnSp>
+      <p:pic>
+        <p:nvPicPr>
+          <p:cNvPr id="14" name="Imagem 13">
+            <a:extLst>
+              <a:ext uri="{FF2B5EF4-FFF2-40B4-BE49-F238E27FC236}">
+                <a16:creationId xmlns:a16="http://schemas.microsoft.com/office/drawing/2014/main" id="{31C42942-2C0F-0292-2C42-2FCA04D1D58B}"/>
+              </a:ext>
+            </a:extLst>
+          </p:cNvPr>
+          <p:cNvPicPr>
+            <a:picLocks noChangeAspect="1"/>
+          </p:cNvPicPr>
+          <p:nvPr/>
+        </p:nvPicPr>
+        <p:blipFill>
+          <a:blip r:embed="rId4"/>
+          <a:stretch>
+            <a:fillRect/>
+          </a:stretch>
+        </p:blipFill>
+        <p:spPr>
+          <a:xfrm>
+            <a:off x="6558505" y="3399605"/>
+            <a:ext cx="4082971" cy="2058220"/>
+          </a:xfrm>
+          <a:prstGeom prst="rect">
+            <a:avLst/>
+          </a:prstGeom>
+        </p:spPr>
+      </p:pic>
+    </p:spTree>
+    <p:extLst>
+      <p:ext uri="{BB962C8B-B14F-4D97-AF65-F5344CB8AC3E}">
+        <p14:creationId xmlns:p14="http://schemas.microsoft.com/office/powerpoint/2010/main" val="297182358"/>
+      </p:ext>
+    </p:extLst>
+  </p:cSld>
+  <p:clrMapOvr>
+    <a:masterClrMapping/>
+  </p:clrMapOvr>
+</p:sld>
+</file>
+
+<file path=ppt/slides/slide22.xml><?xml version="1.0" encoding="utf-8"?>
+<p:sld xmlns:a="http://schemas.openxmlformats.org/drawingml/2006/main" xmlns:r="http://schemas.openxmlformats.org/officeDocument/2006/relationships" xmlns:p="http://schemas.openxmlformats.org/presentationml/2006/main">
+  <p:cSld>
+    <p:spTree>
+      <p:nvGrpSpPr>
+        <p:cNvPr id="1" name=""/>
+        <p:cNvGrpSpPr/>
+        <p:nvPr/>
+      </p:nvGrpSpPr>
+      <p:grpSpPr>
+        <a:xfrm>
+          <a:off x="0" y="0"/>
+          <a:ext cx="0" cy="0"/>
+          <a:chOff x="0" y="0"/>
+          <a:chExt cx="0" cy="0"/>
+        </a:xfrm>
+      </p:grpSpPr>
+      <p:sp>
+        <p:nvSpPr>
+          <p:cNvPr id="2" name="Título 1">
+            <a:extLst>
+              <a:ext uri="{FF2B5EF4-FFF2-40B4-BE49-F238E27FC236}">
+                <a16:creationId xmlns:a16="http://schemas.microsoft.com/office/drawing/2014/main" id="{1DDBA80A-4116-1D63-2A7B-F44DE70220E0}"/>
+              </a:ext>
+            </a:extLst>
+          </p:cNvPr>
+          <p:cNvSpPr>
+            <a:spLocks noGrp="1"/>
+          </p:cNvSpPr>
+          <p:nvPr>
+            <p:ph type="title"/>
+          </p:nvPr>
+        </p:nvSpPr>
+        <p:spPr/>
+        <p:txBody>
+          <a:bodyPr/>
+          <a:lstStyle/>
+          <a:p>
+            <a:r>
+              <a:rPr lang="pt-BR" dirty="0" err="1"/>
+              <a:t>IClassificacaoRepository</a:t>
+            </a:r>
+            <a:endParaRPr lang="pt-BR" dirty="0"/>
+          </a:p>
+        </p:txBody>
+      </p:sp>
+      <p:pic>
+        <p:nvPicPr>
+          <p:cNvPr id="5" name="Espaço Reservado para Conteúdo 4">
+            <a:extLst>
+              <a:ext uri="{FF2B5EF4-FFF2-40B4-BE49-F238E27FC236}">
+                <a16:creationId xmlns:a16="http://schemas.microsoft.com/office/drawing/2014/main" id="{92208DEB-E4D7-A660-9051-773D005CC29E}"/>
+              </a:ext>
+            </a:extLst>
+          </p:cNvPr>
+          <p:cNvPicPr>
+            <a:picLocks noGrp="1" noChangeAspect="1"/>
+          </p:cNvPicPr>
+          <p:nvPr>
+            <p:ph idx="1"/>
+          </p:nvPr>
+        </p:nvPicPr>
+        <p:blipFill>
+          <a:blip r:embed="rId2"/>
+          <a:stretch>
+            <a:fillRect/>
+          </a:stretch>
+        </p:blipFill>
+        <p:spPr>
+          <a:xfrm>
+            <a:off x="1261872" y="1941875"/>
+            <a:ext cx="5010849" cy="3448531"/>
+          </a:xfrm>
+          <a:prstGeom prst="rect">
+            <a:avLst/>
+          </a:prstGeom>
+          <a:ln>
+            <a:solidFill>
+              <a:srgbClr val="FF0000"/>
+            </a:solidFill>
+          </a:ln>
+        </p:spPr>
+      </p:pic>
+      <p:sp>
+        <p:nvSpPr>
+          <p:cNvPr id="6" name="CaixaDeTexto 5">
+            <a:extLst>
+              <a:ext uri="{FF2B5EF4-FFF2-40B4-BE49-F238E27FC236}">
+                <a16:creationId xmlns:a16="http://schemas.microsoft.com/office/drawing/2014/main" id="{997C6C5C-A602-7C17-0E4B-081DCD0D9837}"/>
+              </a:ext>
+            </a:extLst>
+          </p:cNvPr>
+          <p:cNvSpPr txBox="1"/>
+          <p:nvPr/>
+        </p:nvSpPr>
+        <p:spPr>
+          <a:xfrm>
+            <a:off x="6812280" y="2057400"/>
+            <a:ext cx="4251960" cy="2308324"/>
+          </a:xfrm>
+          <a:prstGeom prst="rect">
+            <a:avLst/>
+          </a:prstGeom>
+          <a:noFill/>
+        </p:spPr>
+        <p:txBody>
+          <a:bodyPr wrap="square" rtlCol="0">
+            <a:spAutoFit/>
+          </a:bodyPr>
+          <a:lstStyle/>
+          <a:p>
+            <a:r>
+              <a:rPr lang="pt-BR" dirty="0"/>
+              <a:t>Task é uma tarefa, para gerar uma lista</a:t>
+            </a:r>
+          </a:p>
+          <a:p>
+            <a:r>
+              <a:rPr lang="pt-BR" dirty="0" err="1"/>
+              <a:t>GetAllAsync</a:t>
+            </a:r>
+            <a:r>
+              <a:rPr lang="pt-BR" dirty="0"/>
+              <a:t>()</a:t>
+            </a:r>
+          </a:p>
+          <a:p>
+            <a:r>
+              <a:rPr lang="pt-BR" dirty="0"/>
+              <a:t>O </a:t>
+            </a:r>
+            <a:r>
+              <a:rPr lang="pt-BR" dirty="0" err="1"/>
+              <a:t>async</a:t>
+            </a:r>
+            <a:r>
+              <a:rPr lang="pt-BR" dirty="0"/>
+              <a:t> é para rodar diversas tarefas assíncronas, isso faz com que varias tarefas sejam executadas ao mesmo tempo para não travar o fluxo de </a:t>
+            </a:r>
+            <a:r>
+              <a:rPr lang="pt-BR" dirty="0" err="1"/>
+              <a:t>codigo</a:t>
+            </a:r>
+            <a:endParaRPr lang="pt-BR" dirty="0"/>
+          </a:p>
+        </p:txBody>
+      </p:sp>
+      <p:sp>
+        <p:nvSpPr>
+          <p:cNvPr id="7" name="CaixaDeTexto 6">
+            <a:extLst>
+              <a:ext uri="{FF2B5EF4-FFF2-40B4-BE49-F238E27FC236}">
+                <a16:creationId xmlns:a16="http://schemas.microsoft.com/office/drawing/2014/main" id="{9D5B683D-2292-34D4-83EB-645F98739073}"/>
+              </a:ext>
+            </a:extLst>
+          </p:cNvPr>
+          <p:cNvSpPr txBox="1"/>
+          <p:nvPr/>
+        </p:nvSpPr>
+        <p:spPr>
+          <a:xfrm>
+            <a:off x="6711696" y="4654296"/>
+            <a:ext cx="3767328" cy="1754326"/>
+          </a:xfrm>
+          <a:prstGeom prst="rect">
+            <a:avLst/>
+          </a:prstGeom>
+          <a:noFill/>
+        </p:spPr>
+        <p:txBody>
+          <a:bodyPr wrap="square" rtlCol="0">
+            <a:spAutoFit/>
+          </a:bodyPr>
+          <a:lstStyle/>
+          <a:p>
+            <a:r>
+              <a:rPr lang="pt-BR" dirty="0">
+                <a:solidFill>
+                  <a:srgbClr val="FF0000"/>
+                </a:solidFill>
+              </a:rPr>
+              <a:t>Todas interfaces se baseiam nessa assinatura de </a:t>
+            </a:r>
+            <a:r>
+              <a:rPr lang="pt-BR" dirty="0" err="1">
+                <a:solidFill>
+                  <a:srgbClr val="FF0000"/>
+                </a:solidFill>
+              </a:rPr>
+              <a:t>crud</a:t>
+            </a:r>
+            <a:r>
+              <a:rPr lang="pt-BR" dirty="0">
+                <a:solidFill>
+                  <a:srgbClr val="FF0000"/>
+                </a:solidFill>
+              </a:rPr>
+              <a:t>, com exceção do usuário que tem o método de ativar inativar</a:t>
+            </a:r>
+          </a:p>
+          <a:p>
+            <a:r>
+              <a:rPr lang="pt-BR" dirty="0">
+                <a:solidFill>
+                  <a:srgbClr val="FF0000"/>
+                </a:solidFill>
+              </a:rPr>
+              <a:t>E filme que pode ter a lista para filtrar</a:t>
+            </a:r>
+          </a:p>
+        </p:txBody>
+      </p:sp>
+    </p:spTree>
+    <p:extLst>
+      <p:ext uri="{BB962C8B-B14F-4D97-AF65-F5344CB8AC3E}">
+        <p14:creationId xmlns:p14="http://schemas.microsoft.com/office/powerpoint/2010/main" val="3915567810"/>
+      </p:ext>
+    </p:extLst>
+  </p:cSld>
+  <p:clrMapOvr>
+    <a:masterClrMapping/>
+  </p:clrMapOvr>
+</p:sld>
+</file>
+
+<file path=ppt/slides/slide23.xml><?xml version="1.0" encoding="utf-8"?>
+<p:sld xmlns:a="http://schemas.openxmlformats.org/drawingml/2006/main" xmlns:r="http://schemas.openxmlformats.org/officeDocument/2006/relationships" xmlns:p="http://schemas.openxmlformats.org/presentationml/2006/main">
+  <p:cSld>
+    <p:spTree>
+      <p:nvGrpSpPr>
+        <p:cNvPr id="1" name=""/>
+        <p:cNvGrpSpPr/>
+        <p:nvPr/>
+      </p:nvGrpSpPr>
+      <p:grpSpPr>
+        <a:xfrm>
+          <a:off x="0" y="0"/>
+          <a:ext cx="0" cy="0"/>
+          <a:chOff x="0" y="0"/>
+          <a:chExt cx="0" cy="0"/>
+        </a:xfrm>
+      </p:grpSpPr>
+      <p:sp>
+        <p:nvSpPr>
+          <p:cNvPr id="2" name="Título 1">
+            <a:extLst>
+              <a:ext uri="{FF2B5EF4-FFF2-40B4-BE49-F238E27FC236}">
+                <a16:creationId xmlns:a16="http://schemas.microsoft.com/office/drawing/2014/main" id="{EF5E44F6-1E30-F5CF-05D6-6AD089FC3D3D}"/>
+              </a:ext>
+            </a:extLst>
+          </p:cNvPr>
+          <p:cNvSpPr>
+            <a:spLocks noGrp="1"/>
+          </p:cNvSpPr>
+          <p:nvPr>
+            <p:ph type="title"/>
+          </p:nvPr>
+        </p:nvSpPr>
+        <p:spPr/>
+        <p:txBody>
+          <a:bodyPr/>
+          <a:lstStyle/>
+          <a:p>
+            <a:r>
+              <a:rPr lang="pt-BR" dirty="0" err="1"/>
+              <a:t>IUsuarioRepository</a:t>
+            </a:r>
+            <a:endParaRPr lang="pt-BR" dirty="0"/>
+          </a:p>
+        </p:txBody>
+      </p:sp>
+      <p:pic>
+        <p:nvPicPr>
+          <p:cNvPr id="5" name="Espaço Reservado para Conteúdo 4">
+            <a:extLst>
+              <a:ext uri="{FF2B5EF4-FFF2-40B4-BE49-F238E27FC236}">
+                <a16:creationId xmlns:a16="http://schemas.microsoft.com/office/drawing/2014/main" id="{AAD8E581-7679-2E2D-5757-149222388682}"/>
+              </a:ext>
+            </a:extLst>
+          </p:cNvPr>
+          <p:cNvPicPr>
+            <a:picLocks noGrp="1" noChangeAspect="1"/>
+          </p:cNvPicPr>
+          <p:nvPr>
+            <p:ph idx="1"/>
+          </p:nvPr>
+        </p:nvPicPr>
+        <p:blipFill>
+          <a:blip r:embed="rId2"/>
+          <a:stretch>
+            <a:fillRect/>
+          </a:stretch>
+        </p:blipFill>
+        <p:spPr>
+          <a:xfrm>
+            <a:off x="2525289" y="2103966"/>
+            <a:ext cx="6068272" cy="3801005"/>
+          </a:xfrm>
+          <a:prstGeom prst="rect">
+            <a:avLst/>
+          </a:prstGeom>
+          <a:ln>
+            <a:solidFill>
+              <a:srgbClr val="FF0000"/>
+            </a:solidFill>
+          </a:ln>
+        </p:spPr>
+      </p:pic>
+    </p:spTree>
+    <p:extLst>
+      <p:ext uri="{BB962C8B-B14F-4D97-AF65-F5344CB8AC3E}">
+        <p14:creationId xmlns:p14="http://schemas.microsoft.com/office/powerpoint/2010/main" val="534906692"/>
+      </p:ext>
+    </p:extLst>
+  </p:cSld>
+  <p:clrMapOvr>
+    <a:masterClrMapping/>
+  </p:clrMapOvr>
+</p:sld>
+</file>
+
+<file path=ppt/slides/slide24.xml><?xml version="1.0" encoding="utf-8"?>
+<p:sld xmlns:a="http://schemas.openxmlformats.org/drawingml/2006/main" xmlns:r="http://schemas.openxmlformats.org/officeDocument/2006/relationships" xmlns:p="http://schemas.openxmlformats.org/presentationml/2006/main">
+  <p:cSld>
+    <p:spTree>
+      <p:nvGrpSpPr>
+        <p:cNvPr id="1" name=""/>
+        <p:cNvGrpSpPr/>
+        <p:nvPr/>
+      </p:nvGrpSpPr>
+      <p:grpSpPr>
+        <a:xfrm>
+          <a:off x="0" y="0"/>
+          <a:ext cx="0" cy="0"/>
+          <a:chOff x="0" y="0"/>
+          <a:chExt cx="0" cy="0"/>
+        </a:xfrm>
+      </p:grpSpPr>
+      <p:sp>
+        <p:nvSpPr>
+          <p:cNvPr id="2" name="Título 1">
+            <a:extLst>
+              <a:ext uri="{FF2B5EF4-FFF2-40B4-BE49-F238E27FC236}">
+                <a16:creationId xmlns:a16="http://schemas.microsoft.com/office/drawing/2014/main" id="{44EF01C5-CA19-A27F-154B-B30ABA4EA132}"/>
+              </a:ext>
+            </a:extLst>
+          </p:cNvPr>
+          <p:cNvSpPr>
+            <a:spLocks noGrp="1"/>
+          </p:cNvSpPr>
+          <p:nvPr>
+            <p:ph type="title"/>
+          </p:nvPr>
+        </p:nvSpPr>
+        <p:spPr/>
+        <p:txBody>
+          <a:bodyPr/>
+          <a:lstStyle/>
+          <a:p>
+            <a:r>
+              <a:rPr lang="pt-BR" dirty="0" err="1"/>
+              <a:t>Repositories</a:t>
+            </a:r>
+            <a:endParaRPr lang="pt-BR" dirty="0"/>
+          </a:p>
+        </p:txBody>
+      </p:sp>
+      <p:pic>
+        <p:nvPicPr>
+          <p:cNvPr id="5" name="Espaço Reservado para Conteúdo 4">
+            <a:extLst>
+              <a:ext uri="{FF2B5EF4-FFF2-40B4-BE49-F238E27FC236}">
+                <a16:creationId xmlns:a16="http://schemas.microsoft.com/office/drawing/2014/main" id="{3CB53F45-AB32-4CD2-B4D1-8F5E28A5A557}"/>
+              </a:ext>
+            </a:extLst>
+          </p:cNvPr>
+          <p:cNvPicPr>
+            <a:picLocks noGrp="1" noChangeAspect="1"/>
+          </p:cNvPicPr>
+          <p:nvPr>
+            <p:ph idx="1"/>
+          </p:nvPr>
+        </p:nvPicPr>
+        <p:blipFill>
+          <a:blip r:embed="rId2"/>
+          <a:stretch>
+            <a:fillRect/>
+          </a:stretch>
+        </p:blipFill>
+        <p:spPr>
+          <a:xfrm>
+            <a:off x="1261872" y="1691322"/>
+            <a:ext cx="4387675" cy="2585403"/>
+          </a:xfrm>
+          <a:prstGeom prst="rect">
+            <a:avLst/>
+          </a:prstGeom>
+          <a:ln>
+            <a:solidFill>
+              <a:srgbClr val="FF0000"/>
+            </a:solidFill>
+          </a:ln>
+        </p:spPr>
+      </p:pic>
+      <p:pic>
+        <p:nvPicPr>
+          <p:cNvPr id="7" name="Imagem 6">
+            <a:extLst>
+              <a:ext uri="{FF2B5EF4-FFF2-40B4-BE49-F238E27FC236}">
+                <a16:creationId xmlns:a16="http://schemas.microsoft.com/office/drawing/2014/main" id="{C114E24C-B8A4-289D-E478-64708022296A}"/>
+              </a:ext>
+            </a:extLst>
+          </p:cNvPr>
+          <p:cNvPicPr>
+            <a:picLocks noChangeAspect="1"/>
+          </p:cNvPicPr>
+          <p:nvPr/>
+        </p:nvPicPr>
+        <p:blipFill>
+          <a:blip r:embed="rId3"/>
+          <a:stretch>
+            <a:fillRect/>
+          </a:stretch>
+        </p:blipFill>
+        <p:spPr>
+          <a:xfrm>
+            <a:off x="5967984" y="3249199"/>
+            <a:ext cx="4482138" cy="3110347"/>
+          </a:xfrm>
+          <a:prstGeom prst="rect">
+            <a:avLst/>
+          </a:prstGeom>
+          <a:ln>
+            <a:solidFill>
+              <a:srgbClr val="FF0000"/>
+            </a:solidFill>
+          </a:ln>
+        </p:spPr>
+      </p:pic>
+      <p:sp>
+        <p:nvSpPr>
+          <p:cNvPr id="8" name="CaixaDeTexto 7">
+            <a:extLst>
+              <a:ext uri="{FF2B5EF4-FFF2-40B4-BE49-F238E27FC236}">
+                <a16:creationId xmlns:a16="http://schemas.microsoft.com/office/drawing/2014/main" id="{F71331E6-4E5C-AA8A-6DE9-FBBF8AC85ED8}"/>
+              </a:ext>
+            </a:extLst>
+          </p:cNvPr>
+          <p:cNvSpPr txBox="1"/>
+          <p:nvPr/>
+        </p:nvSpPr>
+        <p:spPr>
+          <a:xfrm>
+            <a:off x="5934456" y="1563624"/>
+            <a:ext cx="4480560" cy="1200329"/>
+          </a:xfrm>
+          <a:prstGeom prst="rect">
+            <a:avLst/>
+          </a:prstGeom>
+          <a:noFill/>
+        </p:spPr>
+        <p:txBody>
+          <a:bodyPr wrap="square" rtlCol="0">
+            <a:spAutoFit/>
+          </a:bodyPr>
+          <a:lstStyle/>
+          <a:p>
+            <a:r>
+              <a:rPr lang="pt-BR" dirty="0"/>
+              <a:t>Cada interface precisa ter sua classe base, que no caso são os repositor.</a:t>
+            </a:r>
+          </a:p>
+          <a:p>
+            <a:r>
+              <a:rPr lang="pt-BR" dirty="0"/>
+              <a:t>Esses contém o mesmo nome, porém sem o “I” no começo.</a:t>
+            </a:r>
+          </a:p>
+        </p:txBody>
+      </p:sp>
+      <p:sp>
+        <p:nvSpPr>
+          <p:cNvPr id="9" name="CaixaDeTexto 8">
+            <a:extLst>
+              <a:ext uri="{FF2B5EF4-FFF2-40B4-BE49-F238E27FC236}">
+                <a16:creationId xmlns:a16="http://schemas.microsoft.com/office/drawing/2014/main" id="{07B80463-2754-2821-525C-78A9E1062476}"/>
+              </a:ext>
+            </a:extLst>
+          </p:cNvPr>
+          <p:cNvSpPr txBox="1"/>
+          <p:nvPr/>
+        </p:nvSpPr>
+        <p:spPr>
+          <a:xfrm>
+            <a:off x="1328206" y="4566513"/>
+            <a:ext cx="4480560" cy="923330"/>
+          </a:xfrm>
+          <a:prstGeom prst="rect">
+            <a:avLst/>
+          </a:prstGeom>
+          <a:noFill/>
+        </p:spPr>
+        <p:txBody>
+          <a:bodyPr wrap="square" rtlCol="0">
+            <a:spAutoFit/>
+          </a:bodyPr>
+          <a:lstStyle/>
+          <a:p>
+            <a:r>
+              <a:rPr lang="pt-BR" dirty="0"/>
+              <a:t>São eles que vão herdar as regras da interface, assim que forem implementados</a:t>
+            </a:r>
+          </a:p>
+        </p:txBody>
+      </p:sp>
+    </p:spTree>
+    <p:extLst>
+      <p:ext uri="{BB962C8B-B14F-4D97-AF65-F5344CB8AC3E}">
+        <p14:creationId xmlns:p14="http://schemas.microsoft.com/office/powerpoint/2010/main" val="85506870"/>
+      </p:ext>
+    </p:extLst>
+  </p:cSld>
+  <p:clrMapOvr>
+    <a:masterClrMapping/>
+  </p:clrMapOvr>
+</p:sld>
+</file>
+
+<file path=ppt/slides/slide25.xml><?xml version="1.0" encoding="utf-8"?>
+<p:sld xmlns:a="http://schemas.openxmlformats.org/drawingml/2006/main" xmlns:r="http://schemas.openxmlformats.org/officeDocument/2006/relationships" xmlns:p="http://schemas.openxmlformats.org/presentationml/2006/main">
+  <p:cSld>
+    <p:spTree>
+      <p:nvGrpSpPr>
+        <p:cNvPr id="1" name=""/>
+        <p:cNvGrpSpPr/>
+        <p:nvPr/>
+      </p:nvGrpSpPr>
+      <p:grpSpPr>
+        <a:xfrm>
+          <a:off x="0" y="0"/>
+          <a:ext cx="0" cy="0"/>
+          <a:chOff x="0" y="0"/>
+          <a:chExt cx="0" cy="0"/>
+        </a:xfrm>
+      </p:grpSpPr>
+      <p:sp>
+        <p:nvSpPr>
+          <p:cNvPr id="2" name="Título 1">
+            <a:extLst>
+              <a:ext uri="{FF2B5EF4-FFF2-40B4-BE49-F238E27FC236}">
+                <a16:creationId xmlns:a16="http://schemas.microsoft.com/office/drawing/2014/main" id="{13B6436F-C3D1-3FA7-46D0-9FB4F5D35320}"/>
+              </a:ext>
+            </a:extLst>
+          </p:cNvPr>
+          <p:cNvSpPr>
+            <a:spLocks noGrp="1"/>
+          </p:cNvSpPr>
+          <p:nvPr>
+            <p:ph type="title"/>
+          </p:nvPr>
+        </p:nvSpPr>
+        <p:spPr/>
+        <p:txBody>
+          <a:bodyPr/>
+          <a:lstStyle/>
+          <a:p>
+            <a:r>
+              <a:rPr lang="pt-BR" dirty="0" err="1"/>
+              <a:t>ClassificacaoRepository</a:t>
+            </a:r>
+            <a:endParaRPr lang="pt-BR" dirty="0"/>
+          </a:p>
+        </p:txBody>
+      </p:sp>
+      <p:pic>
+        <p:nvPicPr>
+          <p:cNvPr id="5" name="Espaço Reservado para Conteúdo 4">
+            <a:extLst>
+              <a:ext uri="{FF2B5EF4-FFF2-40B4-BE49-F238E27FC236}">
+                <a16:creationId xmlns:a16="http://schemas.microsoft.com/office/drawing/2014/main" id="{82EDA9FF-71C1-A454-911A-F1B0C64BDEC3}"/>
+              </a:ext>
+            </a:extLst>
+          </p:cNvPr>
+          <p:cNvPicPr>
+            <a:picLocks noGrp="1" noChangeAspect="1"/>
+          </p:cNvPicPr>
+          <p:nvPr>
+            <p:ph idx="1"/>
+          </p:nvPr>
+        </p:nvPicPr>
+        <p:blipFill>
+          <a:blip r:embed="rId2"/>
+          <a:stretch>
+            <a:fillRect/>
+          </a:stretch>
+        </p:blipFill>
+        <p:spPr>
+          <a:xfrm>
+            <a:off x="1261873" y="1647576"/>
+            <a:ext cx="3877056" cy="1163739"/>
+          </a:xfrm>
+          <a:prstGeom prst="rect">
+            <a:avLst/>
+          </a:prstGeom>
+          <a:ln>
+            <a:solidFill>
+              <a:srgbClr val="FF0000"/>
+            </a:solidFill>
+          </a:ln>
+        </p:spPr>
+      </p:pic>
+      <p:pic>
+        <p:nvPicPr>
+          <p:cNvPr id="7" name="Imagem 6">
+            <a:extLst>
+              <a:ext uri="{FF2B5EF4-FFF2-40B4-BE49-F238E27FC236}">
+                <a16:creationId xmlns:a16="http://schemas.microsoft.com/office/drawing/2014/main" id="{E5B9D0F2-A861-2E66-A9E9-C32918514CA6}"/>
+              </a:ext>
+            </a:extLst>
+          </p:cNvPr>
+          <p:cNvPicPr>
+            <a:picLocks noChangeAspect="1"/>
+          </p:cNvPicPr>
+          <p:nvPr/>
+        </p:nvPicPr>
+        <p:blipFill>
+          <a:blip r:embed="rId3"/>
+          <a:stretch>
+            <a:fillRect/>
+          </a:stretch>
+        </p:blipFill>
+        <p:spPr>
+          <a:xfrm>
+            <a:off x="1261872" y="3157406"/>
+            <a:ext cx="3877056" cy="3161067"/>
+          </a:xfrm>
+          <a:prstGeom prst="rect">
+            <a:avLst/>
+          </a:prstGeom>
+          <a:ln>
+            <a:solidFill>
+              <a:srgbClr val="FF0000"/>
+            </a:solidFill>
+          </a:ln>
+        </p:spPr>
+      </p:pic>
+      <p:sp>
+        <p:nvSpPr>
+          <p:cNvPr id="8" name="CaixaDeTexto 7">
+            <a:extLst>
+              <a:ext uri="{FF2B5EF4-FFF2-40B4-BE49-F238E27FC236}">
+                <a16:creationId xmlns:a16="http://schemas.microsoft.com/office/drawing/2014/main" id="{618D23F4-A327-47DC-12D2-536C64107DB3}"/>
+              </a:ext>
+            </a:extLst>
+          </p:cNvPr>
+          <p:cNvSpPr txBox="1"/>
+          <p:nvPr/>
+        </p:nvSpPr>
+        <p:spPr>
+          <a:xfrm>
+            <a:off x="5221224" y="1965960"/>
+            <a:ext cx="3355848" cy="369332"/>
+          </a:xfrm>
+          <a:prstGeom prst="rect">
+            <a:avLst/>
+          </a:prstGeom>
+          <a:noFill/>
+        </p:spPr>
+        <p:txBody>
+          <a:bodyPr wrap="square" rtlCol="0">
+            <a:spAutoFit/>
+          </a:bodyPr>
+          <a:lstStyle/>
+          <a:p>
+            <a:r>
+              <a:rPr lang="pt-BR" dirty="0"/>
+              <a:t>herdamos da interface</a:t>
+            </a:r>
+          </a:p>
+        </p:txBody>
+      </p:sp>
+      <p:sp>
+        <p:nvSpPr>
+          <p:cNvPr id="9" name="CaixaDeTexto 8">
+            <a:extLst>
+              <a:ext uri="{FF2B5EF4-FFF2-40B4-BE49-F238E27FC236}">
+                <a16:creationId xmlns:a16="http://schemas.microsoft.com/office/drawing/2014/main" id="{0B5329ED-D2E4-61C6-F16C-912F7898CCC5}"/>
+              </a:ext>
+            </a:extLst>
+          </p:cNvPr>
+          <p:cNvSpPr txBox="1"/>
+          <p:nvPr/>
+        </p:nvSpPr>
+        <p:spPr>
+          <a:xfrm>
+            <a:off x="5375150" y="3429000"/>
+            <a:ext cx="3355848" cy="369332"/>
+          </a:xfrm>
+          <a:prstGeom prst="rect">
+            <a:avLst/>
+          </a:prstGeom>
+          <a:noFill/>
+        </p:spPr>
+        <p:txBody>
+          <a:bodyPr wrap="square" rtlCol="0">
+            <a:spAutoFit/>
+          </a:bodyPr>
+          <a:lstStyle/>
+          <a:p>
+            <a:r>
+              <a:rPr lang="pt-BR" dirty="0"/>
+              <a:t>Implementamos</a:t>
+            </a:r>
+          </a:p>
+        </p:txBody>
+      </p:sp>
+    </p:spTree>
+    <p:extLst>
+      <p:ext uri="{BB962C8B-B14F-4D97-AF65-F5344CB8AC3E}">
+        <p14:creationId xmlns:p14="http://schemas.microsoft.com/office/powerpoint/2010/main" val="2323368498"/>
+      </p:ext>
+    </p:extLst>
+  </p:cSld>
+  <p:clrMapOvr>
+    <a:masterClrMapping/>
+  </p:clrMapOvr>
+</p:sld>
+</file>
+
+<file path=ppt/slides/slide26.xml><?xml version="1.0" encoding="utf-8"?>
+<p:sld xmlns:a="http://schemas.openxmlformats.org/drawingml/2006/main" xmlns:r="http://schemas.openxmlformats.org/officeDocument/2006/relationships" xmlns:p="http://schemas.openxmlformats.org/presentationml/2006/main">
+  <p:cSld>
+    <p:spTree>
+      <p:nvGrpSpPr>
+        <p:cNvPr id="1" name=""/>
+        <p:cNvGrpSpPr/>
+        <p:nvPr/>
+      </p:nvGrpSpPr>
+      <p:grpSpPr>
+        <a:xfrm>
+          <a:off x="0" y="0"/>
+          <a:ext cx="0" cy="0"/>
+          <a:chOff x="0" y="0"/>
+          <a:chExt cx="0" cy="0"/>
+        </a:xfrm>
+      </p:grpSpPr>
+      <p:sp>
+        <p:nvSpPr>
+          <p:cNvPr id="2" name="Título 1">
+            <a:extLst>
+              <a:ext uri="{FF2B5EF4-FFF2-40B4-BE49-F238E27FC236}">
+                <a16:creationId xmlns:a16="http://schemas.microsoft.com/office/drawing/2014/main" id="{2B9CD5CA-2C16-3619-6F00-A4617B57AEE5}"/>
+              </a:ext>
+            </a:extLst>
+          </p:cNvPr>
+          <p:cNvSpPr>
+            <a:spLocks noGrp="1"/>
+          </p:cNvSpPr>
+          <p:nvPr>
+            <p:ph type="title"/>
+          </p:nvPr>
+        </p:nvSpPr>
+        <p:spPr/>
+        <p:txBody>
+          <a:bodyPr/>
+          <a:lstStyle/>
+          <a:p>
+            <a:endParaRPr lang="pt-BR"/>
+          </a:p>
+        </p:txBody>
+      </p:sp>
+      <p:pic>
+        <p:nvPicPr>
+          <p:cNvPr id="5" name="Espaço Reservado para Conteúdo 4">
+            <a:extLst>
+              <a:ext uri="{FF2B5EF4-FFF2-40B4-BE49-F238E27FC236}">
+                <a16:creationId xmlns:a16="http://schemas.microsoft.com/office/drawing/2014/main" id="{77EBA020-38C8-5610-6555-2124FE61B238}"/>
+              </a:ext>
+            </a:extLst>
+          </p:cNvPr>
+          <p:cNvPicPr>
+            <a:picLocks noGrp="1" noChangeAspect="1"/>
+          </p:cNvPicPr>
+          <p:nvPr>
+            <p:ph idx="1"/>
+          </p:nvPr>
+        </p:nvPicPr>
+        <p:blipFill>
+          <a:blip r:embed="rId2"/>
+          <a:stretch>
+            <a:fillRect/>
+          </a:stretch>
+        </p:blipFill>
+        <p:spPr>
+          <a:xfrm>
+            <a:off x="1261872" y="1883664"/>
+            <a:ext cx="6637894" cy="4351338"/>
+          </a:xfrm>
+          <a:prstGeom prst="rect">
+            <a:avLst/>
+          </a:prstGeom>
+        </p:spPr>
+      </p:pic>
+      <p:sp>
+        <p:nvSpPr>
+          <p:cNvPr id="6" name="CaixaDeTexto 5">
+            <a:extLst>
+              <a:ext uri="{FF2B5EF4-FFF2-40B4-BE49-F238E27FC236}">
+                <a16:creationId xmlns:a16="http://schemas.microsoft.com/office/drawing/2014/main" id="{C9F692C6-0CD5-9F2B-5877-EE4C064B56E9}"/>
+              </a:ext>
+            </a:extLst>
+          </p:cNvPr>
+          <p:cNvSpPr txBox="1"/>
+          <p:nvPr/>
+        </p:nvSpPr>
+        <p:spPr>
+          <a:xfrm>
+            <a:off x="7717536" y="4389120"/>
+            <a:ext cx="2889504" cy="523220"/>
+          </a:xfrm>
+          <a:prstGeom prst="rect">
+            <a:avLst/>
+          </a:prstGeom>
+          <a:noFill/>
+        </p:spPr>
+        <p:txBody>
+          <a:bodyPr wrap="square" rtlCol="0">
+            <a:spAutoFit/>
+          </a:bodyPr>
+          <a:lstStyle/>
+          <a:p>
+            <a:r>
+              <a:rPr lang="pt-BR" sz="1400" dirty="0" err="1">
+                <a:solidFill>
+                  <a:srgbClr val="FF0000"/>
+                </a:solidFill>
+              </a:rPr>
+              <a:t>Await</a:t>
+            </a:r>
+            <a:r>
+              <a:rPr lang="pt-BR" sz="1400" dirty="0">
+                <a:solidFill>
+                  <a:srgbClr val="FF0000"/>
+                </a:solidFill>
+              </a:rPr>
+              <a:t>: deixa a tarefa esperando para ser executada</a:t>
+            </a:r>
+          </a:p>
+        </p:txBody>
+      </p:sp>
+      <p:sp>
+        <p:nvSpPr>
+          <p:cNvPr id="7" name="CaixaDeTexto 6">
+            <a:extLst>
+              <a:ext uri="{FF2B5EF4-FFF2-40B4-BE49-F238E27FC236}">
+                <a16:creationId xmlns:a16="http://schemas.microsoft.com/office/drawing/2014/main" id="{297CA72A-0134-9321-7CF3-55986A4C0773}"/>
+              </a:ext>
+            </a:extLst>
+          </p:cNvPr>
+          <p:cNvSpPr txBox="1"/>
+          <p:nvPr/>
+        </p:nvSpPr>
+        <p:spPr>
+          <a:xfrm>
+            <a:off x="7495032" y="3488795"/>
+            <a:ext cx="2889504" cy="523220"/>
+          </a:xfrm>
+          <a:prstGeom prst="rect">
+            <a:avLst/>
+          </a:prstGeom>
+          <a:noFill/>
+        </p:spPr>
+        <p:txBody>
+          <a:bodyPr wrap="square" rtlCol="0">
+            <a:spAutoFit/>
+          </a:bodyPr>
+          <a:lstStyle/>
+          <a:p>
+            <a:r>
+              <a:rPr lang="pt-BR" sz="1400" dirty="0">
+                <a:solidFill>
+                  <a:srgbClr val="FF0000"/>
+                </a:solidFill>
+              </a:rPr>
+              <a:t>Construtor - Injeção de dependência do contexto</a:t>
+            </a:r>
+          </a:p>
+        </p:txBody>
+      </p:sp>
+      <p:sp>
+        <p:nvSpPr>
+          <p:cNvPr id="8" name="CaixaDeTexto 7">
+            <a:extLst>
+              <a:ext uri="{FF2B5EF4-FFF2-40B4-BE49-F238E27FC236}">
+                <a16:creationId xmlns:a16="http://schemas.microsoft.com/office/drawing/2014/main" id="{42B9180F-7D20-5C21-AE4B-4847DFA955E9}"/>
+              </a:ext>
+            </a:extLst>
+          </p:cNvPr>
+          <p:cNvSpPr txBox="1"/>
+          <p:nvPr/>
+        </p:nvSpPr>
+        <p:spPr>
+          <a:xfrm>
+            <a:off x="7345680" y="3038633"/>
+            <a:ext cx="2889504" cy="307777"/>
+          </a:xfrm>
+          <a:prstGeom prst="rect">
+            <a:avLst/>
+          </a:prstGeom>
+          <a:noFill/>
+        </p:spPr>
+        <p:txBody>
+          <a:bodyPr wrap="square" rtlCol="0">
+            <a:spAutoFit/>
+          </a:bodyPr>
+          <a:lstStyle/>
+          <a:p>
+            <a:r>
+              <a:rPr lang="pt-BR" sz="1400" dirty="0">
+                <a:solidFill>
+                  <a:srgbClr val="FF0000"/>
+                </a:solidFill>
+              </a:rPr>
+              <a:t>Campo de apoio</a:t>
+            </a:r>
+          </a:p>
+        </p:txBody>
+      </p:sp>
+      <p:sp>
+        <p:nvSpPr>
+          <p:cNvPr id="9" name="CaixaDeTexto 8">
+            <a:extLst>
+              <a:ext uri="{FF2B5EF4-FFF2-40B4-BE49-F238E27FC236}">
+                <a16:creationId xmlns:a16="http://schemas.microsoft.com/office/drawing/2014/main" id="{2BC55D0B-F37D-8CD5-20B9-2497D178B122}"/>
+              </a:ext>
+            </a:extLst>
+          </p:cNvPr>
+          <p:cNvSpPr txBox="1"/>
+          <p:nvPr/>
+        </p:nvSpPr>
+        <p:spPr>
+          <a:xfrm>
+            <a:off x="5596128" y="2044875"/>
+            <a:ext cx="2889504" cy="523220"/>
+          </a:xfrm>
+          <a:prstGeom prst="rect">
+            <a:avLst/>
+          </a:prstGeom>
+          <a:noFill/>
+        </p:spPr>
+        <p:txBody>
+          <a:bodyPr wrap="square" rtlCol="0">
+            <a:spAutoFit/>
+          </a:bodyPr>
+          <a:lstStyle/>
+          <a:p>
+            <a:r>
+              <a:rPr lang="pt-BR" sz="1400" dirty="0" err="1">
+                <a:solidFill>
+                  <a:srgbClr val="FF0000"/>
+                </a:solidFill>
+              </a:rPr>
+              <a:t>Using</a:t>
+            </a:r>
+            <a:r>
+              <a:rPr lang="pt-BR" sz="1400" dirty="0">
+                <a:solidFill>
+                  <a:srgbClr val="FF0000"/>
+                </a:solidFill>
+              </a:rPr>
+              <a:t> necessários, serão solicitados pelo código</a:t>
+            </a:r>
+          </a:p>
+        </p:txBody>
+      </p:sp>
+    </p:spTree>
+    <p:extLst>
+      <p:ext uri="{BB962C8B-B14F-4D97-AF65-F5344CB8AC3E}">
+        <p14:creationId xmlns:p14="http://schemas.microsoft.com/office/powerpoint/2010/main" val="569230645"/>
+      </p:ext>
+    </p:extLst>
+  </p:cSld>
+  <p:clrMapOvr>
+    <a:masterClrMapping/>
+  </p:clrMapOvr>
+</p:sld>
+</file>
+
+<file path=ppt/slides/slide27.xml><?xml version="1.0" encoding="utf-8"?>
+<p:sld xmlns:a="http://schemas.openxmlformats.org/drawingml/2006/main" xmlns:r="http://schemas.openxmlformats.org/officeDocument/2006/relationships" xmlns:p="http://schemas.openxmlformats.org/presentationml/2006/main">
+  <p:cSld>
+    <p:spTree>
+      <p:nvGrpSpPr>
+        <p:cNvPr id="1" name=""/>
+        <p:cNvGrpSpPr/>
+        <p:nvPr/>
+      </p:nvGrpSpPr>
+      <p:grpSpPr>
+        <a:xfrm>
+          <a:off x="0" y="0"/>
+          <a:ext cx="0" cy="0"/>
+          <a:chOff x="0" y="0"/>
+          <a:chExt cx="0" cy="0"/>
+        </a:xfrm>
+      </p:grpSpPr>
+      <p:sp>
+        <p:nvSpPr>
+          <p:cNvPr id="2" name="Título 1">
+            <a:extLst>
+              <a:ext uri="{FF2B5EF4-FFF2-40B4-BE49-F238E27FC236}">
+                <a16:creationId xmlns:a16="http://schemas.microsoft.com/office/drawing/2014/main" id="{54C74C9D-DCA9-1623-8EF1-5C28A235C890}"/>
+              </a:ext>
+            </a:extLst>
+          </p:cNvPr>
+          <p:cNvSpPr>
+            <a:spLocks noGrp="1"/>
+          </p:cNvSpPr>
+          <p:nvPr>
+            <p:ph type="title"/>
+          </p:nvPr>
+        </p:nvSpPr>
+        <p:spPr/>
+        <p:txBody>
+          <a:bodyPr>
+            <a:normAutofit/>
+          </a:bodyPr>
+          <a:lstStyle/>
+          <a:p>
+            <a:r>
+              <a:rPr lang="pt-BR" sz="5400" dirty="0" err="1"/>
+              <a:t>Async</a:t>
+            </a:r>
+            <a:r>
+              <a:rPr lang="pt-BR" sz="5400" dirty="0"/>
+              <a:t> e </a:t>
+            </a:r>
+            <a:r>
+              <a:rPr lang="pt-BR" sz="5400" dirty="0" err="1"/>
+              <a:t>await</a:t>
+            </a:r>
+            <a:r>
+              <a:rPr lang="pt-BR" sz="5400" dirty="0"/>
+              <a:t>:</a:t>
+            </a:r>
+            <a:br>
+              <a:rPr lang="pt-BR" sz="5400" dirty="0"/>
+            </a:br>
+            <a:r>
+              <a:rPr lang="pt-BR" sz="2400" dirty="0">
+                <a:solidFill>
+                  <a:srgbClr val="FF0000"/>
+                </a:solidFill>
+              </a:rPr>
+              <a:t>Quando usamos um método </a:t>
+            </a:r>
+            <a:r>
+              <a:rPr lang="pt-BR" sz="2400" dirty="0" err="1">
+                <a:solidFill>
+                  <a:srgbClr val="FF0000"/>
+                </a:solidFill>
+              </a:rPr>
+              <a:t>await</a:t>
+            </a:r>
+            <a:r>
+              <a:rPr lang="pt-BR" sz="2400" dirty="0">
+                <a:solidFill>
+                  <a:srgbClr val="FF0000"/>
+                </a:solidFill>
+              </a:rPr>
+              <a:t>, a função precisa ser assíncrona</a:t>
+            </a:r>
+            <a:endParaRPr lang="pt-BR" sz="6600" dirty="0">
+              <a:solidFill>
+                <a:srgbClr val="FF0000"/>
+              </a:solidFill>
+            </a:endParaRPr>
+          </a:p>
+        </p:txBody>
+      </p:sp>
+      <p:pic>
+        <p:nvPicPr>
+          <p:cNvPr id="5" name="Espaço Reservado para Conteúdo 4">
+            <a:extLst>
+              <a:ext uri="{FF2B5EF4-FFF2-40B4-BE49-F238E27FC236}">
+                <a16:creationId xmlns:a16="http://schemas.microsoft.com/office/drawing/2014/main" id="{B5E565E8-EF30-CA9C-36C7-D33E8038C17C}"/>
+              </a:ext>
+            </a:extLst>
+          </p:cNvPr>
+          <p:cNvPicPr>
+            <a:picLocks noGrp="1" noChangeAspect="1"/>
+          </p:cNvPicPr>
+          <p:nvPr>
+            <p:ph idx="1"/>
+          </p:nvPr>
+        </p:nvPicPr>
+        <p:blipFill>
+          <a:blip r:embed="rId2"/>
+          <a:stretch>
+            <a:fillRect/>
+          </a:stretch>
+        </p:blipFill>
+        <p:spPr>
+          <a:xfrm>
+            <a:off x="2068026" y="2932757"/>
+            <a:ext cx="6982799" cy="2143424"/>
+          </a:xfrm>
+          <a:prstGeom prst="rect">
+            <a:avLst/>
+          </a:prstGeom>
+        </p:spPr>
+      </p:pic>
+    </p:spTree>
+    <p:extLst>
+      <p:ext uri="{BB962C8B-B14F-4D97-AF65-F5344CB8AC3E}">
+        <p14:creationId xmlns:p14="http://schemas.microsoft.com/office/powerpoint/2010/main" val="3696414019"/>
+      </p:ext>
+    </p:extLst>
+  </p:cSld>
+  <p:clrMapOvr>
+    <a:masterClrMapping/>
+  </p:clrMapOvr>
+</p:sld>
+</file>
+
+<file path=ppt/slides/slide28.xml><?xml version="1.0" encoding="utf-8"?>
+<p:sld xmlns:a="http://schemas.openxmlformats.org/drawingml/2006/main" xmlns:r="http://schemas.openxmlformats.org/officeDocument/2006/relationships" xmlns:p="http://schemas.openxmlformats.org/presentationml/2006/main">
+  <p:cSld>
+    <p:spTree>
+      <p:nvGrpSpPr>
+        <p:cNvPr id="1" name=""/>
+        <p:cNvGrpSpPr/>
+        <p:nvPr/>
+      </p:nvGrpSpPr>
+      <p:grpSpPr>
+        <a:xfrm>
+          <a:off x="0" y="0"/>
+          <a:ext cx="0" cy="0"/>
+          <a:chOff x="0" y="0"/>
+          <a:chExt cx="0" cy="0"/>
+        </a:xfrm>
+      </p:grpSpPr>
+      <p:sp>
+        <p:nvSpPr>
+          <p:cNvPr id="2" name="Título 1">
+            <a:extLst>
+              <a:ext uri="{FF2B5EF4-FFF2-40B4-BE49-F238E27FC236}">
+                <a16:creationId xmlns:a16="http://schemas.microsoft.com/office/drawing/2014/main" id="{C61E2FFB-1770-28D3-8FB6-7E5E7840D45F}"/>
+              </a:ext>
+            </a:extLst>
+          </p:cNvPr>
+          <p:cNvSpPr>
+            <a:spLocks noGrp="1"/>
+          </p:cNvSpPr>
+          <p:nvPr>
+            <p:ph type="title"/>
+          </p:nvPr>
+        </p:nvSpPr>
+        <p:spPr/>
+        <p:txBody>
+          <a:bodyPr/>
+          <a:lstStyle/>
+          <a:p>
+            <a:endParaRPr lang="pt-BR" dirty="0"/>
+          </a:p>
+        </p:txBody>
+      </p:sp>
+      <p:pic>
+        <p:nvPicPr>
+          <p:cNvPr id="5" name="Espaço Reservado para Conteúdo 4">
+            <a:extLst>
+              <a:ext uri="{FF2B5EF4-FFF2-40B4-BE49-F238E27FC236}">
+                <a16:creationId xmlns:a16="http://schemas.microsoft.com/office/drawing/2014/main" id="{F4B476A5-AA2C-68D6-5B5B-AB2581A68F07}"/>
+              </a:ext>
+            </a:extLst>
+          </p:cNvPr>
+          <p:cNvPicPr>
+            <a:picLocks noGrp="1" noChangeAspect="1"/>
+          </p:cNvPicPr>
+          <p:nvPr>
+            <p:ph idx="1"/>
+          </p:nvPr>
+        </p:nvPicPr>
+        <p:blipFill>
+          <a:blip r:embed="rId2"/>
+          <a:stretch>
+            <a:fillRect/>
+          </a:stretch>
+        </p:blipFill>
+        <p:spPr>
+          <a:xfrm>
+            <a:off x="1261872" y="1920240"/>
+            <a:ext cx="5062831" cy="4351338"/>
+          </a:xfrm>
+          <a:prstGeom prst="rect">
+            <a:avLst/>
+          </a:prstGeom>
+        </p:spPr>
+      </p:pic>
+      <p:sp>
+        <p:nvSpPr>
+          <p:cNvPr id="6" name="CaixaDeTexto 5">
+            <a:extLst>
+              <a:ext uri="{FF2B5EF4-FFF2-40B4-BE49-F238E27FC236}">
+                <a16:creationId xmlns:a16="http://schemas.microsoft.com/office/drawing/2014/main" id="{9F87F30F-D426-14EA-5EEC-997B3C049901}"/>
+              </a:ext>
+            </a:extLst>
+          </p:cNvPr>
+          <p:cNvSpPr txBox="1"/>
+          <p:nvPr/>
+        </p:nvSpPr>
+        <p:spPr>
+          <a:xfrm>
+            <a:off x="6510528" y="1920240"/>
+            <a:ext cx="3767328" cy="646331"/>
+          </a:xfrm>
+          <a:prstGeom prst="rect">
+            <a:avLst/>
+          </a:prstGeom>
+          <a:noFill/>
+        </p:spPr>
+        <p:txBody>
+          <a:bodyPr wrap="square" rtlCol="0">
+            <a:spAutoFit/>
+          </a:bodyPr>
+          <a:lstStyle/>
+          <a:p>
+            <a:r>
+              <a:rPr lang="pt-BR" dirty="0"/>
+              <a:t>Criando a parte de filme, CRUD </a:t>
+            </a:r>
+          </a:p>
+          <a:p>
+            <a:r>
+              <a:rPr lang="pt-BR" dirty="0"/>
+              <a:t>Passo a passo com cada função</a:t>
+            </a:r>
+          </a:p>
+        </p:txBody>
+      </p:sp>
+    </p:spTree>
+    <p:extLst>
+      <p:ext uri="{BB962C8B-B14F-4D97-AF65-F5344CB8AC3E}">
+        <p14:creationId xmlns:p14="http://schemas.microsoft.com/office/powerpoint/2010/main" val="1200594811"/>
+      </p:ext>
+    </p:extLst>
+  </p:cSld>
+  <p:clrMapOvr>
+    <a:masterClrMapping/>
+  </p:clrMapOvr>
+</p:sld>
+</file>
+
+<file path=ppt/slides/slide29.xml><?xml version="1.0" encoding="utf-8"?>
+<p:sld xmlns:a="http://schemas.openxmlformats.org/drawingml/2006/main" xmlns:r="http://schemas.openxmlformats.org/officeDocument/2006/relationships" xmlns:p="http://schemas.openxmlformats.org/presentationml/2006/main">
+  <p:cSld>
+    <p:spTree>
+      <p:nvGrpSpPr>
+        <p:cNvPr id="1" name=""/>
+        <p:cNvGrpSpPr/>
+        <p:nvPr/>
+      </p:nvGrpSpPr>
+      <p:grpSpPr>
+        <a:xfrm>
+          <a:off x="0" y="0"/>
+          <a:ext cx="0" cy="0"/>
+          <a:chOff x="0" y="0"/>
+          <a:chExt cx="0" cy="0"/>
+        </a:xfrm>
+      </p:grpSpPr>
+      <p:sp>
+        <p:nvSpPr>
+          <p:cNvPr id="2" name="Título 1">
+            <a:extLst>
+              <a:ext uri="{FF2B5EF4-FFF2-40B4-BE49-F238E27FC236}">
+                <a16:creationId xmlns:a16="http://schemas.microsoft.com/office/drawing/2014/main" id="{65DE4D62-B52A-A36F-5DE4-A300F9A14981}"/>
+              </a:ext>
+            </a:extLst>
+          </p:cNvPr>
+          <p:cNvSpPr>
+            <a:spLocks noGrp="1"/>
+          </p:cNvSpPr>
+          <p:nvPr>
+            <p:ph type="title"/>
+          </p:nvPr>
+        </p:nvSpPr>
+        <p:spPr/>
+        <p:txBody>
+          <a:bodyPr/>
+          <a:lstStyle/>
+          <a:p>
+            <a:endParaRPr lang="pt-BR"/>
+          </a:p>
+        </p:txBody>
+      </p:sp>
+      <p:pic>
+        <p:nvPicPr>
+          <p:cNvPr id="5" name="Espaço Reservado para Conteúdo 4">
+            <a:extLst>
+              <a:ext uri="{FF2B5EF4-FFF2-40B4-BE49-F238E27FC236}">
+                <a16:creationId xmlns:a16="http://schemas.microsoft.com/office/drawing/2014/main" id="{B125859B-B21E-C227-5493-61F92DF5E5D8}"/>
+              </a:ext>
+            </a:extLst>
+          </p:cNvPr>
+          <p:cNvPicPr>
+            <a:picLocks noGrp="1" noChangeAspect="1"/>
+          </p:cNvPicPr>
+          <p:nvPr>
+            <p:ph idx="1"/>
+          </p:nvPr>
+        </p:nvPicPr>
+        <p:blipFill>
+          <a:blip r:embed="rId2"/>
+          <a:stretch>
+            <a:fillRect/>
+          </a:stretch>
+        </p:blipFill>
+        <p:spPr>
+          <a:xfrm>
+            <a:off x="1262064" y="1881067"/>
+            <a:ext cx="7200124" cy="3557708"/>
+          </a:xfrm>
+          <a:prstGeom prst="rect">
+            <a:avLst/>
+          </a:prstGeom>
+        </p:spPr>
+      </p:pic>
+      <p:sp>
+        <p:nvSpPr>
+          <p:cNvPr id="6" name="CaixaDeTexto 5">
+            <a:extLst>
+              <a:ext uri="{FF2B5EF4-FFF2-40B4-BE49-F238E27FC236}">
+                <a16:creationId xmlns:a16="http://schemas.microsoft.com/office/drawing/2014/main" id="{662DF047-F365-6DE1-759F-206E78ED44FA}"/>
+              </a:ext>
+            </a:extLst>
+          </p:cNvPr>
+          <p:cNvSpPr txBox="1"/>
+          <p:nvPr/>
+        </p:nvSpPr>
+        <p:spPr>
+          <a:xfrm>
+            <a:off x="8462188" y="1881067"/>
+            <a:ext cx="2724150" cy="646331"/>
+          </a:xfrm>
+          <a:prstGeom prst="rect">
+            <a:avLst/>
+          </a:prstGeom>
+          <a:noFill/>
+        </p:spPr>
+        <p:txBody>
+          <a:bodyPr wrap="square" rtlCol="0">
+            <a:spAutoFit/>
+          </a:bodyPr>
+          <a:lstStyle/>
+          <a:p>
+            <a:r>
+              <a:rPr lang="pt-BR" dirty="0"/>
+              <a:t>Criando o restos da funções</a:t>
+            </a:r>
+          </a:p>
+        </p:txBody>
+      </p:sp>
+      <p:sp>
+        <p:nvSpPr>
+          <p:cNvPr id="7" name="CaixaDeTexto 6">
+            <a:extLst>
+              <a:ext uri="{FF2B5EF4-FFF2-40B4-BE49-F238E27FC236}">
+                <a16:creationId xmlns:a16="http://schemas.microsoft.com/office/drawing/2014/main" id="{DCE1F936-9529-C798-38A8-B7946E986F8E}"/>
+              </a:ext>
+            </a:extLst>
+          </p:cNvPr>
+          <p:cNvSpPr txBox="1"/>
+          <p:nvPr/>
+        </p:nvSpPr>
+        <p:spPr>
+          <a:xfrm>
+            <a:off x="8462188" y="4330603"/>
+            <a:ext cx="2724150" cy="1200329"/>
+          </a:xfrm>
+          <a:prstGeom prst="rect">
+            <a:avLst/>
+          </a:prstGeom>
+          <a:noFill/>
+        </p:spPr>
+        <p:txBody>
+          <a:bodyPr wrap="square" rtlCol="0">
+            <a:spAutoFit/>
+          </a:bodyPr>
+          <a:lstStyle/>
+          <a:p>
+            <a:r>
+              <a:rPr lang="pt-BR" dirty="0">
+                <a:solidFill>
+                  <a:srgbClr val="FF0000"/>
+                </a:solidFill>
+                <a:highlight>
+                  <a:srgbClr val="FFFF00"/>
+                </a:highlight>
+              </a:rPr>
+              <a:t>Estudar cada função</a:t>
+            </a:r>
+          </a:p>
+          <a:p>
+            <a:r>
+              <a:rPr lang="pt-BR" dirty="0">
+                <a:solidFill>
+                  <a:srgbClr val="FF0000"/>
+                </a:solidFill>
+                <a:highlight>
+                  <a:srgbClr val="FFFF00"/>
+                </a:highlight>
+              </a:rPr>
+              <a:t>O que faz</a:t>
+            </a:r>
+          </a:p>
+          <a:p>
+            <a:r>
+              <a:rPr lang="pt-BR" dirty="0">
+                <a:solidFill>
+                  <a:srgbClr val="FF0000"/>
+                </a:solidFill>
+                <a:highlight>
+                  <a:srgbClr val="FFFF00"/>
+                </a:highlight>
+              </a:rPr>
+              <a:t>pra que faz</a:t>
+            </a:r>
+          </a:p>
+          <a:p>
+            <a:r>
+              <a:rPr lang="pt-BR" dirty="0">
+                <a:solidFill>
+                  <a:srgbClr val="FF0000"/>
+                </a:solidFill>
+                <a:highlight>
+                  <a:srgbClr val="FFFF00"/>
+                </a:highlight>
+              </a:rPr>
+              <a:t>como faz</a:t>
+            </a:r>
+          </a:p>
+        </p:txBody>
+      </p:sp>
+    </p:spTree>
+    <p:extLst>
+      <p:ext uri="{BB962C8B-B14F-4D97-AF65-F5344CB8AC3E}">
+        <p14:creationId xmlns:p14="http://schemas.microsoft.com/office/powerpoint/2010/main" val="336641571"/>
       </p:ext>
     </p:extLst>
   </p:cSld>
@@ -7108,6 +9584,98 @@
     <p:extLst>
       <p:ext uri="{BB962C8B-B14F-4D97-AF65-F5344CB8AC3E}">
         <p14:creationId xmlns:p14="http://schemas.microsoft.com/office/powerpoint/2010/main" val="1910816413"/>
+      </p:ext>
+    </p:extLst>
+  </p:cSld>
+  <p:clrMapOvr>
+    <a:masterClrMapping/>
+  </p:clrMapOvr>
+</p:sld>
+</file>
+
+<file path=ppt/slides/slide30.xml><?xml version="1.0" encoding="utf-8"?>
+<p:sld xmlns:a="http://schemas.openxmlformats.org/drawingml/2006/main" xmlns:r="http://schemas.openxmlformats.org/officeDocument/2006/relationships" xmlns:p="http://schemas.openxmlformats.org/presentationml/2006/main">
+  <p:cSld>
+    <p:spTree>
+      <p:nvGrpSpPr>
+        <p:cNvPr id="1" name=""/>
+        <p:cNvGrpSpPr/>
+        <p:nvPr/>
+      </p:nvGrpSpPr>
+      <p:grpSpPr>
+        <a:xfrm>
+          <a:off x="0" y="0"/>
+          <a:ext cx="0" cy="0"/>
+          <a:chOff x="0" y="0"/>
+          <a:chExt cx="0" cy="0"/>
+        </a:xfrm>
+      </p:grpSpPr>
+      <p:sp>
+        <p:nvSpPr>
+          <p:cNvPr id="2" name="Título 1">
+            <a:extLst>
+              <a:ext uri="{FF2B5EF4-FFF2-40B4-BE49-F238E27FC236}">
+                <a16:creationId xmlns:a16="http://schemas.microsoft.com/office/drawing/2014/main" id="{CD05845C-0D9D-2B64-E4D5-12805FD322FC}"/>
+              </a:ext>
+            </a:extLst>
+          </p:cNvPr>
+          <p:cNvSpPr>
+            <a:spLocks noGrp="1"/>
+          </p:cNvSpPr>
+          <p:nvPr>
+            <p:ph type="title"/>
+          </p:nvPr>
+        </p:nvSpPr>
+        <p:spPr/>
+        <p:txBody>
+          <a:bodyPr/>
+          <a:lstStyle/>
+          <a:p>
+            <a:r>
+              <a:rPr lang="pt-BR" dirty="0" err="1"/>
+              <a:t>Repository</a:t>
+            </a:r>
+            <a:r>
+              <a:rPr lang="pt-BR" dirty="0"/>
+              <a:t> </a:t>
+            </a:r>
+            <a:r>
+              <a:rPr lang="pt-BR" dirty="0" err="1"/>
+              <a:t>Usuario</a:t>
+            </a:r>
+            <a:endParaRPr lang="pt-BR" dirty="0"/>
+          </a:p>
+        </p:txBody>
+      </p:sp>
+      <p:sp>
+        <p:nvSpPr>
+          <p:cNvPr id="3" name="Espaço Reservado para Conteúdo 2">
+            <a:extLst>
+              <a:ext uri="{FF2B5EF4-FFF2-40B4-BE49-F238E27FC236}">
+                <a16:creationId xmlns:a16="http://schemas.microsoft.com/office/drawing/2014/main" id="{BB89FF46-2D73-45A9-56C0-44BB2AF97262}"/>
+              </a:ext>
+            </a:extLst>
+          </p:cNvPr>
+          <p:cNvSpPr>
+            <a:spLocks noGrp="1"/>
+          </p:cNvSpPr>
+          <p:nvPr>
+            <p:ph idx="1"/>
+          </p:nvPr>
+        </p:nvSpPr>
+        <p:spPr/>
+        <p:txBody>
+          <a:bodyPr/>
+          <a:lstStyle/>
+          <a:p>
+            <a:endParaRPr lang="pt-BR"/>
+          </a:p>
+        </p:txBody>
+      </p:sp>
+    </p:spTree>
+    <p:extLst>
+      <p:ext uri="{BB962C8B-B14F-4D97-AF65-F5344CB8AC3E}">
+        <p14:creationId xmlns:p14="http://schemas.microsoft.com/office/powerpoint/2010/main" val="1941264675"/>
       </p:ext>
     </p:extLst>
   </p:cSld>
